--- a/Anglais.pptx
+++ b/Anglais.pptx
@@ -8,20 +8,25 @@
     <p:sldId id="256" r:id="rId2"/>
     <p:sldId id="257" r:id="rId3"/>
     <p:sldId id="258" r:id="rId4"/>
-    <p:sldId id="259" r:id="rId5"/>
-    <p:sldId id="260" r:id="rId6"/>
-    <p:sldId id="261" r:id="rId7"/>
-    <p:sldId id="262" r:id="rId8"/>
-    <p:sldId id="263" r:id="rId9"/>
-    <p:sldId id="264" r:id="rId10"/>
-    <p:sldId id="265" r:id="rId11"/>
-    <p:sldId id="272" r:id="rId12"/>
-    <p:sldId id="266" r:id="rId13"/>
-    <p:sldId id="270" r:id="rId14"/>
-    <p:sldId id="271" r:id="rId15"/>
-    <p:sldId id="273" r:id="rId16"/>
-    <p:sldId id="267" r:id="rId17"/>
-    <p:sldId id="268" r:id="rId18"/>
+    <p:sldId id="274" r:id="rId5"/>
+    <p:sldId id="275" r:id="rId6"/>
+    <p:sldId id="276" r:id="rId7"/>
+    <p:sldId id="260" r:id="rId8"/>
+    <p:sldId id="279" r:id="rId9"/>
+    <p:sldId id="280" r:id="rId10"/>
+    <p:sldId id="278" r:id="rId11"/>
+    <p:sldId id="277" r:id="rId12"/>
+    <p:sldId id="261" r:id="rId13"/>
+    <p:sldId id="281" r:id="rId14"/>
+    <p:sldId id="262" r:id="rId15"/>
+    <p:sldId id="265" r:id="rId16"/>
+    <p:sldId id="272" r:id="rId17"/>
+    <p:sldId id="266" r:id="rId18"/>
+    <p:sldId id="270" r:id="rId19"/>
+    <p:sldId id="271" r:id="rId20"/>
+    <p:sldId id="273" r:id="rId21"/>
+    <p:sldId id="267" r:id="rId22"/>
+    <p:sldId id="268" r:id="rId23"/>
   </p:sldIdLst>
   <p:sldSz cx="12192000" cy="6858000"/>
   <p:notesSz cx="7772400" cy="10058400"/>
@@ -120,6 +125,11 @@
       </a:defRPr>
     </a:lvl9pPr>
   </p:defaultTextStyle>
+  <p:extLst>
+    <p:ext uri="{EFAFB233-063F-42B5-8137-9DF3F51BA10A}">
+      <p15:sldGuideLst xmlns:p15="http://schemas.microsoft.com/office/powerpoint/2012/main"/>
+    </p:ext>
+  </p:extLst>
 </p:presentation>
 </file>
 
@@ -1725,7 +1735,7 @@
                 </a:solidFill>
                 <a:latin typeface="Calibri"/>
               </a:rPr>
-              <a:t>03-12-18</a:t>
+              <a:t>05-12-18</a:t>
             </a:fld>
             <a:endParaRPr lang="fr-BE" sz="1200" b="0" strike="noStrike" spc="-1">
               <a:latin typeface="Times New Roman"/>
@@ -2592,7 +2602,7 @@
       </p:grpSpPr>
       <p:pic>
         <p:nvPicPr>
-          <p:cNvPr id="81" name="Image 6"/>
+          <p:cNvPr id="59" name="Image 6"/>
           <p:cNvPicPr/>
           <p:nvPr/>
         </p:nvPicPr>
@@ -2615,7 +2625,7 @@
       </p:pic>
       <p:sp>
         <p:nvSpPr>
-          <p:cNvPr id="82" name="CustomShape 1"/>
+          <p:cNvPr id="60" name="CustomShape 1"/>
           <p:cNvSpPr/>
           <p:nvPr/>
         </p:nvSpPr>
@@ -2661,7 +2671,7 @@
                 <a:uFillTx/>
                 <a:latin typeface="Times New Roman"/>
               </a:rPr>
-              <a:t>Bayesian game</a:t>
+              <a:t>Basis statement</a:t>
             </a:r>
             <a:endParaRPr lang="fr-BE" sz="7200" b="0" strike="noStrike" spc="-1">
               <a:latin typeface="Arial"/>
@@ -2671,7 +2681,7 @@
       </p:sp>
       <p:sp>
         <p:nvSpPr>
-          <p:cNvPr id="83" name="CustomShape 2"/>
+          <p:cNvPr id="61" name="CustomShape 2"/>
           <p:cNvSpPr/>
           <p:nvPr/>
         </p:nvSpPr>
@@ -2721,7 +2731,7 @@
                 </a:solidFill>
                 <a:latin typeface="Times New Roman"/>
               </a:rPr>
-              <a:t>What is that ?</a:t>
+              <a:t>What’s an algorithm ?</a:t>
             </a:r>
             <a:endParaRPr lang="fr-BE" sz="2800" b="0" strike="noStrike" spc="-1">
               <a:latin typeface="Arial"/>
@@ -2741,14 +2751,14 @@
       </p:sp>
       <p:sp>
         <p:nvSpPr>
-          <p:cNvPr id="84" name="CustomShape 3"/>
+          <p:cNvPr id="63" name="CustomShape 4"/>
           <p:cNvSpPr/>
           <p:nvPr/>
         </p:nvSpPr>
         <p:spPr>
           <a:xfrm>
-            <a:off x="378360" y="3589200"/>
-            <a:ext cx="3273120" cy="516960"/>
+            <a:off x="371880" y="3589200"/>
+            <a:ext cx="2067840" cy="516960"/>
           </a:xfrm>
           <a:prstGeom prst="rect">
             <a:avLst/>
@@ -2786,7 +2796,7 @@
                 </a:solidFill>
                 <a:latin typeface="Times New Roman"/>
               </a:rPr>
-              <a:t>- Stackelberg strategy</a:t>
+              <a:t>- Complexity</a:t>
             </a:r>
             <a:endParaRPr lang="fr-BE" sz="2800" b="0" strike="noStrike" spc="-1">
               <a:latin typeface="Arial"/>
@@ -2794,7 +2804,48 @@
           </a:p>
         </p:txBody>
       </p:sp>
+      <p:pic>
+        <p:nvPicPr>
+          <p:cNvPr id="3" name="Image 2">
+            <a:extLst>
+              <a:ext uri="{FF2B5EF4-FFF2-40B4-BE49-F238E27FC236}">
+                <a16:creationId xmlns:a16="http://schemas.microsoft.com/office/drawing/2014/main" id="{704274E1-E051-4C80-9086-1F87A583D23C}"/>
+              </a:ext>
+            </a:extLst>
+          </p:cNvPr>
+          <p:cNvPicPr>
+            <a:picLocks noChangeAspect="1"/>
+          </p:cNvPicPr>
+          <p:nvPr/>
+        </p:nvPicPr>
+        <p:blipFill>
+          <a:blip r:embed="rId3">
+            <a:extLst>
+              <a:ext uri="{28A0092B-C50C-407E-A947-70E740481C1C}">
+                <a14:useLocalDpi xmlns:a14="http://schemas.microsoft.com/office/drawing/2010/main" val="0"/>
+              </a:ext>
+            </a:extLst>
+          </a:blip>
+          <a:stretch>
+            <a:fillRect/>
+          </a:stretch>
+        </p:blipFill>
+        <p:spPr>
+          <a:xfrm>
+            <a:off x="4092236" y="2788920"/>
+            <a:ext cx="7772642" cy="3514226"/>
+          </a:xfrm>
+          <a:prstGeom prst="rect">
+            <a:avLst/>
+          </a:prstGeom>
+        </p:spPr>
+      </p:pic>
     </p:spTree>
+    <p:extLst>
+      <p:ext uri="{BB962C8B-B14F-4D97-AF65-F5344CB8AC3E}">
+        <p14:creationId xmlns:p14="http://schemas.microsoft.com/office/powerpoint/2010/main" val="892346472"/>
+      </p:ext>
+    </p:extLst>
   </p:cSld>
   <p:clrMapOvr>
     <a:masterClrMapping/>
@@ -2848,7 +2899,7 @@
       </p:grpSpPr>
       <p:pic>
         <p:nvPicPr>
-          <p:cNvPr id="81" name="Image 6"/>
+          <p:cNvPr id="59" name="Image 6"/>
           <p:cNvPicPr/>
           <p:nvPr/>
         </p:nvPicPr>
@@ -2871,7 +2922,7 @@
       </p:pic>
       <p:sp>
         <p:nvSpPr>
-          <p:cNvPr id="82" name="CustomShape 1"/>
+          <p:cNvPr id="60" name="CustomShape 1"/>
           <p:cNvSpPr/>
           <p:nvPr/>
         </p:nvSpPr>
@@ -2910,14 +2961,24 @@
               </a:lnSpc>
             </a:pPr>
             <a:r>
-              <a:rPr lang="fr-BE" sz="7200" b="1" u="sng" strike="noStrike" spc="-1" dirty="0" err="1">
+              <a:rPr lang="fr-BE" sz="7200" b="1" u="sng" strike="noStrike" spc="-1" dirty="0">
                 <a:solidFill>
                   <a:srgbClr val="2F5597"/>
                 </a:solidFill>
                 <a:uFillTx/>
                 <a:latin typeface="Times New Roman"/>
               </a:rPr>
-              <a:t>Experiments</a:t>
+              <a:t>Basis </a:t>
+            </a:r>
+            <a:r>
+              <a:rPr lang="fr-BE" sz="7200" b="1" u="sng" strike="noStrike" spc="-1" dirty="0" err="1">
+                <a:solidFill>
+                  <a:srgbClr val="2F5597"/>
+                </a:solidFill>
+                <a:uFillTx/>
+                <a:latin typeface="Times New Roman"/>
+              </a:rPr>
+              <a:t>statement</a:t>
             </a:r>
             <a:endParaRPr lang="fr-BE" sz="7200" b="0" strike="noStrike" spc="-1" dirty="0">
               <a:latin typeface="Arial"/>
@@ -2927,7 +2988,7 @@
       </p:sp>
       <p:sp>
         <p:nvSpPr>
-          <p:cNvPr id="83" name="CustomShape 2"/>
+          <p:cNvPr id="61" name="CustomShape 2"/>
           <p:cNvSpPr/>
           <p:nvPr/>
         </p:nvSpPr>
@@ -2960,6 +3021,57 @@
           <a:bodyPr lIns="90000" tIns="45000" rIns="90000" bIns="45000"/>
           <a:lstStyle/>
           <a:p>
+            <a:pPr marL="285840" indent="-285480">
+              <a:lnSpc>
+                <a:spcPct val="100000"/>
+              </a:lnSpc>
+              <a:buClr>
+                <a:srgbClr val="000000"/>
+              </a:buClr>
+              <a:buFont typeface="StarSymbol"/>
+              <a:buChar char="-"/>
+            </a:pPr>
+            <a:r>
+              <a:rPr lang="fr-BE" sz="2800" b="0" strike="noStrike" spc="-1" dirty="0" err="1">
+                <a:solidFill>
+                  <a:srgbClr val="000000"/>
+                </a:solidFill>
+                <a:latin typeface="Times New Roman"/>
+              </a:rPr>
+              <a:t>What’s</a:t>
+            </a:r>
+            <a:r>
+              <a:rPr lang="fr-BE" sz="2800" b="0" strike="noStrike" spc="-1" dirty="0">
+                <a:solidFill>
+                  <a:srgbClr val="000000"/>
+                </a:solidFill>
+                <a:latin typeface="Times New Roman"/>
+              </a:rPr>
+              <a:t> an </a:t>
+            </a:r>
+            <a:r>
+              <a:rPr lang="fr-BE" sz="2800" b="0" strike="noStrike" spc="-1" dirty="0" err="1">
+                <a:solidFill>
+                  <a:srgbClr val="000000"/>
+                </a:solidFill>
+                <a:latin typeface="Times New Roman"/>
+              </a:rPr>
+              <a:t>algorithm</a:t>
+            </a:r>
+            <a:r>
+              <a:rPr lang="fr-BE" sz="2800" b="0" strike="noStrike" spc="-1" dirty="0">
+                <a:solidFill>
+                  <a:srgbClr val="000000"/>
+                </a:solidFill>
+                <a:latin typeface="Times New Roman"/>
+              </a:rPr>
+              <a:t> ?</a:t>
+            </a:r>
+            <a:endParaRPr lang="fr-BE" sz="2800" b="0" strike="noStrike" spc="-1" dirty="0">
+              <a:latin typeface="Arial"/>
+            </a:endParaRPr>
+          </a:p>
+          <a:p>
             <a:pPr>
               <a:lnSpc>
                 <a:spcPct val="100000"/>
@@ -2973,14 +3085,14 @@
       </p:sp>
       <p:sp>
         <p:nvSpPr>
-          <p:cNvPr id="84" name="CustomShape 3"/>
+          <p:cNvPr id="62" name="CustomShape 3"/>
           <p:cNvSpPr/>
           <p:nvPr/>
         </p:nvSpPr>
         <p:spPr>
           <a:xfrm>
-            <a:off x="362520" y="2398680"/>
-            <a:ext cx="3273120" cy="516960"/>
+            <a:off x="374760" y="4389480"/>
+            <a:ext cx="2262960" cy="516960"/>
           </a:xfrm>
           <a:prstGeom prst="rect">
             <a:avLst/>
@@ -3006,138 +3118,133 @@
           <a:bodyPr wrap="none" lIns="90000" tIns="45000" rIns="90000" bIns="45000"/>
           <a:lstStyle/>
           <a:p>
-            <a:pPr marL="457200" indent="-457200">
+            <a:pPr>
               <a:lnSpc>
                 <a:spcPct val="100000"/>
               </a:lnSpc>
-              <a:buFontTx/>
-              <a:buChar char="-"/>
-            </a:pPr>
-            <a:r>
-              <a:rPr lang="fr-BE" sz="2800" b="0" strike="noStrike" spc="-1" dirty="0">
-                <a:latin typeface="Times New Roman" panose="02020603050405020304" pitchFamily="18" charset="0"/>
-                <a:ea typeface="Tahoma" panose="020B0604030504040204" pitchFamily="34" charset="0"/>
-                <a:cs typeface="Times New Roman" panose="02020603050405020304" pitchFamily="18" charset="0"/>
-              </a:rPr>
-              <a:t>General LP</a:t>
-            </a:r>
-          </a:p>
-          <a:p>
-            <a:pPr marL="457200" indent="-457200">
+            </a:pPr>
+            <a:r>
+              <a:rPr lang="fr-BE" sz="2800" b="0" strike="noStrike" spc="-1">
+                <a:solidFill>
+                  <a:srgbClr val="000000"/>
+                </a:solidFill>
+                <a:latin typeface="Times New Roman"/>
+              </a:rPr>
+              <a:t>- NP-complete</a:t>
+            </a:r>
+            <a:endParaRPr lang="fr-BE" sz="2800" b="0" strike="noStrike" spc="-1">
+              <a:latin typeface="Arial"/>
+            </a:endParaRPr>
+          </a:p>
+        </p:txBody>
+      </p:sp>
+      <p:sp>
+        <p:nvSpPr>
+          <p:cNvPr id="63" name="CustomShape 4"/>
+          <p:cNvSpPr/>
+          <p:nvPr/>
+        </p:nvSpPr>
+        <p:spPr>
+          <a:xfrm>
+            <a:off x="371880" y="3589200"/>
+            <a:ext cx="2067840" cy="516960"/>
+          </a:xfrm>
+          <a:prstGeom prst="rect">
+            <a:avLst/>
+          </a:prstGeom>
+          <a:noFill/>
+          <a:ln>
+            <a:noFill/>
+          </a:ln>
+        </p:spPr>
+        <p:style>
+          <a:lnRef idx="0">
+            <a:scrgbClr r="0" g="0" b="0"/>
+          </a:lnRef>
+          <a:fillRef idx="0">
+            <a:scrgbClr r="0" g="0" b="0"/>
+          </a:fillRef>
+          <a:effectRef idx="0">
+            <a:scrgbClr r="0" g="0" b="0"/>
+          </a:effectRef>
+          <a:fontRef idx="minor"/>
+        </p:style>
+        <p:txBody>
+          <a:bodyPr wrap="none" lIns="90000" tIns="45000" rIns="90000" bIns="45000"/>
+          <a:lstStyle/>
+          <a:p>
+            <a:pPr>
               <a:lnSpc>
                 <a:spcPct val="100000"/>
               </a:lnSpc>
-              <a:buFontTx/>
-              <a:buChar char="-"/>
             </a:pPr>
             <a:r>
               <a:rPr lang="fr-BE" sz="2800" b="0" strike="noStrike" spc="-1" dirty="0">
-                <a:latin typeface="Times New Roman" panose="02020603050405020304" pitchFamily="18" charset="0"/>
-                <a:ea typeface="Tahoma" panose="020B0604030504040204" pitchFamily="34" charset="0"/>
-                <a:cs typeface="Times New Roman" panose="02020603050405020304" pitchFamily="18" charset="0"/>
-              </a:rPr>
-              <a:t>Marginal LP</a:t>
-            </a:r>
-          </a:p>
-          <a:p>
-            <a:pPr marL="457200" indent="-457200">
-              <a:lnSpc>
-                <a:spcPct val="100000"/>
-              </a:lnSpc>
-              <a:buFontTx/>
-              <a:buChar char="-"/>
-            </a:pPr>
-            <a:r>
-              <a:rPr lang="fr-BE" sz="2800" spc="-1" dirty="0" err="1">
-                <a:latin typeface="Times New Roman" panose="02020603050405020304" pitchFamily="18" charset="0"/>
-                <a:ea typeface="Tahoma" panose="020B0604030504040204" pitchFamily="34" charset="0"/>
-                <a:cs typeface="Times New Roman" panose="02020603050405020304" pitchFamily="18" charset="0"/>
-              </a:rPr>
-              <a:t>Scored</a:t>
-            </a:r>
-            <a:r>
-              <a:rPr lang="fr-BE" sz="2800" spc="-1" dirty="0">
-                <a:latin typeface="Times New Roman" panose="02020603050405020304" pitchFamily="18" charset="0"/>
-                <a:ea typeface="Tahoma" panose="020B0604030504040204" pitchFamily="34" charset="0"/>
-                <a:cs typeface="Times New Roman" panose="02020603050405020304" pitchFamily="18" charset="0"/>
-              </a:rPr>
-              <a:t> test</a:t>
-            </a:r>
-          </a:p>
-          <a:p>
-            <a:pPr marL="457200" indent="-457200">
-              <a:lnSpc>
-                <a:spcPct val="100000"/>
-              </a:lnSpc>
-              <a:buFontTx/>
-              <a:buChar char="-"/>
-            </a:pPr>
-            <a:r>
-              <a:rPr lang="fr-BE" sz="2800" b="0" strike="noStrike" spc="-1" dirty="0">
-                <a:latin typeface="Times New Roman" panose="02020603050405020304" pitchFamily="18" charset="0"/>
-                <a:ea typeface="Tahoma" panose="020B0604030504040204" pitchFamily="34" charset="0"/>
-                <a:cs typeface="Times New Roman" panose="02020603050405020304" pitchFamily="18" charset="0"/>
-              </a:rPr>
-              <a:t>Edmon</a:t>
-            </a:r>
-            <a:r>
-              <a:rPr lang="fr-BE" sz="2800" spc="-1" dirty="0">
-                <a:latin typeface="Times New Roman" panose="02020603050405020304" pitchFamily="18" charset="0"/>
-                <a:ea typeface="Tahoma" panose="020B0604030504040204" pitchFamily="34" charset="0"/>
-                <a:cs typeface="Times New Roman" panose="02020603050405020304" pitchFamily="18" charset="0"/>
-              </a:rPr>
-              <a:t>d-</a:t>
-            </a:r>
-            <a:r>
-              <a:rPr lang="fr-BE" sz="2800" spc="-1" dirty="0" err="1">
-                <a:latin typeface="Times New Roman" panose="02020603050405020304" pitchFamily="18" charset="0"/>
-                <a:ea typeface="Tahoma" panose="020B0604030504040204" pitchFamily="34" charset="0"/>
-                <a:cs typeface="Times New Roman" panose="02020603050405020304" pitchFamily="18" charset="0"/>
-              </a:rPr>
-              <a:t>Karp</a:t>
-            </a:r>
-            <a:endParaRPr lang="fr-BE" sz="2800" spc="-1" dirty="0">
-              <a:latin typeface="Times New Roman" panose="02020603050405020304" pitchFamily="18" charset="0"/>
-              <a:ea typeface="Tahoma" panose="020B0604030504040204" pitchFamily="34" charset="0"/>
-              <a:cs typeface="Times New Roman" panose="02020603050405020304" pitchFamily="18" charset="0"/>
-            </a:endParaRPr>
-          </a:p>
-          <a:p>
-            <a:pPr marL="457200" indent="-457200">
-              <a:lnSpc>
-                <a:spcPct val="100000"/>
-              </a:lnSpc>
-              <a:buFontTx/>
-              <a:buChar char="-"/>
-            </a:pPr>
-            <a:r>
-              <a:rPr lang="fr-BE" sz="2800" b="0" strike="noStrike" spc="-1" dirty="0">
-                <a:latin typeface="Times New Roman" panose="02020603050405020304" pitchFamily="18" charset="0"/>
-                <a:ea typeface="Tahoma" panose="020B0604030504040204" pitchFamily="34" charset="0"/>
-                <a:cs typeface="Times New Roman" panose="02020603050405020304" pitchFamily="18" charset="0"/>
-              </a:rPr>
-              <a:t>Push-</a:t>
+                <a:solidFill>
+                  <a:srgbClr val="000000"/>
+                </a:solidFill>
+                <a:latin typeface="Times New Roman"/>
+              </a:rPr>
+              <a:t>- </a:t>
             </a:r>
             <a:r>
               <a:rPr lang="fr-BE" sz="2800" b="0" strike="noStrike" spc="-1" dirty="0" err="1">
-                <a:latin typeface="Times New Roman" panose="02020603050405020304" pitchFamily="18" charset="0"/>
-                <a:ea typeface="Tahoma" panose="020B0604030504040204" pitchFamily="34" charset="0"/>
-                <a:cs typeface="Times New Roman" panose="02020603050405020304" pitchFamily="18" charset="0"/>
-              </a:rPr>
-              <a:t>Relabel</a:t>
+                <a:solidFill>
+                  <a:srgbClr val="000000"/>
+                </a:solidFill>
+                <a:latin typeface="Times New Roman"/>
+              </a:rPr>
+              <a:t>Complexity</a:t>
             </a:r>
             <a:endParaRPr lang="fr-BE" sz="2800" b="0" strike="noStrike" spc="-1" dirty="0">
-              <a:latin typeface="Times New Roman" panose="02020603050405020304" pitchFamily="18" charset="0"/>
-              <a:ea typeface="Tahoma" panose="020B0604030504040204" pitchFamily="34" charset="0"/>
-              <a:cs typeface="Times New Roman" panose="02020603050405020304" pitchFamily="18" charset="0"/>
-            </a:endParaRPr>
-          </a:p>
-        </p:txBody>
-      </p:sp>
+              <a:latin typeface="Arial"/>
+            </a:endParaRPr>
+          </a:p>
+        </p:txBody>
+      </p:sp>
+      <p:pic>
+        <p:nvPicPr>
+          <p:cNvPr id="3" name="Graphique 2">
+            <a:extLst>
+              <a:ext uri="{FF2B5EF4-FFF2-40B4-BE49-F238E27FC236}">
+                <a16:creationId xmlns:a16="http://schemas.microsoft.com/office/drawing/2014/main" id="{EF7A6F50-1BF7-4B49-AC4A-C0932DFD5202}"/>
+              </a:ext>
+            </a:extLst>
+          </p:cNvPr>
+          <p:cNvPicPr>
+            <a:picLocks noChangeAspect="1"/>
+          </p:cNvPicPr>
+          <p:nvPr/>
+        </p:nvPicPr>
+        <p:blipFill>
+          <a:blip r:embed="rId3">
+            <a:extLst>
+              <a:ext uri="{28A0092B-C50C-407E-A947-70E740481C1C}">
+                <a14:useLocalDpi xmlns:a14="http://schemas.microsoft.com/office/drawing/2010/main" val="0"/>
+              </a:ext>
+              <a:ext uri="{96DAC541-7B7A-43D3-8B79-37D633B846F1}">
+                <asvg:svgBlip xmlns:asvg="http://schemas.microsoft.com/office/drawing/2016/SVG/main" r:embed="rId4"/>
+              </a:ext>
+            </a:extLst>
+          </a:blip>
+          <a:stretch>
+            <a:fillRect/>
+          </a:stretch>
+        </p:blipFill>
+        <p:spPr>
+          <a:xfrm>
+            <a:off x="3848801" y="2496349"/>
+            <a:ext cx="6978642" cy="4361651"/>
+          </a:xfrm>
+          <a:prstGeom prst="rect">
+            <a:avLst/>
+          </a:prstGeom>
+        </p:spPr>
+      </p:pic>
     </p:spTree>
     <p:extLst>
       <p:ext uri="{BB962C8B-B14F-4D97-AF65-F5344CB8AC3E}">
-        <p14:creationId xmlns:p14="http://schemas.microsoft.com/office/powerpoint/2010/main" val="3955630163"/>
+        <p14:creationId xmlns:p14="http://schemas.microsoft.com/office/powerpoint/2010/main" val="2570600484"/>
       </p:ext>
     </p:extLst>
   </p:cSld>
@@ -3191,9 +3298,32 @@
           <a:chExt cx="0" cy="0"/>
         </a:xfrm>
       </p:grpSpPr>
-      <p:sp>
-        <p:nvSpPr>
-          <p:cNvPr id="86" name="CustomShape 1"/>
+      <p:pic>
+        <p:nvPicPr>
+          <p:cNvPr id="64" name="Image 6"/>
+          <p:cNvPicPr/>
+          <p:nvPr/>
+        </p:nvPicPr>
+        <p:blipFill>
+          <a:blip r:embed="rId2"/>
+          <a:stretch/>
+        </p:blipFill>
+        <p:spPr>
+          <a:xfrm>
+            <a:off x="9724680" y="255960"/>
+            <a:ext cx="2142720" cy="2142720"/>
+          </a:xfrm>
+          <a:prstGeom prst="rect">
+            <a:avLst/>
+          </a:prstGeom>
+          <a:ln>
+            <a:noFill/>
+          </a:ln>
+        </p:spPr>
+      </p:pic>
+      <p:sp>
+        <p:nvSpPr>
+          <p:cNvPr id="65" name="CustomShape 1"/>
           <p:cNvSpPr/>
           <p:nvPr/>
         </p:nvSpPr>
@@ -3232,26 +3362,16 @@
               </a:lnSpc>
             </a:pPr>
             <a:r>
-              <a:rPr lang="fr-BE" sz="3500" b="1" u="sng" strike="noStrike" spc="-1" dirty="0">
+              <a:rPr lang="fr-BE" sz="7200" b="1" u="sng" strike="noStrike" spc="-1">
                 <a:solidFill>
                   <a:srgbClr val="2F5597"/>
                 </a:solidFill>
                 <a:uFillTx/>
                 <a:latin typeface="Times New Roman"/>
               </a:rPr>
-              <a:t> Runtime for an optimal tester </a:t>
-            </a:r>
-            <a:r>
-              <a:rPr lang="fr-BE" sz="3500" b="1" u="sng" strike="noStrike" spc="-1" dirty="0" err="1">
-                <a:solidFill>
-                  <a:srgbClr val="2F5597"/>
-                </a:solidFill>
-                <a:uFillTx/>
-                <a:latin typeface="Times New Roman"/>
-              </a:rPr>
-              <a:t>strategy</a:t>
-            </a:r>
-            <a:endParaRPr lang="fr-BE" sz="3500" b="0" strike="noStrike" spc="-1" dirty="0">
+              <a:t>Basis statement</a:t>
+            </a:r>
+            <a:endParaRPr lang="fr-BE" sz="7200" b="0" strike="noStrike" spc="-1">
               <a:latin typeface="Arial"/>
             </a:endParaRPr>
           </a:p>
@@ -3259,14 +3379,14 @@
       </p:sp>
       <p:sp>
         <p:nvSpPr>
-          <p:cNvPr id="88" name="CustomShape 3"/>
+          <p:cNvPr id="66" name="CustomShape 2"/>
           <p:cNvSpPr/>
           <p:nvPr/>
         </p:nvSpPr>
         <p:spPr>
           <a:xfrm>
-            <a:off x="365400" y="3589200"/>
-            <a:ext cx="388440" cy="516960"/>
+            <a:off x="362520" y="2788920"/>
+            <a:ext cx="4491360" cy="791280"/>
           </a:xfrm>
           <a:prstGeom prst="rect">
             <a:avLst/>
@@ -3288,13 +3408,51 @@
           </a:effectRef>
           <a:fontRef idx="minor"/>
         </p:style>
+        <p:txBody>
+          <a:bodyPr lIns="90000" tIns="45000" rIns="90000" bIns="45000"/>
+          <a:lstStyle/>
+          <a:p>
+            <a:pPr marL="285840" indent="-285480">
+              <a:lnSpc>
+                <a:spcPct val="100000"/>
+              </a:lnSpc>
+              <a:buClr>
+                <a:srgbClr val="000000"/>
+              </a:buClr>
+              <a:buFont typeface="StarSymbol"/>
+              <a:buChar char="-"/>
+            </a:pPr>
+            <a:r>
+              <a:rPr lang="fr-BE" sz="2800" b="0" strike="noStrike" spc="-1">
+                <a:solidFill>
+                  <a:srgbClr val="000000"/>
+                </a:solidFill>
+                <a:latin typeface="Times New Roman"/>
+              </a:rPr>
+              <a:t>Zero-sum game</a:t>
+            </a:r>
+            <a:endParaRPr lang="fr-BE" sz="2800" b="0" strike="noStrike" spc="-1">
+              <a:latin typeface="Arial"/>
+            </a:endParaRPr>
+          </a:p>
+          <a:p>
+            <a:pPr>
+              <a:lnSpc>
+                <a:spcPct val="100000"/>
+              </a:lnSpc>
+            </a:pPr>
+            <a:endParaRPr lang="fr-BE" sz="2800" b="0" strike="noStrike" spc="-1">
+              <a:latin typeface="Arial"/>
+            </a:endParaRPr>
+          </a:p>
+        </p:txBody>
       </p:sp>
       <p:pic>
         <p:nvPicPr>
           <p:cNvPr id="3" name="Image 2">
             <a:extLst>
               <a:ext uri="{FF2B5EF4-FFF2-40B4-BE49-F238E27FC236}">
-                <a16:creationId xmlns:a16="http://schemas.microsoft.com/office/drawing/2014/main" id="{7F946194-2A4D-4EF2-8DF4-2625475DF60A}"/>
+                <a16:creationId xmlns:a16="http://schemas.microsoft.com/office/drawing/2014/main" id="{7B5446BE-4CC3-428C-AC9A-EEA063BD1690}"/>
               </a:ext>
             </a:extLst>
           </p:cNvPr>
@@ -3304,7 +3462,7 @@
           <p:nvPr/>
         </p:nvPicPr>
         <p:blipFill>
-          <a:blip r:embed="rId2">
+          <a:blip r:embed="rId3">
             <a:extLst>
               <a:ext uri="{28A0092B-C50C-407E-A947-70E740481C1C}">
                 <a14:useLocalDpi xmlns:a14="http://schemas.microsoft.com/office/drawing/2010/main" val="0"/>
@@ -3317,35 +3475,12 @@
         </p:blipFill>
         <p:spPr>
           <a:xfrm>
-            <a:off x="559620" y="1819922"/>
-            <a:ext cx="10528590" cy="4749777"/>
-          </a:xfrm>
-          <a:prstGeom prst="rect">
-            <a:avLst/>
-          </a:prstGeom>
-        </p:spPr>
-      </p:pic>
-      <p:pic>
-        <p:nvPicPr>
-          <p:cNvPr id="85" name="Image 6"/>
-          <p:cNvPicPr/>
-          <p:nvPr/>
-        </p:nvPicPr>
-        <p:blipFill>
-          <a:blip r:embed="rId3"/>
-          <a:stretch/>
-        </p:blipFill>
-        <p:spPr>
-          <a:xfrm>
-            <a:off x="9724680" y="255960"/>
-            <a:ext cx="2142720" cy="2142720"/>
-          </a:xfrm>
-          <a:prstGeom prst="rect">
-            <a:avLst/>
-          </a:prstGeom>
-          <a:ln>
-            <a:noFill/>
-          </a:ln>
+            <a:off x="3842181" y="2046118"/>
+            <a:ext cx="5715000" cy="4381500"/>
+          </a:xfrm>
+          <a:prstGeom prst="rect">
+            <a:avLst/>
+          </a:prstGeom>
         </p:spPr>
       </p:pic>
     </p:spTree>
@@ -3400,105 +3535,9 @@
           <a:chExt cx="0" cy="0"/>
         </a:xfrm>
       </p:grpSpPr>
-      <p:sp>
-        <p:nvSpPr>
-          <p:cNvPr id="86" name="CustomShape 1"/>
-          <p:cNvSpPr/>
-          <p:nvPr/>
-        </p:nvSpPr>
-        <p:spPr>
-          <a:xfrm>
-            <a:off x="2480040" y="727200"/>
-            <a:ext cx="7231320" cy="1187640"/>
-          </a:xfrm>
-          <a:prstGeom prst="rect">
-            <a:avLst/>
-          </a:prstGeom>
-          <a:noFill/>
-          <a:ln>
-            <a:noFill/>
-          </a:ln>
-        </p:spPr>
-        <p:style>
-          <a:lnRef idx="0">
-            <a:scrgbClr r="0" g="0" b="0"/>
-          </a:lnRef>
-          <a:fillRef idx="0">
-            <a:scrgbClr r="0" g="0" b="0"/>
-          </a:fillRef>
-          <a:effectRef idx="0">
-            <a:scrgbClr r="0" g="0" b="0"/>
-          </a:effectRef>
-          <a:fontRef idx="minor"/>
-        </p:style>
-        <p:txBody>
-          <a:bodyPr lIns="90000" tIns="45000" rIns="90000" bIns="45000"/>
-          <a:lstStyle/>
-          <a:p>
-            <a:pPr algn="ctr">
-              <a:lnSpc>
-                <a:spcPct val="100000"/>
-              </a:lnSpc>
-            </a:pPr>
-            <a:r>
-              <a:rPr lang="fr-BE" sz="3500" b="1" u="sng" strike="noStrike" spc="-1" dirty="0">
-                <a:solidFill>
-                  <a:srgbClr val="2F5597"/>
-                </a:solidFill>
-                <a:uFillTx/>
-                <a:latin typeface="Times New Roman"/>
-              </a:rPr>
-              <a:t> Runtime for an optimal tester </a:t>
-            </a:r>
-            <a:r>
-              <a:rPr lang="fr-BE" sz="3500" b="1" u="sng" strike="noStrike" spc="-1" dirty="0" err="1">
-                <a:solidFill>
-                  <a:srgbClr val="2F5597"/>
-                </a:solidFill>
-                <a:uFillTx/>
-                <a:latin typeface="Times New Roman"/>
-              </a:rPr>
-              <a:t>strategy</a:t>
-            </a:r>
-            <a:endParaRPr lang="fr-BE" sz="3500" spc="-1" dirty="0"/>
-          </a:p>
-        </p:txBody>
-      </p:sp>
-      <p:sp>
-        <p:nvSpPr>
-          <p:cNvPr id="88" name="CustomShape 3"/>
-          <p:cNvSpPr/>
-          <p:nvPr/>
-        </p:nvSpPr>
-        <p:spPr>
-          <a:xfrm>
-            <a:off x="365400" y="3589200"/>
-            <a:ext cx="388440" cy="516960"/>
-          </a:xfrm>
-          <a:prstGeom prst="rect">
-            <a:avLst/>
-          </a:prstGeom>
-          <a:noFill/>
-          <a:ln>
-            <a:noFill/>
-          </a:ln>
-        </p:spPr>
-        <p:style>
-          <a:lnRef idx="0">
-            <a:scrgbClr r="0" g="0" b="0"/>
-          </a:lnRef>
-          <a:fillRef idx="0">
-            <a:scrgbClr r="0" g="0" b="0"/>
-          </a:fillRef>
-          <a:effectRef idx="0">
-            <a:scrgbClr r="0" g="0" b="0"/>
-          </a:effectRef>
-          <a:fontRef idx="minor"/>
-        </p:style>
-      </p:sp>
       <p:pic>
         <p:nvPicPr>
-          <p:cNvPr id="85" name="Image 6"/>
+          <p:cNvPr id="64" name="Image 6"/>
           <p:cNvPicPr/>
           <p:nvPr/>
         </p:nvPicPr>
@@ -3519,12 +3558,211 @@
           </a:ln>
         </p:spPr>
       </p:pic>
+      <p:sp>
+        <p:nvSpPr>
+          <p:cNvPr id="65" name="CustomShape 1"/>
+          <p:cNvSpPr/>
+          <p:nvPr/>
+        </p:nvSpPr>
+        <p:spPr>
+          <a:xfrm>
+            <a:off x="2480040" y="727200"/>
+            <a:ext cx="7231320" cy="1187640"/>
+          </a:xfrm>
+          <a:prstGeom prst="rect">
+            <a:avLst/>
+          </a:prstGeom>
+          <a:noFill/>
+          <a:ln>
+            <a:noFill/>
+          </a:ln>
+        </p:spPr>
+        <p:style>
+          <a:lnRef idx="0">
+            <a:scrgbClr r="0" g="0" b="0"/>
+          </a:lnRef>
+          <a:fillRef idx="0">
+            <a:scrgbClr r="0" g="0" b="0"/>
+          </a:fillRef>
+          <a:effectRef idx="0">
+            <a:scrgbClr r="0" g="0" b="0"/>
+          </a:effectRef>
+          <a:fontRef idx="minor"/>
+        </p:style>
+        <p:txBody>
+          <a:bodyPr lIns="90000" tIns="45000" rIns="90000" bIns="45000"/>
+          <a:lstStyle/>
+          <a:p>
+            <a:pPr algn="ctr">
+              <a:lnSpc>
+                <a:spcPct val="100000"/>
+              </a:lnSpc>
+            </a:pPr>
+            <a:r>
+              <a:rPr lang="fr-BE" sz="7200" b="1" u="sng" strike="noStrike" spc="-1">
+                <a:solidFill>
+                  <a:srgbClr val="2F5597"/>
+                </a:solidFill>
+                <a:uFillTx/>
+                <a:latin typeface="Times New Roman"/>
+              </a:rPr>
+              <a:t>Basis statement</a:t>
+            </a:r>
+            <a:endParaRPr lang="fr-BE" sz="7200" b="0" strike="noStrike" spc="-1">
+              <a:latin typeface="Arial"/>
+            </a:endParaRPr>
+          </a:p>
+        </p:txBody>
+      </p:sp>
+      <p:sp>
+        <p:nvSpPr>
+          <p:cNvPr id="66" name="CustomShape 2"/>
+          <p:cNvSpPr/>
+          <p:nvPr/>
+        </p:nvSpPr>
+        <p:spPr>
+          <a:xfrm>
+            <a:off x="362520" y="2788920"/>
+            <a:ext cx="4491360" cy="791280"/>
+          </a:xfrm>
+          <a:prstGeom prst="rect">
+            <a:avLst/>
+          </a:prstGeom>
+          <a:noFill/>
+          <a:ln>
+            <a:noFill/>
+          </a:ln>
+        </p:spPr>
+        <p:style>
+          <a:lnRef idx="0">
+            <a:scrgbClr r="0" g="0" b="0"/>
+          </a:lnRef>
+          <a:fillRef idx="0">
+            <a:scrgbClr r="0" g="0" b="0"/>
+          </a:fillRef>
+          <a:effectRef idx="0">
+            <a:scrgbClr r="0" g="0" b="0"/>
+          </a:effectRef>
+          <a:fontRef idx="minor"/>
+        </p:style>
+        <p:txBody>
+          <a:bodyPr lIns="90000" tIns="45000" rIns="90000" bIns="45000"/>
+          <a:lstStyle/>
+          <a:p>
+            <a:pPr marL="285840" indent="-285480">
+              <a:lnSpc>
+                <a:spcPct val="100000"/>
+              </a:lnSpc>
+              <a:buClr>
+                <a:srgbClr val="000000"/>
+              </a:buClr>
+              <a:buFont typeface="StarSymbol"/>
+              <a:buChar char="-"/>
+            </a:pPr>
+            <a:r>
+              <a:rPr lang="fr-BE" sz="2800" b="0" strike="noStrike" spc="-1" dirty="0" err="1">
+                <a:solidFill>
+                  <a:srgbClr val="000000"/>
+                </a:solidFill>
+                <a:latin typeface="Times New Roman"/>
+              </a:rPr>
+              <a:t>Zero-sum</a:t>
+            </a:r>
+            <a:r>
+              <a:rPr lang="fr-BE" sz="2800" b="0" strike="noStrike" spc="-1" dirty="0">
+                <a:solidFill>
+                  <a:srgbClr val="000000"/>
+                </a:solidFill>
+                <a:latin typeface="Times New Roman"/>
+              </a:rPr>
+              <a:t> </a:t>
+            </a:r>
+            <a:r>
+              <a:rPr lang="fr-BE" sz="2800" b="0" strike="noStrike" spc="-1" dirty="0" err="1">
+                <a:solidFill>
+                  <a:srgbClr val="000000"/>
+                </a:solidFill>
+                <a:latin typeface="Times New Roman"/>
+              </a:rPr>
+              <a:t>game</a:t>
+            </a:r>
+            <a:endParaRPr lang="fr-BE" sz="2800" b="0" strike="noStrike" spc="-1" dirty="0">
+              <a:latin typeface="Arial"/>
+            </a:endParaRPr>
+          </a:p>
+          <a:p>
+            <a:pPr>
+              <a:lnSpc>
+                <a:spcPct val="100000"/>
+              </a:lnSpc>
+            </a:pPr>
+            <a:endParaRPr lang="fr-BE" sz="2800" b="0" strike="noStrike" spc="-1" dirty="0">
+              <a:latin typeface="Arial"/>
+            </a:endParaRPr>
+          </a:p>
+        </p:txBody>
+      </p:sp>
+      <p:sp>
+        <p:nvSpPr>
+          <p:cNvPr id="67" name="CustomShape 3"/>
+          <p:cNvSpPr/>
+          <p:nvPr/>
+        </p:nvSpPr>
+        <p:spPr>
+          <a:xfrm>
+            <a:off x="375840" y="3589200"/>
+            <a:ext cx="2898360" cy="516960"/>
+          </a:xfrm>
+          <a:prstGeom prst="rect">
+            <a:avLst/>
+          </a:prstGeom>
+          <a:noFill/>
+          <a:ln>
+            <a:noFill/>
+          </a:ln>
+        </p:spPr>
+        <p:style>
+          <a:lnRef idx="0">
+            <a:scrgbClr r="0" g="0" b="0"/>
+          </a:lnRef>
+          <a:fillRef idx="0">
+            <a:scrgbClr r="0" g="0" b="0"/>
+          </a:fillRef>
+          <a:effectRef idx="0">
+            <a:scrgbClr r="0" g="0" b="0"/>
+          </a:effectRef>
+          <a:fontRef idx="minor"/>
+        </p:style>
+        <p:txBody>
+          <a:bodyPr wrap="none" lIns="90000" tIns="45000" rIns="90000" bIns="45000"/>
+          <a:lstStyle/>
+          <a:p>
+            <a:pPr>
+              <a:lnSpc>
+                <a:spcPct val="100000"/>
+              </a:lnSpc>
+            </a:pPr>
+            <a:r>
+              <a:rPr lang="fr-BE" sz="2800" b="0" strike="noStrike" spc="-1">
+                <a:solidFill>
+                  <a:srgbClr val="000000"/>
+                </a:solidFill>
+                <a:latin typeface="Times New Roman"/>
+              </a:rPr>
+              <a:t>- Nash-equilibrium</a:t>
+            </a:r>
+            <a:endParaRPr lang="fr-BE" sz="2800" b="0" strike="noStrike" spc="-1">
+              <a:latin typeface="Arial"/>
+            </a:endParaRPr>
+          </a:p>
+        </p:txBody>
+      </p:sp>
       <p:pic>
         <p:nvPicPr>
           <p:cNvPr id="4" name="Image 3">
             <a:extLst>
               <a:ext uri="{FF2B5EF4-FFF2-40B4-BE49-F238E27FC236}">
-                <a16:creationId xmlns:a16="http://schemas.microsoft.com/office/drawing/2014/main" id="{D35B0984-2642-4847-BA2A-F36536AA019E}"/>
+                <a16:creationId xmlns:a16="http://schemas.microsoft.com/office/drawing/2014/main" id="{5C9EED74-38DE-4430-8A51-351022F5677F}"/>
               </a:ext>
             </a:extLst>
           </p:cNvPr>
@@ -3547,8 +3785,8 @@
         </p:blipFill>
         <p:spPr>
           <a:xfrm>
-            <a:off x="0" y="2015827"/>
-            <a:ext cx="9854214" cy="4842174"/>
+            <a:off x="4265904" y="2138409"/>
+            <a:ext cx="5046772" cy="4576900"/>
           </a:xfrm>
           <a:prstGeom prst="rect">
             <a:avLst/>
@@ -3558,7 +3796,7 @@
     </p:spTree>
     <p:extLst>
       <p:ext uri="{BB962C8B-B14F-4D97-AF65-F5344CB8AC3E}">
-        <p14:creationId xmlns:p14="http://schemas.microsoft.com/office/powerpoint/2010/main" val="3619959900"/>
+        <p14:creationId xmlns:p14="http://schemas.microsoft.com/office/powerpoint/2010/main" val="545240013"/>
       </p:ext>
     </p:extLst>
   </p:cSld>
@@ -3612,111 +3850,9 @@
           <a:chExt cx="0" cy="0"/>
         </a:xfrm>
       </p:grpSpPr>
-      <p:sp>
-        <p:nvSpPr>
-          <p:cNvPr id="86" name="CustomShape 1"/>
-          <p:cNvSpPr/>
-          <p:nvPr/>
-        </p:nvSpPr>
-        <p:spPr>
-          <a:xfrm>
-            <a:off x="2480040" y="727200"/>
-            <a:ext cx="7231320" cy="1187640"/>
-          </a:xfrm>
-          <a:prstGeom prst="rect">
-            <a:avLst/>
-          </a:prstGeom>
-          <a:noFill/>
-          <a:ln>
-            <a:noFill/>
-          </a:ln>
-        </p:spPr>
-        <p:style>
-          <a:lnRef idx="0">
-            <a:scrgbClr r="0" g="0" b="0"/>
-          </a:lnRef>
-          <a:fillRef idx="0">
-            <a:scrgbClr r="0" g="0" b="0"/>
-          </a:fillRef>
-          <a:effectRef idx="0">
-            <a:scrgbClr r="0" g="0" b="0"/>
-          </a:effectRef>
-          <a:fontRef idx="minor"/>
-        </p:style>
-        <p:txBody>
-          <a:bodyPr lIns="90000" tIns="45000" rIns="90000" bIns="45000"/>
-          <a:lstStyle/>
-          <a:p>
-            <a:pPr algn="ctr"/>
-            <a:r>
-              <a:rPr lang="fr-BE" sz="3500" b="1" u="sng" strike="noStrike" spc="-1" dirty="0">
-                <a:solidFill>
-                  <a:srgbClr val="2F5597"/>
-                </a:solidFill>
-                <a:uFillTx/>
-                <a:latin typeface="Times New Roman"/>
-              </a:rPr>
-              <a:t> Runtime for an optimal tester </a:t>
-            </a:r>
-            <a:r>
-              <a:rPr lang="fr-BE" sz="3500" b="1" u="sng" strike="noStrike" spc="-1" dirty="0" err="1">
-                <a:solidFill>
-                  <a:srgbClr val="2F5597"/>
-                </a:solidFill>
-                <a:uFillTx/>
-                <a:latin typeface="Times New Roman"/>
-              </a:rPr>
-              <a:t>strategy</a:t>
-            </a:r>
-            <a:endParaRPr lang="fr-BE" sz="3500" spc="-1" dirty="0"/>
-          </a:p>
-          <a:p>
-            <a:pPr algn="ctr">
-              <a:lnSpc>
-                <a:spcPct val="100000"/>
-              </a:lnSpc>
-            </a:pPr>
-            <a:endParaRPr lang="fr-BE" sz="3500" b="0" strike="noStrike" spc="-1" dirty="0">
-              <a:latin typeface="Arial"/>
-            </a:endParaRPr>
-          </a:p>
-        </p:txBody>
-      </p:sp>
-      <p:sp>
-        <p:nvSpPr>
-          <p:cNvPr id="88" name="CustomShape 3"/>
-          <p:cNvSpPr/>
-          <p:nvPr/>
-        </p:nvSpPr>
-        <p:spPr>
-          <a:xfrm>
-            <a:off x="365400" y="3589200"/>
-            <a:ext cx="388440" cy="516960"/>
-          </a:xfrm>
-          <a:prstGeom prst="rect">
-            <a:avLst/>
-          </a:prstGeom>
-          <a:noFill/>
-          <a:ln>
-            <a:noFill/>
-          </a:ln>
-        </p:spPr>
-        <p:style>
-          <a:lnRef idx="0">
-            <a:scrgbClr r="0" g="0" b="0"/>
-          </a:lnRef>
-          <a:fillRef idx="0">
-            <a:scrgbClr r="0" g="0" b="0"/>
-          </a:fillRef>
-          <a:effectRef idx="0">
-            <a:scrgbClr r="0" g="0" b="0"/>
-          </a:effectRef>
-          <a:fontRef idx="minor"/>
-        </p:style>
-      </p:sp>
       <p:pic>
         <p:nvPicPr>
-          <p:cNvPr id="85" name="Image 6"/>
+          <p:cNvPr id="68" name="Image 6"/>
           <p:cNvPicPr/>
           <p:nvPr/>
         </p:nvPicPr>
@@ -3737,12 +3873,287 @@
           </a:ln>
         </p:spPr>
       </p:pic>
+      <p:sp>
+        <p:nvSpPr>
+          <p:cNvPr id="69" name="CustomShape 1"/>
+          <p:cNvSpPr/>
+          <p:nvPr/>
+        </p:nvSpPr>
+        <p:spPr>
+          <a:xfrm>
+            <a:off x="2480040" y="727200"/>
+            <a:ext cx="7231320" cy="1187640"/>
+          </a:xfrm>
+          <a:prstGeom prst="rect">
+            <a:avLst/>
+          </a:prstGeom>
+          <a:noFill/>
+          <a:ln>
+            <a:noFill/>
+          </a:ln>
+        </p:spPr>
+        <p:style>
+          <a:lnRef idx="0">
+            <a:scrgbClr r="0" g="0" b="0"/>
+          </a:lnRef>
+          <a:fillRef idx="0">
+            <a:scrgbClr r="0" g="0" b="0"/>
+          </a:fillRef>
+          <a:effectRef idx="0">
+            <a:scrgbClr r="0" g="0" b="0"/>
+          </a:effectRef>
+          <a:fontRef idx="minor"/>
+        </p:style>
+        <p:txBody>
+          <a:bodyPr lIns="90000" tIns="45000" rIns="90000" bIns="45000"/>
+          <a:lstStyle/>
+          <a:p>
+            <a:pPr algn="ctr">
+              <a:lnSpc>
+                <a:spcPct val="100000"/>
+              </a:lnSpc>
+            </a:pPr>
+            <a:r>
+              <a:rPr lang="fr-BE" sz="6500" b="1" u="sng" strike="noStrike" spc="-1" dirty="0" err="1">
+                <a:solidFill>
+                  <a:srgbClr val="2F5597"/>
+                </a:solidFill>
+                <a:uFillTx/>
+                <a:latin typeface="Times New Roman"/>
+              </a:rPr>
+              <a:t>Binary</a:t>
+            </a:r>
+            <a:r>
+              <a:rPr lang="fr-BE" sz="6500" b="1" u="sng" strike="noStrike" spc="-1" dirty="0">
+                <a:solidFill>
+                  <a:srgbClr val="2F5597"/>
+                </a:solidFill>
+                <a:uFillTx/>
+                <a:latin typeface="Times New Roman"/>
+              </a:rPr>
+              <a:t>/</a:t>
+            </a:r>
+            <a:r>
+              <a:rPr lang="fr-BE" sz="6500" b="1" u="sng" strike="noStrike" spc="-1" dirty="0" err="1">
+                <a:solidFill>
+                  <a:srgbClr val="2F5597"/>
+                </a:solidFill>
+                <a:uFillTx/>
+                <a:latin typeface="Times New Roman"/>
+              </a:rPr>
+              <a:t>Scored</a:t>
+            </a:r>
+            <a:r>
+              <a:rPr lang="fr-BE" sz="6500" b="1" u="sng" strike="noStrike" spc="-1" dirty="0">
+                <a:solidFill>
+                  <a:srgbClr val="2F5597"/>
+                </a:solidFill>
+                <a:uFillTx/>
+                <a:latin typeface="Times New Roman"/>
+              </a:rPr>
+              <a:t> Test</a:t>
+            </a:r>
+            <a:endParaRPr lang="fr-BE" sz="6500" b="0" strike="noStrike" spc="-1" dirty="0">
+              <a:latin typeface="Arial"/>
+            </a:endParaRPr>
+          </a:p>
+        </p:txBody>
+      </p:sp>
+      <p:sp>
+        <p:nvSpPr>
+          <p:cNvPr id="70" name="CustomShape 2"/>
+          <p:cNvSpPr/>
+          <p:nvPr/>
+        </p:nvSpPr>
+        <p:spPr>
+          <a:xfrm>
+            <a:off x="362520" y="2788920"/>
+            <a:ext cx="4491360" cy="791280"/>
+          </a:xfrm>
+          <a:prstGeom prst="rect">
+            <a:avLst/>
+          </a:prstGeom>
+          <a:noFill/>
+          <a:ln>
+            <a:noFill/>
+          </a:ln>
+        </p:spPr>
+        <p:style>
+          <a:lnRef idx="0">
+            <a:scrgbClr r="0" g="0" b="0"/>
+          </a:lnRef>
+          <a:fillRef idx="0">
+            <a:scrgbClr r="0" g="0" b="0"/>
+          </a:fillRef>
+          <a:effectRef idx="0">
+            <a:scrgbClr r="0" g="0" b="0"/>
+          </a:effectRef>
+          <a:fontRef idx="minor"/>
+        </p:style>
+        <p:txBody>
+          <a:bodyPr lIns="90000" tIns="45000" rIns="90000" bIns="45000"/>
+          <a:lstStyle/>
+          <a:p>
+            <a:pPr marL="285840" indent="-285480">
+              <a:lnSpc>
+                <a:spcPct val="100000"/>
+              </a:lnSpc>
+              <a:buClr>
+                <a:srgbClr val="000000"/>
+              </a:buClr>
+              <a:buFont typeface="StarSymbol"/>
+              <a:buChar char="-"/>
+            </a:pPr>
+            <a:r>
+              <a:rPr lang="fr-BE" sz="2800" b="0" strike="noStrike" spc="-1" dirty="0" err="1">
+                <a:solidFill>
+                  <a:srgbClr val="000000"/>
+                </a:solidFill>
+                <a:latin typeface="Times New Roman"/>
+              </a:rPr>
+              <a:t>Pass</a:t>
+            </a:r>
+            <a:r>
+              <a:rPr lang="fr-BE" sz="2800" b="0" strike="noStrike" spc="-1" dirty="0">
+                <a:solidFill>
+                  <a:srgbClr val="000000"/>
+                </a:solidFill>
+                <a:latin typeface="Times New Roman"/>
+              </a:rPr>
+              <a:t> or fail / Score</a:t>
+            </a:r>
+            <a:endParaRPr lang="fr-BE" sz="2800" b="0" strike="noStrike" spc="-1" dirty="0">
+              <a:latin typeface="Arial"/>
+            </a:endParaRPr>
+          </a:p>
+          <a:p>
+            <a:pPr>
+              <a:lnSpc>
+                <a:spcPct val="100000"/>
+              </a:lnSpc>
+            </a:pPr>
+            <a:endParaRPr lang="fr-BE" sz="2800" b="0" strike="noStrike" spc="-1" dirty="0">
+              <a:latin typeface="Arial"/>
+            </a:endParaRPr>
+          </a:p>
+        </p:txBody>
+      </p:sp>
+      <p:sp>
+        <p:nvSpPr>
+          <p:cNvPr id="71" name="CustomShape 3"/>
+          <p:cNvSpPr/>
+          <p:nvPr/>
+        </p:nvSpPr>
+        <p:spPr>
+          <a:xfrm>
+            <a:off x="371880" y="3589200"/>
+            <a:ext cx="1593720" cy="516960"/>
+          </a:xfrm>
+          <a:prstGeom prst="rect">
+            <a:avLst/>
+          </a:prstGeom>
+          <a:noFill/>
+          <a:ln>
+            <a:noFill/>
+          </a:ln>
+        </p:spPr>
+        <p:style>
+          <a:lnRef idx="0">
+            <a:scrgbClr r="0" g="0" b="0"/>
+          </a:lnRef>
+          <a:fillRef idx="0">
+            <a:scrgbClr r="0" g="0" b="0"/>
+          </a:fillRef>
+          <a:effectRef idx="0">
+            <a:scrgbClr r="0" g="0" b="0"/>
+          </a:effectRef>
+          <a:fontRef idx="minor"/>
+        </p:style>
+        <p:txBody>
+          <a:bodyPr wrap="none" lIns="90000" tIns="45000" rIns="90000" bIns="45000"/>
+          <a:lstStyle/>
+          <a:p>
+            <a:pPr>
+              <a:lnSpc>
+                <a:spcPct val="100000"/>
+              </a:lnSpc>
+            </a:pPr>
+            <a:r>
+              <a:rPr lang="fr-BE" sz="2800" b="0" strike="noStrike" spc="-1">
+                <a:solidFill>
+                  <a:srgbClr val="000000"/>
+                </a:solidFill>
+                <a:latin typeface="Times New Roman"/>
+              </a:rPr>
+              <a:t>- NP-hard</a:t>
+            </a:r>
+            <a:endParaRPr lang="fr-BE" sz="2800" b="0" strike="noStrike" spc="-1">
+              <a:latin typeface="Arial"/>
+            </a:endParaRPr>
+          </a:p>
+        </p:txBody>
+      </p:sp>
+      <p:sp>
+        <p:nvSpPr>
+          <p:cNvPr id="72" name="CustomShape 4"/>
+          <p:cNvSpPr/>
+          <p:nvPr/>
+        </p:nvSpPr>
+        <p:spPr>
+          <a:xfrm>
+            <a:off x="383760" y="4450680"/>
+            <a:ext cx="3840120" cy="516960"/>
+          </a:xfrm>
+          <a:prstGeom prst="rect">
+            <a:avLst/>
+          </a:prstGeom>
+          <a:noFill/>
+          <a:ln>
+            <a:noFill/>
+          </a:ln>
+        </p:spPr>
+        <p:style>
+          <a:lnRef idx="0">
+            <a:scrgbClr r="0" g="0" b="0"/>
+          </a:lnRef>
+          <a:fillRef idx="0">
+            <a:scrgbClr r="0" g="0" b="0"/>
+          </a:fillRef>
+          <a:effectRef idx="0">
+            <a:scrgbClr r="0" g="0" b="0"/>
+          </a:effectRef>
+          <a:fontRef idx="minor"/>
+        </p:style>
+        <p:txBody>
+          <a:bodyPr wrap="none" lIns="90000" tIns="45000" rIns="90000" bIns="45000"/>
+          <a:lstStyle/>
+          <a:p>
+            <a:pPr>
+              <a:lnSpc>
+                <a:spcPct val="100000"/>
+              </a:lnSpc>
+            </a:pPr>
+            <a:r>
+              <a:rPr lang="fr-BE" sz="2800" b="0" strike="noStrike" spc="-1">
+                <a:solidFill>
+                  <a:srgbClr val="000000"/>
+                </a:solidFill>
+                <a:latin typeface="Times New Roman"/>
+              </a:rPr>
+              <a:t>- General Linear Program</a:t>
+            </a:r>
+            <a:endParaRPr lang="fr-BE" sz="2800" b="0" strike="noStrike" spc="-1">
+              <a:latin typeface="Arial"/>
+            </a:endParaRPr>
+          </a:p>
+        </p:txBody>
+      </p:sp>
       <p:pic>
         <p:nvPicPr>
-          <p:cNvPr id="3" name="Image 2">
+          <p:cNvPr id="7" name="Graphique 6">
             <a:extLst>
               <a:ext uri="{FF2B5EF4-FFF2-40B4-BE49-F238E27FC236}">
-                <a16:creationId xmlns:a16="http://schemas.microsoft.com/office/drawing/2014/main" id="{CBDCD88F-A455-420B-9C13-9786DCF1D5D0}"/>
+                <a16:creationId xmlns:a16="http://schemas.microsoft.com/office/drawing/2014/main" id="{5CEB4057-7DF7-4998-940B-DCC557478E63}"/>
               </a:ext>
             </a:extLst>
           </p:cNvPr>
@@ -3757,6 +4168,9 @@
               <a:ext uri="{28A0092B-C50C-407E-A947-70E740481C1C}">
                 <a14:useLocalDpi xmlns:a14="http://schemas.microsoft.com/office/drawing/2010/main" val="0"/>
               </a:ext>
+              <a:ext uri="{96DAC541-7B7A-43D3-8B79-37D633B846F1}">
+                <asvg:svgBlip xmlns:asvg="http://schemas.microsoft.com/office/drawing/2016/SVG/main" r:embed="rId4"/>
+              </a:ext>
             </a:extLst>
           </a:blip>
           <a:stretch>
@@ -3765,8 +4179,8 @@
         </p:blipFill>
         <p:spPr>
           <a:xfrm>
-            <a:off x="3170" y="1911083"/>
-            <a:ext cx="9833288" cy="4946918"/>
+            <a:off x="3999721" y="2496349"/>
+            <a:ext cx="6978642" cy="4361651"/>
           </a:xfrm>
           <a:prstGeom prst="rect">
             <a:avLst/>
@@ -3774,11 +4188,6 @@
         </p:spPr>
       </p:pic>
     </p:spTree>
-    <p:extLst>
-      <p:ext uri="{BB962C8B-B14F-4D97-AF65-F5344CB8AC3E}">
-        <p14:creationId xmlns:p14="http://schemas.microsoft.com/office/powerpoint/2010/main" val="3201069374"/>
-      </p:ext>
-    </p:extLst>
   </p:cSld>
   <p:clrMapOvr>
     <a:masterClrMapping/>
@@ -3830,122 +4239,9 @@
           <a:chExt cx="0" cy="0"/>
         </a:xfrm>
       </p:grpSpPr>
-      <p:sp>
-        <p:nvSpPr>
-          <p:cNvPr id="86" name="CustomShape 1"/>
-          <p:cNvSpPr/>
-          <p:nvPr/>
-        </p:nvSpPr>
-        <p:spPr>
-          <a:xfrm>
-            <a:off x="2480040" y="727200"/>
-            <a:ext cx="7231320" cy="631083"/>
-          </a:xfrm>
-          <a:prstGeom prst="rect">
-            <a:avLst/>
-          </a:prstGeom>
-          <a:noFill/>
-          <a:ln>
-            <a:noFill/>
-          </a:ln>
-        </p:spPr>
-        <p:style>
-          <a:lnRef idx="0">
-            <a:scrgbClr r="0" g="0" b="0"/>
-          </a:lnRef>
-          <a:fillRef idx="0">
-            <a:scrgbClr r="0" g="0" b="0"/>
-          </a:fillRef>
-          <a:effectRef idx="0">
-            <a:scrgbClr r="0" g="0" b="0"/>
-          </a:effectRef>
-          <a:fontRef idx="minor"/>
-        </p:style>
-        <p:txBody>
-          <a:bodyPr lIns="90000" tIns="45000" rIns="90000" bIns="45000"/>
-          <a:lstStyle/>
-          <a:p>
-            <a:pPr algn="ctr"/>
-            <a:r>
-              <a:rPr lang="fr-BE" sz="3500" b="1" u="sng" strike="noStrike" spc="-1" dirty="0">
-                <a:solidFill>
-                  <a:srgbClr val="2F5597"/>
-                </a:solidFill>
-                <a:uFillTx/>
-                <a:latin typeface="Times New Roman"/>
-              </a:rPr>
-              <a:t> </a:t>
-            </a:r>
-            <a:r>
-              <a:rPr lang="fr-BE" sz="3500" b="1" u="sng" spc="-1" dirty="0" err="1">
-                <a:solidFill>
-                  <a:srgbClr val="2F5597"/>
-                </a:solidFill>
-                <a:latin typeface="Times New Roman"/>
-              </a:rPr>
-              <a:t>I</a:t>
-            </a:r>
-            <a:r>
-              <a:rPr lang="fr-BE" sz="3500" b="1" u="sng" strike="noStrike" spc="-1" dirty="0" err="1">
-                <a:solidFill>
-                  <a:srgbClr val="2F5597"/>
-                </a:solidFill>
-                <a:uFillTx/>
-                <a:latin typeface="Times New Roman"/>
-              </a:rPr>
-              <a:t>ncrease</a:t>
-            </a:r>
-            <a:r>
-              <a:rPr lang="fr-BE" sz="3500" b="1" u="sng" strike="noStrike" spc="-1" dirty="0">
-                <a:solidFill>
-                  <a:srgbClr val="2F5597"/>
-                </a:solidFill>
-                <a:uFillTx/>
-                <a:latin typeface="Times New Roman"/>
-              </a:rPr>
-              <a:t> in tester utility </a:t>
-            </a:r>
-            <a:endParaRPr lang="fr-BE" sz="3500" b="0" strike="noStrike" spc="-1" dirty="0">
-              <a:latin typeface="Arial"/>
-            </a:endParaRPr>
-          </a:p>
-        </p:txBody>
-      </p:sp>
-      <p:sp>
-        <p:nvSpPr>
-          <p:cNvPr id="88" name="CustomShape 3"/>
-          <p:cNvSpPr/>
-          <p:nvPr/>
-        </p:nvSpPr>
-        <p:spPr>
-          <a:xfrm>
-            <a:off x="365400" y="3589200"/>
-            <a:ext cx="388440" cy="516960"/>
-          </a:xfrm>
-          <a:prstGeom prst="rect">
-            <a:avLst/>
-          </a:prstGeom>
-          <a:noFill/>
-          <a:ln>
-            <a:noFill/>
-          </a:ln>
-        </p:spPr>
-        <p:style>
-          <a:lnRef idx="0">
-            <a:scrgbClr r="0" g="0" b="0"/>
-          </a:lnRef>
-          <a:fillRef idx="0">
-            <a:scrgbClr r="0" g="0" b="0"/>
-          </a:fillRef>
-          <a:effectRef idx="0">
-            <a:scrgbClr r="0" g="0" b="0"/>
-          </a:effectRef>
-          <a:fontRef idx="minor"/>
-        </p:style>
-      </p:sp>
       <p:pic>
         <p:nvPicPr>
-          <p:cNvPr id="85" name="Image 6"/>
+          <p:cNvPr id="81" name="Image 6"/>
           <p:cNvPicPr/>
           <p:nvPr/>
         </p:nvPicPr>
@@ -3966,48 +4262,188 @@
           </a:ln>
         </p:spPr>
       </p:pic>
-      <p:pic>
-        <p:nvPicPr>
-          <p:cNvPr id="6" name="Image 5">
-            <a:extLst>
-              <a:ext uri="{FF2B5EF4-FFF2-40B4-BE49-F238E27FC236}">
-                <a16:creationId xmlns:a16="http://schemas.microsoft.com/office/drawing/2014/main" id="{3A0FFEC5-F0F6-4DF2-BF6C-A797BC1795CE}"/>
-              </a:ext>
-            </a:extLst>
-          </p:cNvPr>
-          <p:cNvPicPr>
-            <a:picLocks noChangeAspect="1"/>
-          </p:cNvPicPr>
-          <p:nvPr/>
-        </p:nvPicPr>
-        <p:blipFill>
-          <a:blip r:embed="rId3">
-            <a:extLst>
-              <a:ext uri="{28A0092B-C50C-407E-A947-70E740481C1C}">
-                <a14:useLocalDpi xmlns:a14="http://schemas.microsoft.com/office/drawing/2010/main" val="0"/>
-              </a:ext>
-            </a:extLst>
-          </a:blip>
-          <a:stretch>
-            <a:fillRect/>
-          </a:stretch>
-        </p:blipFill>
-        <p:spPr>
-          <a:xfrm>
-            <a:off x="244563" y="1440639"/>
-            <a:ext cx="9425945" cy="5331041"/>
-          </a:xfrm>
-          <a:prstGeom prst="rect">
-            <a:avLst/>
-          </a:prstGeom>
-        </p:spPr>
-      </p:pic>
+      <p:sp>
+        <p:nvSpPr>
+          <p:cNvPr id="82" name="CustomShape 1"/>
+          <p:cNvSpPr/>
+          <p:nvPr/>
+        </p:nvSpPr>
+        <p:spPr>
+          <a:xfrm>
+            <a:off x="2480040" y="727200"/>
+            <a:ext cx="7231320" cy="1187640"/>
+          </a:xfrm>
+          <a:prstGeom prst="rect">
+            <a:avLst/>
+          </a:prstGeom>
+          <a:noFill/>
+          <a:ln>
+            <a:noFill/>
+          </a:ln>
+        </p:spPr>
+        <p:style>
+          <a:lnRef idx="0">
+            <a:scrgbClr r="0" g="0" b="0"/>
+          </a:lnRef>
+          <a:fillRef idx="0">
+            <a:scrgbClr r="0" g="0" b="0"/>
+          </a:fillRef>
+          <a:effectRef idx="0">
+            <a:scrgbClr r="0" g="0" b="0"/>
+          </a:effectRef>
+          <a:fontRef idx="minor"/>
+        </p:style>
+        <p:txBody>
+          <a:bodyPr lIns="90000" tIns="45000" rIns="90000" bIns="45000"/>
+          <a:lstStyle/>
+          <a:p>
+            <a:pPr algn="ctr">
+              <a:lnSpc>
+                <a:spcPct val="100000"/>
+              </a:lnSpc>
+            </a:pPr>
+            <a:r>
+              <a:rPr lang="fr-BE" sz="7200" b="1" u="sng" strike="noStrike" spc="-1">
+                <a:solidFill>
+                  <a:srgbClr val="2F5597"/>
+                </a:solidFill>
+                <a:uFillTx/>
+                <a:latin typeface="Times New Roman"/>
+              </a:rPr>
+              <a:t>Bayesian game</a:t>
+            </a:r>
+            <a:endParaRPr lang="fr-BE" sz="7200" b="0" strike="noStrike" spc="-1">
+              <a:latin typeface="Arial"/>
+            </a:endParaRPr>
+          </a:p>
+        </p:txBody>
+      </p:sp>
+      <p:sp>
+        <p:nvSpPr>
+          <p:cNvPr id="83" name="CustomShape 2"/>
+          <p:cNvSpPr/>
+          <p:nvPr/>
+        </p:nvSpPr>
+        <p:spPr>
+          <a:xfrm>
+            <a:off x="362520" y="2788920"/>
+            <a:ext cx="4491360" cy="791280"/>
+          </a:xfrm>
+          <a:prstGeom prst="rect">
+            <a:avLst/>
+          </a:prstGeom>
+          <a:noFill/>
+          <a:ln>
+            <a:noFill/>
+          </a:ln>
+        </p:spPr>
+        <p:style>
+          <a:lnRef idx="0">
+            <a:scrgbClr r="0" g="0" b="0"/>
+          </a:lnRef>
+          <a:fillRef idx="0">
+            <a:scrgbClr r="0" g="0" b="0"/>
+          </a:fillRef>
+          <a:effectRef idx="0">
+            <a:scrgbClr r="0" g="0" b="0"/>
+          </a:effectRef>
+          <a:fontRef idx="minor"/>
+        </p:style>
+        <p:txBody>
+          <a:bodyPr lIns="90000" tIns="45000" rIns="90000" bIns="45000"/>
+          <a:lstStyle/>
+          <a:p>
+            <a:pPr marL="285840" indent="-285480">
+              <a:lnSpc>
+                <a:spcPct val="100000"/>
+              </a:lnSpc>
+              <a:buClr>
+                <a:srgbClr val="000000"/>
+              </a:buClr>
+              <a:buFont typeface="StarSymbol"/>
+              <a:buChar char="-"/>
+            </a:pPr>
+            <a:r>
+              <a:rPr lang="fr-BE" sz="2800" b="0" strike="noStrike" spc="-1">
+                <a:solidFill>
+                  <a:srgbClr val="000000"/>
+                </a:solidFill>
+                <a:latin typeface="Times New Roman"/>
+              </a:rPr>
+              <a:t>What is that ?</a:t>
+            </a:r>
+            <a:endParaRPr lang="fr-BE" sz="2800" b="0" strike="noStrike" spc="-1">
+              <a:latin typeface="Arial"/>
+            </a:endParaRPr>
+          </a:p>
+          <a:p>
+            <a:pPr>
+              <a:lnSpc>
+                <a:spcPct val="100000"/>
+              </a:lnSpc>
+            </a:pPr>
+            <a:endParaRPr lang="fr-BE" sz="2800" b="0" strike="noStrike" spc="-1">
+              <a:latin typeface="Arial"/>
+            </a:endParaRPr>
+          </a:p>
+        </p:txBody>
+      </p:sp>
+      <p:sp>
+        <p:nvSpPr>
+          <p:cNvPr id="84" name="CustomShape 3"/>
+          <p:cNvSpPr/>
+          <p:nvPr/>
+        </p:nvSpPr>
+        <p:spPr>
+          <a:xfrm>
+            <a:off x="378360" y="3589200"/>
+            <a:ext cx="3273120" cy="516960"/>
+          </a:xfrm>
+          <a:prstGeom prst="rect">
+            <a:avLst/>
+          </a:prstGeom>
+          <a:noFill/>
+          <a:ln>
+            <a:noFill/>
+          </a:ln>
+        </p:spPr>
+        <p:style>
+          <a:lnRef idx="0">
+            <a:scrgbClr r="0" g="0" b="0"/>
+          </a:lnRef>
+          <a:fillRef idx="0">
+            <a:scrgbClr r="0" g="0" b="0"/>
+          </a:fillRef>
+          <a:effectRef idx="0">
+            <a:scrgbClr r="0" g="0" b="0"/>
+          </a:effectRef>
+          <a:fontRef idx="minor"/>
+        </p:style>
+        <p:txBody>
+          <a:bodyPr wrap="none" lIns="90000" tIns="45000" rIns="90000" bIns="45000"/>
+          <a:lstStyle/>
+          <a:p>
+            <a:pPr>
+              <a:lnSpc>
+                <a:spcPct val="100000"/>
+              </a:lnSpc>
+            </a:pPr>
+            <a:r>
+              <a:rPr lang="fr-BE" sz="2800" b="0" strike="noStrike" spc="-1">
+                <a:solidFill>
+                  <a:srgbClr val="000000"/>
+                </a:solidFill>
+                <a:latin typeface="Times New Roman"/>
+              </a:rPr>
+              <a:t>- Stackelberg strategy</a:t>
+            </a:r>
+            <a:endParaRPr lang="fr-BE" sz="2800" b="0" strike="noStrike" spc="-1">
+              <a:latin typeface="Arial"/>
+            </a:endParaRPr>
+          </a:p>
+        </p:txBody>
+      </p:sp>
     </p:spTree>
-    <p:extLst>
-      <p:ext uri="{BB962C8B-B14F-4D97-AF65-F5344CB8AC3E}">
-        <p14:creationId xmlns:p14="http://schemas.microsoft.com/office/powerpoint/2010/main" val="124980897"/>
-      </p:ext>
-    </p:extLst>
   </p:cSld>
   <p:clrMapOvr>
     <a:masterClrMapping/>
@@ -4061,7 +4497,7 @@
       </p:grpSpPr>
       <p:pic>
         <p:nvPicPr>
-          <p:cNvPr id="89" name="Image 6"/>
+          <p:cNvPr id="81" name="Image 6"/>
           <p:cNvPicPr/>
           <p:nvPr/>
         </p:nvPicPr>
@@ -4084,7 +4520,7 @@
       </p:pic>
       <p:sp>
         <p:nvSpPr>
-          <p:cNvPr id="90" name="CustomShape 1"/>
+          <p:cNvPr id="82" name="CustomShape 1"/>
           <p:cNvSpPr/>
           <p:nvPr/>
         </p:nvSpPr>
@@ -4123,16 +4559,16 @@
               </a:lnSpc>
             </a:pPr>
             <a:r>
-              <a:rPr lang="fr-BE" sz="7200" b="1" u="sng" strike="noStrike" spc="-1">
+              <a:rPr lang="fr-BE" sz="7200" b="1" u="sng" strike="noStrike" spc="-1" dirty="0" err="1">
                 <a:solidFill>
                   <a:srgbClr val="2F5597"/>
                 </a:solidFill>
                 <a:uFillTx/>
                 <a:latin typeface="Times New Roman"/>
               </a:rPr>
-              <a:t>Discussion</a:t>
-            </a:r>
-            <a:endParaRPr lang="fr-BE" sz="7200" b="0" strike="noStrike" spc="-1">
+              <a:t>Experiments</a:t>
+            </a:r>
+            <a:endParaRPr lang="fr-BE" sz="7200" b="0" strike="noStrike" spc="-1" dirty="0">
               <a:latin typeface="Arial"/>
             </a:endParaRPr>
           </a:p>
@@ -4140,14 +4576,14 @@
       </p:sp>
       <p:sp>
         <p:nvSpPr>
-          <p:cNvPr id="91" name="CustomShape 2"/>
+          <p:cNvPr id="83" name="CustomShape 2"/>
           <p:cNvSpPr/>
           <p:nvPr/>
         </p:nvSpPr>
         <p:spPr>
           <a:xfrm>
             <a:off x="362520" y="2788920"/>
-            <a:ext cx="4491360" cy="1644480"/>
+            <a:ext cx="4491360" cy="791280"/>
           </a:xfrm>
           <a:prstGeom prst="rect">
             <a:avLst/>
@@ -4173,51 +4609,12 @@
           <a:bodyPr lIns="90000" tIns="45000" rIns="90000" bIns="45000"/>
           <a:lstStyle/>
           <a:p>
-            <a:pPr marL="285840" indent="-285480">
-              <a:lnSpc>
-                <a:spcPct val="100000"/>
-              </a:lnSpc>
-              <a:buClr>
-                <a:srgbClr val="000000"/>
-              </a:buClr>
-              <a:buFont typeface="StarSymbol"/>
-              <a:buChar char="-"/>
-            </a:pPr>
-            <a:r>
-              <a:rPr lang="fr-BE" sz="2800" b="0" strike="noStrike" spc="-1">
-                <a:solidFill>
-                  <a:srgbClr val="000000"/>
-                </a:solidFill>
-                <a:latin typeface="Times New Roman"/>
-              </a:rPr>
-              <a:t>What we can conclude about these graphs ?</a:t>
-            </a:r>
-            <a:endParaRPr lang="fr-BE" sz="2800" b="0" strike="noStrike" spc="-1">
-              <a:latin typeface="Arial"/>
-            </a:endParaRPr>
-          </a:p>
-          <a:p>
-            <a:pPr marL="285840" indent="-285480">
-              <a:lnSpc>
-                <a:spcPct val="100000"/>
-              </a:lnSpc>
-              <a:buClr>
-                <a:srgbClr val="000000"/>
-              </a:buClr>
-              <a:buFont typeface="StarSymbol"/>
-              <a:buChar char="-"/>
-            </a:pPr>
-            <a:endParaRPr lang="fr-BE" sz="2800" b="0" strike="noStrike" spc="-1">
-              <a:latin typeface="Arial"/>
-            </a:endParaRPr>
-          </a:p>
-          <a:p>
             <a:pPr>
               <a:lnSpc>
                 <a:spcPct val="100000"/>
               </a:lnSpc>
             </a:pPr>
-            <a:endParaRPr lang="fr-BE" sz="2800" b="0" strike="noStrike" spc="-1">
+            <a:endParaRPr lang="fr-BE" sz="2800" b="0" strike="noStrike" spc="-1" dirty="0">
               <a:latin typeface="Arial"/>
             </a:endParaRPr>
           </a:p>
@@ -4225,14 +4622,14 @@
       </p:sp>
       <p:sp>
         <p:nvSpPr>
-          <p:cNvPr id="92" name="CustomShape 3"/>
+          <p:cNvPr id="84" name="CustomShape 3"/>
           <p:cNvSpPr/>
           <p:nvPr/>
         </p:nvSpPr>
         <p:spPr>
           <a:xfrm>
-            <a:off x="424800" y="3589200"/>
-            <a:ext cx="269640" cy="516960"/>
+            <a:off x="362520" y="2398680"/>
+            <a:ext cx="3273120" cy="516960"/>
           </a:xfrm>
           <a:prstGeom prst="rect">
             <a:avLst/>
@@ -4258,27 +4655,176 @@
           <a:bodyPr wrap="none" lIns="90000" tIns="45000" rIns="90000" bIns="45000"/>
           <a:lstStyle/>
           <a:p>
-            <a:pPr>
+            <a:pPr marL="457200" indent="-457200">
               <a:lnSpc>
                 <a:spcPct val="100000"/>
               </a:lnSpc>
-            </a:pPr>
-            <a:r>
-              <a:rPr lang="fr-BE" sz="2800" b="0" strike="noStrike" spc="-1">
-                <a:solidFill>
-                  <a:srgbClr val="000000"/>
-                </a:solidFill>
-                <a:latin typeface="Times New Roman"/>
-              </a:rPr>
-              <a:t> </a:t>
-            </a:r>
-            <a:endParaRPr lang="fr-BE" sz="2800" b="0" strike="noStrike" spc="-1">
-              <a:latin typeface="Arial"/>
-            </a:endParaRPr>
-          </a:p>
-        </p:txBody>
-      </p:sp>
+              <a:buFontTx/>
+              <a:buChar char="-"/>
+            </a:pPr>
+            <a:r>
+              <a:rPr lang="fr-BE" sz="2800" b="0" strike="noStrike" spc="-1" dirty="0">
+                <a:latin typeface="Times New Roman" panose="02020603050405020304" pitchFamily="18" charset="0"/>
+                <a:ea typeface="Tahoma" panose="020B0604030504040204" pitchFamily="34" charset="0"/>
+                <a:cs typeface="Times New Roman" panose="02020603050405020304" pitchFamily="18" charset="0"/>
+              </a:rPr>
+              <a:t>General LP</a:t>
+            </a:r>
+          </a:p>
+          <a:p>
+            <a:pPr marL="457200" indent="-457200">
+              <a:lnSpc>
+                <a:spcPct val="100000"/>
+              </a:lnSpc>
+              <a:buFontTx/>
+              <a:buChar char="-"/>
+            </a:pPr>
+            <a:r>
+              <a:rPr lang="fr-BE" sz="2800" b="0" strike="noStrike" spc="-1" dirty="0">
+                <a:latin typeface="Times New Roman" panose="02020603050405020304" pitchFamily="18" charset="0"/>
+                <a:ea typeface="Tahoma" panose="020B0604030504040204" pitchFamily="34" charset="0"/>
+                <a:cs typeface="Times New Roman" panose="02020603050405020304" pitchFamily="18" charset="0"/>
+              </a:rPr>
+              <a:t>Marginal LP</a:t>
+            </a:r>
+          </a:p>
+          <a:p>
+            <a:pPr marL="457200" indent="-457200">
+              <a:lnSpc>
+                <a:spcPct val="100000"/>
+              </a:lnSpc>
+              <a:buFontTx/>
+              <a:buChar char="-"/>
+            </a:pPr>
+            <a:r>
+              <a:rPr lang="fr-BE" sz="2800" spc="-1" dirty="0" err="1">
+                <a:latin typeface="Times New Roman" panose="02020603050405020304" pitchFamily="18" charset="0"/>
+                <a:ea typeface="Tahoma" panose="020B0604030504040204" pitchFamily="34" charset="0"/>
+                <a:cs typeface="Times New Roman" panose="02020603050405020304" pitchFamily="18" charset="0"/>
+              </a:rPr>
+              <a:t>Scored</a:t>
+            </a:r>
+            <a:r>
+              <a:rPr lang="fr-BE" sz="2800" spc="-1" dirty="0">
+                <a:latin typeface="Times New Roman" panose="02020603050405020304" pitchFamily="18" charset="0"/>
+                <a:ea typeface="Tahoma" panose="020B0604030504040204" pitchFamily="34" charset="0"/>
+                <a:cs typeface="Times New Roman" panose="02020603050405020304" pitchFamily="18" charset="0"/>
+              </a:rPr>
+              <a:t> test</a:t>
+            </a:r>
+          </a:p>
+          <a:p>
+            <a:pPr marL="457200" indent="-457200">
+              <a:lnSpc>
+                <a:spcPct val="100000"/>
+              </a:lnSpc>
+              <a:buFontTx/>
+              <a:buChar char="-"/>
+            </a:pPr>
+            <a:r>
+              <a:rPr lang="fr-BE" sz="2800" b="0" strike="noStrike" spc="-1" dirty="0">
+                <a:latin typeface="Times New Roman" panose="02020603050405020304" pitchFamily="18" charset="0"/>
+                <a:ea typeface="Tahoma" panose="020B0604030504040204" pitchFamily="34" charset="0"/>
+                <a:cs typeface="Times New Roman" panose="02020603050405020304" pitchFamily="18" charset="0"/>
+              </a:rPr>
+              <a:t>Edmon</a:t>
+            </a:r>
+            <a:r>
+              <a:rPr lang="fr-BE" sz="2800" spc="-1" dirty="0">
+                <a:latin typeface="Times New Roman" panose="02020603050405020304" pitchFamily="18" charset="0"/>
+                <a:ea typeface="Tahoma" panose="020B0604030504040204" pitchFamily="34" charset="0"/>
+                <a:cs typeface="Times New Roman" panose="02020603050405020304" pitchFamily="18" charset="0"/>
+              </a:rPr>
+              <a:t>d-</a:t>
+            </a:r>
+            <a:r>
+              <a:rPr lang="fr-BE" sz="2800" spc="-1" dirty="0" err="1">
+                <a:latin typeface="Times New Roman" panose="02020603050405020304" pitchFamily="18" charset="0"/>
+                <a:ea typeface="Tahoma" panose="020B0604030504040204" pitchFamily="34" charset="0"/>
+                <a:cs typeface="Times New Roman" panose="02020603050405020304" pitchFamily="18" charset="0"/>
+              </a:rPr>
+              <a:t>Karp</a:t>
+            </a:r>
+            <a:endParaRPr lang="fr-BE" sz="2800" spc="-1" dirty="0">
+              <a:latin typeface="Times New Roman" panose="02020603050405020304" pitchFamily="18" charset="0"/>
+              <a:ea typeface="Tahoma" panose="020B0604030504040204" pitchFamily="34" charset="0"/>
+              <a:cs typeface="Times New Roman" panose="02020603050405020304" pitchFamily="18" charset="0"/>
+            </a:endParaRPr>
+          </a:p>
+          <a:p>
+            <a:pPr marL="457200" indent="-457200">
+              <a:lnSpc>
+                <a:spcPct val="100000"/>
+              </a:lnSpc>
+              <a:buFontTx/>
+              <a:buChar char="-"/>
+            </a:pPr>
+            <a:r>
+              <a:rPr lang="fr-BE" sz="2800" b="0" strike="noStrike" spc="-1" dirty="0">
+                <a:latin typeface="Times New Roman" panose="02020603050405020304" pitchFamily="18" charset="0"/>
+                <a:ea typeface="Tahoma" panose="020B0604030504040204" pitchFamily="34" charset="0"/>
+                <a:cs typeface="Times New Roman" panose="02020603050405020304" pitchFamily="18" charset="0"/>
+              </a:rPr>
+              <a:t>Push-</a:t>
+            </a:r>
+            <a:r>
+              <a:rPr lang="fr-BE" sz="2800" b="0" strike="noStrike" spc="-1" dirty="0" err="1">
+                <a:latin typeface="Times New Roman" panose="02020603050405020304" pitchFamily="18" charset="0"/>
+                <a:ea typeface="Tahoma" panose="020B0604030504040204" pitchFamily="34" charset="0"/>
+                <a:cs typeface="Times New Roman" panose="02020603050405020304" pitchFamily="18" charset="0"/>
+              </a:rPr>
+              <a:t>Relabel</a:t>
+            </a:r>
+            <a:endParaRPr lang="fr-BE" sz="2800" b="0" strike="noStrike" spc="-1" dirty="0">
+              <a:latin typeface="Times New Roman" panose="02020603050405020304" pitchFamily="18" charset="0"/>
+              <a:ea typeface="Tahoma" panose="020B0604030504040204" pitchFamily="34" charset="0"/>
+              <a:cs typeface="Times New Roman" panose="02020603050405020304" pitchFamily="18" charset="0"/>
+            </a:endParaRPr>
+          </a:p>
+        </p:txBody>
+      </p:sp>
+      <p:pic>
+        <p:nvPicPr>
+          <p:cNvPr id="3" name="Image 2">
+            <a:extLst>
+              <a:ext uri="{FF2B5EF4-FFF2-40B4-BE49-F238E27FC236}">
+                <a16:creationId xmlns:a16="http://schemas.microsoft.com/office/drawing/2014/main" id="{7AB81100-BDE8-4E78-9A4B-3025D9613796}"/>
+              </a:ext>
+            </a:extLst>
+          </p:cNvPr>
+          <p:cNvPicPr>
+            <a:picLocks noChangeAspect="1"/>
+          </p:cNvPicPr>
+          <p:nvPr/>
+        </p:nvPicPr>
+        <p:blipFill>
+          <a:blip r:embed="rId3">
+            <a:extLst>
+              <a:ext uri="{28A0092B-C50C-407E-A947-70E740481C1C}">
+                <a14:useLocalDpi xmlns:a14="http://schemas.microsoft.com/office/drawing/2010/main" val="0"/>
+              </a:ext>
+            </a:extLst>
+          </a:blip>
+          <a:stretch>
+            <a:fillRect/>
+          </a:stretch>
+        </p:blipFill>
+        <p:spPr>
+          <a:xfrm>
+            <a:off x="3565851" y="2770462"/>
+            <a:ext cx="6036866" cy="2343076"/>
+          </a:xfrm>
+          <a:prstGeom prst="rect">
+            <a:avLst/>
+          </a:prstGeom>
+        </p:spPr>
+      </p:pic>
     </p:spTree>
+    <p:extLst>
+      <p:ext uri="{BB962C8B-B14F-4D97-AF65-F5344CB8AC3E}">
+        <p14:creationId xmlns:p14="http://schemas.microsoft.com/office/powerpoint/2010/main" val="3955630163"/>
+      </p:ext>
+    </p:extLst>
   </p:cSld>
   <p:clrMapOvr>
     <a:masterClrMapping/>
@@ -4330,9 +4876,443 @@
           <a:chExt cx="0" cy="0"/>
         </a:xfrm>
       </p:grpSpPr>
+      <p:sp>
+        <p:nvSpPr>
+          <p:cNvPr id="86" name="CustomShape 1"/>
+          <p:cNvSpPr/>
+          <p:nvPr/>
+        </p:nvSpPr>
+        <p:spPr>
+          <a:xfrm>
+            <a:off x="2480040" y="727200"/>
+            <a:ext cx="7231320" cy="1187640"/>
+          </a:xfrm>
+          <a:prstGeom prst="rect">
+            <a:avLst/>
+          </a:prstGeom>
+          <a:noFill/>
+          <a:ln>
+            <a:noFill/>
+          </a:ln>
+        </p:spPr>
+        <p:style>
+          <a:lnRef idx="0">
+            <a:scrgbClr r="0" g="0" b="0"/>
+          </a:lnRef>
+          <a:fillRef idx="0">
+            <a:scrgbClr r="0" g="0" b="0"/>
+          </a:fillRef>
+          <a:effectRef idx="0">
+            <a:scrgbClr r="0" g="0" b="0"/>
+          </a:effectRef>
+          <a:fontRef idx="minor"/>
+        </p:style>
+        <p:txBody>
+          <a:bodyPr lIns="90000" tIns="45000" rIns="90000" bIns="45000"/>
+          <a:lstStyle/>
+          <a:p>
+            <a:pPr algn="ctr">
+              <a:lnSpc>
+                <a:spcPct val="100000"/>
+              </a:lnSpc>
+            </a:pPr>
+            <a:r>
+              <a:rPr lang="fr-BE" sz="3500" b="1" u="sng" strike="noStrike" spc="-1" dirty="0">
+                <a:solidFill>
+                  <a:srgbClr val="2F5597"/>
+                </a:solidFill>
+                <a:uFillTx/>
+                <a:latin typeface="Times New Roman"/>
+              </a:rPr>
+              <a:t> Runtime for an optimal tester </a:t>
+            </a:r>
+            <a:r>
+              <a:rPr lang="fr-BE" sz="3500" b="1" u="sng" strike="noStrike" spc="-1" dirty="0" err="1">
+                <a:solidFill>
+                  <a:srgbClr val="2F5597"/>
+                </a:solidFill>
+                <a:uFillTx/>
+                <a:latin typeface="Times New Roman"/>
+              </a:rPr>
+              <a:t>strategy</a:t>
+            </a:r>
+            <a:endParaRPr lang="fr-BE" sz="3500" b="0" strike="noStrike" spc="-1" dirty="0">
+              <a:latin typeface="Arial"/>
+            </a:endParaRPr>
+          </a:p>
+        </p:txBody>
+      </p:sp>
+      <p:sp>
+        <p:nvSpPr>
+          <p:cNvPr id="88" name="CustomShape 3"/>
+          <p:cNvSpPr/>
+          <p:nvPr/>
+        </p:nvSpPr>
+        <p:spPr>
+          <a:xfrm>
+            <a:off x="365400" y="3589200"/>
+            <a:ext cx="388440" cy="516960"/>
+          </a:xfrm>
+          <a:prstGeom prst="rect">
+            <a:avLst/>
+          </a:prstGeom>
+          <a:noFill/>
+          <a:ln>
+            <a:noFill/>
+          </a:ln>
+        </p:spPr>
+        <p:style>
+          <a:lnRef idx="0">
+            <a:scrgbClr r="0" g="0" b="0"/>
+          </a:lnRef>
+          <a:fillRef idx="0">
+            <a:scrgbClr r="0" g="0" b="0"/>
+          </a:fillRef>
+          <a:effectRef idx="0">
+            <a:scrgbClr r="0" g="0" b="0"/>
+          </a:effectRef>
+          <a:fontRef idx="minor"/>
+        </p:style>
+      </p:sp>
       <p:pic>
         <p:nvPicPr>
-          <p:cNvPr id="93" name="Image 6"/>
+          <p:cNvPr id="3" name="Image 2">
+            <a:extLst>
+              <a:ext uri="{FF2B5EF4-FFF2-40B4-BE49-F238E27FC236}">
+                <a16:creationId xmlns:a16="http://schemas.microsoft.com/office/drawing/2014/main" id="{7F946194-2A4D-4EF2-8DF4-2625475DF60A}"/>
+              </a:ext>
+            </a:extLst>
+          </p:cNvPr>
+          <p:cNvPicPr>
+            <a:picLocks noChangeAspect="1"/>
+          </p:cNvPicPr>
+          <p:nvPr/>
+        </p:nvPicPr>
+        <p:blipFill>
+          <a:blip r:embed="rId2">
+            <a:extLst>
+              <a:ext uri="{28A0092B-C50C-407E-A947-70E740481C1C}">
+                <a14:useLocalDpi xmlns:a14="http://schemas.microsoft.com/office/drawing/2010/main" val="0"/>
+              </a:ext>
+            </a:extLst>
+          </a:blip>
+          <a:stretch>
+            <a:fillRect/>
+          </a:stretch>
+        </p:blipFill>
+        <p:spPr>
+          <a:xfrm>
+            <a:off x="559620" y="1819922"/>
+            <a:ext cx="10528590" cy="4749777"/>
+          </a:xfrm>
+          <a:prstGeom prst="rect">
+            <a:avLst/>
+          </a:prstGeom>
+        </p:spPr>
+      </p:pic>
+      <p:pic>
+        <p:nvPicPr>
+          <p:cNvPr id="85" name="Image 6"/>
+          <p:cNvPicPr/>
+          <p:nvPr/>
+        </p:nvPicPr>
+        <p:blipFill>
+          <a:blip r:embed="rId3"/>
+          <a:stretch/>
+        </p:blipFill>
+        <p:spPr>
+          <a:xfrm>
+            <a:off x="9724680" y="255960"/>
+            <a:ext cx="2142720" cy="2142720"/>
+          </a:xfrm>
+          <a:prstGeom prst="rect">
+            <a:avLst/>
+          </a:prstGeom>
+          <a:ln>
+            <a:noFill/>
+          </a:ln>
+        </p:spPr>
+      </p:pic>
+      <p:sp>
+        <p:nvSpPr>
+          <p:cNvPr id="2" name="ZoneTexte 1">
+            <a:extLst>
+              <a:ext uri="{FF2B5EF4-FFF2-40B4-BE49-F238E27FC236}">
+                <a16:creationId xmlns:a16="http://schemas.microsoft.com/office/drawing/2014/main" id="{AD0525EC-5DAF-4D32-981C-080EEDD2C4BA}"/>
+              </a:ext>
+            </a:extLst>
+          </p:cNvPr>
+          <p:cNvSpPr txBox="1"/>
+          <p:nvPr/>
+        </p:nvSpPr>
+        <p:spPr>
+          <a:xfrm>
+            <a:off x="365400" y="4545367"/>
+            <a:ext cx="3274445" cy="954107"/>
+          </a:xfrm>
+          <a:prstGeom prst="rect">
+            <a:avLst/>
+          </a:prstGeom>
+          <a:noFill/>
+        </p:spPr>
+        <p:txBody>
+          <a:bodyPr wrap="square" rtlCol="0">
+            <a:spAutoFit/>
+          </a:bodyPr>
+          <a:lstStyle/>
+          <a:p>
+            <a:pPr marL="285750" indent="-285750">
+              <a:buFontTx/>
+              <a:buChar char="-"/>
+            </a:pPr>
+            <a:r>
+              <a:rPr lang="fr-BE" sz="1400" dirty="0"/>
+              <a:t>L = </a:t>
+            </a:r>
+            <a:r>
+              <a:rPr lang="fr-BE" sz="1400" dirty="0" err="1"/>
+              <a:t>Number</a:t>
+            </a:r>
+            <a:r>
+              <a:rPr lang="fr-BE" sz="1400" dirty="0"/>
+              <a:t> of test </a:t>
+            </a:r>
+            <a:r>
+              <a:rPr lang="fr-BE" sz="1400" dirty="0" err="1"/>
+              <a:t>taker</a:t>
+            </a:r>
+            <a:r>
+              <a:rPr lang="fr-BE" sz="1400" dirty="0"/>
+              <a:t> types</a:t>
+            </a:r>
+          </a:p>
+          <a:p>
+            <a:pPr marL="285750" indent="-285750">
+              <a:buFontTx/>
+              <a:buChar char="-"/>
+            </a:pPr>
+            <a:r>
+              <a:rPr lang="fr-BE" sz="1400" dirty="0" err="1"/>
+              <a:t>M</a:t>
+            </a:r>
+            <a:r>
+              <a:rPr lang="fr-BE" sz="1400" baseline="-25000" dirty="0" err="1"/>
+              <a:t>max</a:t>
+            </a:r>
+            <a:r>
+              <a:rPr lang="fr-BE" sz="1400" baseline="-25000" dirty="0"/>
+              <a:t> </a:t>
+            </a:r>
+            <a:r>
+              <a:rPr lang="fr-BE" sz="1400" dirty="0"/>
+              <a:t>= </a:t>
+            </a:r>
+            <a:r>
+              <a:rPr lang="fr-BE" sz="1400" dirty="0" err="1"/>
+              <a:t>Number</a:t>
+            </a:r>
+            <a:r>
+              <a:rPr lang="fr-BE" sz="1400" dirty="0"/>
+              <a:t> of question </a:t>
+            </a:r>
+            <a:r>
+              <a:rPr lang="fr-BE" sz="1400" dirty="0" err="1"/>
+              <a:t>that</a:t>
+            </a:r>
+            <a:r>
+              <a:rPr lang="fr-BE" sz="1400" dirty="0"/>
+              <a:t> can </a:t>
+            </a:r>
+            <a:r>
+              <a:rPr lang="fr-BE" sz="1400" dirty="0" err="1"/>
+              <a:t>be</a:t>
+            </a:r>
+            <a:r>
+              <a:rPr lang="fr-BE" sz="1400" dirty="0"/>
+              <a:t> </a:t>
+            </a:r>
+            <a:r>
+              <a:rPr lang="fr-BE" sz="1400" dirty="0" err="1"/>
+              <a:t>memorized</a:t>
+            </a:r>
+            <a:endParaRPr lang="fr-BE" sz="1400" dirty="0"/>
+          </a:p>
+          <a:p>
+            <a:pPr marL="285750" indent="-285750">
+              <a:buFontTx/>
+              <a:buChar char="-"/>
+            </a:pPr>
+            <a:r>
+              <a:rPr lang="fr-BE" sz="1400" dirty="0"/>
+              <a:t>n = </a:t>
+            </a:r>
+            <a:r>
+              <a:rPr lang="fr-BE" sz="1400" dirty="0" err="1"/>
+              <a:t>Number</a:t>
+            </a:r>
+            <a:r>
+              <a:rPr lang="fr-BE" sz="1400" dirty="0"/>
+              <a:t> of question </a:t>
+            </a:r>
+            <a:r>
+              <a:rPr lang="fr-BE" sz="1400" dirty="0" err="1"/>
+              <a:t>available</a:t>
+            </a:r>
+            <a:endParaRPr lang="fr-BE" sz="1400" dirty="0"/>
+          </a:p>
+        </p:txBody>
+      </p:sp>
+    </p:spTree>
+  </p:cSld>
+  <p:clrMapOvr>
+    <a:masterClrMapping/>
+  </p:clrMapOvr>
+  <p:timing>
+    <p:tnLst>
+      <p:par>
+        <p:cTn id="1" dur="indefinite" restart="never" nodeType="tmRoot">
+          <p:childTnLst>
+            <p:seq>
+              <p:cTn id="2" dur="indefinite" nodeType="mainSeq"/>
+              <p:prevCondLst>
+                <p:cond evt="onPrev" delay="0">
+                  <p:tgtEl>
+                    <p:sldTgt/>
+                  </p:tgtEl>
+                </p:cond>
+              </p:prevCondLst>
+              <p:nextCondLst>
+                <p:cond evt="onNext" delay="0">
+                  <p:tgtEl>
+                    <p:sldTgt/>
+                  </p:tgtEl>
+                </p:cond>
+              </p:nextCondLst>
+            </p:seq>
+          </p:childTnLst>
+        </p:cTn>
+      </p:par>
+    </p:tnLst>
+  </p:timing>
+</p:sld>
+</file>
+
+<file path=ppt/slides/slide18.xml><?xml version="1.0" encoding="utf-8"?>
+<p:sld xmlns:a="http://schemas.openxmlformats.org/drawingml/2006/main" xmlns:r="http://schemas.openxmlformats.org/officeDocument/2006/relationships" xmlns:p="http://schemas.openxmlformats.org/presentationml/2006/main">
+  <p:cSld>
+    <p:spTree>
+      <p:nvGrpSpPr>
+        <p:cNvPr id="1" name=""/>
+        <p:cNvGrpSpPr/>
+        <p:nvPr/>
+      </p:nvGrpSpPr>
+      <p:grpSpPr>
+        <a:xfrm>
+          <a:off x="0" y="0"/>
+          <a:ext cx="0" cy="0"/>
+          <a:chOff x="0" y="0"/>
+          <a:chExt cx="0" cy="0"/>
+        </a:xfrm>
+      </p:grpSpPr>
+      <p:sp>
+        <p:nvSpPr>
+          <p:cNvPr id="86" name="CustomShape 1"/>
+          <p:cNvSpPr/>
+          <p:nvPr/>
+        </p:nvSpPr>
+        <p:spPr>
+          <a:xfrm>
+            <a:off x="2480040" y="727200"/>
+            <a:ext cx="7231320" cy="1187640"/>
+          </a:xfrm>
+          <a:prstGeom prst="rect">
+            <a:avLst/>
+          </a:prstGeom>
+          <a:noFill/>
+          <a:ln>
+            <a:noFill/>
+          </a:ln>
+        </p:spPr>
+        <p:style>
+          <a:lnRef idx="0">
+            <a:scrgbClr r="0" g="0" b="0"/>
+          </a:lnRef>
+          <a:fillRef idx="0">
+            <a:scrgbClr r="0" g="0" b="0"/>
+          </a:fillRef>
+          <a:effectRef idx="0">
+            <a:scrgbClr r="0" g="0" b="0"/>
+          </a:effectRef>
+          <a:fontRef idx="minor"/>
+        </p:style>
+        <p:txBody>
+          <a:bodyPr lIns="90000" tIns="45000" rIns="90000" bIns="45000"/>
+          <a:lstStyle/>
+          <a:p>
+            <a:pPr algn="ctr">
+              <a:lnSpc>
+                <a:spcPct val="100000"/>
+              </a:lnSpc>
+            </a:pPr>
+            <a:r>
+              <a:rPr lang="fr-BE" sz="3500" b="1" u="sng" strike="noStrike" spc="-1" dirty="0">
+                <a:solidFill>
+                  <a:srgbClr val="2F5597"/>
+                </a:solidFill>
+                <a:uFillTx/>
+                <a:latin typeface="Times New Roman"/>
+              </a:rPr>
+              <a:t> Runtime for an optimal tester </a:t>
+            </a:r>
+            <a:r>
+              <a:rPr lang="fr-BE" sz="3500" b="1" u="sng" strike="noStrike" spc="-1" dirty="0" err="1">
+                <a:solidFill>
+                  <a:srgbClr val="2F5597"/>
+                </a:solidFill>
+                <a:uFillTx/>
+                <a:latin typeface="Times New Roman"/>
+              </a:rPr>
+              <a:t>strategy</a:t>
+            </a:r>
+            <a:endParaRPr lang="fr-BE" sz="3500" spc="-1" dirty="0"/>
+          </a:p>
+        </p:txBody>
+      </p:sp>
+      <p:sp>
+        <p:nvSpPr>
+          <p:cNvPr id="88" name="CustomShape 3"/>
+          <p:cNvSpPr/>
+          <p:nvPr/>
+        </p:nvSpPr>
+        <p:spPr>
+          <a:xfrm>
+            <a:off x="365400" y="3589200"/>
+            <a:ext cx="388440" cy="516960"/>
+          </a:xfrm>
+          <a:prstGeom prst="rect">
+            <a:avLst/>
+          </a:prstGeom>
+          <a:noFill/>
+          <a:ln>
+            <a:noFill/>
+          </a:ln>
+        </p:spPr>
+        <p:style>
+          <a:lnRef idx="0">
+            <a:scrgbClr r="0" g="0" b="0"/>
+          </a:lnRef>
+          <a:fillRef idx="0">
+            <a:scrgbClr r="0" g="0" b="0"/>
+          </a:fillRef>
+          <a:effectRef idx="0">
+            <a:scrgbClr r="0" g="0" b="0"/>
+          </a:effectRef>
+          <a:fontRef idx="minor"/>
+        </p:style>
+      </p:sp>
+      <p:pic>
+        <p:nvPicPr>
+          <p:cNvPr id="85" name="Image 6"/>
           <p:cNvPicPr/>
           <p:nvPr/>
         </p:nvPicPr>
@@ -4353,9 +5333,102 @@
           </a:ln>
         </p:spPr>
       </p:pic>
-      <p:sp>
-        <p:nvSpPr>
-          <p:cNvPr id="94" name="CustomShape 1"/>
+      <p:pic>
+        <p:nvPicPr>
+          <p:cNvPr id="4" name="Image 3">
+            <a:extLst>
+              <a:ext uri="{FF2B5EF4-FFF2-40B4-BE49-F238E27FC236}">
+                <a16:creationId xmlns:a16="http://schemas.microsoft.com/office/drawing/2014/main" id="{D35B0984-2642-4847-BA2A-F36536AA019E}"/>
+              </a:ext>
+            </a:extLst>
+          </p:cNvPr>
+          <p:cNvPicPr>
+            <a:picLocks noChangeAspect="1"/>
+          </p:cNvPicPr>
+          <p:nvPr/>
+        </p:nvPicPr>
+        <p:blipFill>
+          <a:blip r:embed="rId3">
+            <a:extLst>
+              <a:ext uri="{28A0092B-C50C-407E-A947-70E740481C1C}">
+                <a14:useLocalDpi xmlns:a14="http://schemas.microsoft.com/office/drawing/2010/main" val="0"/>
+              </a:ext>
+            </a:extLst>
+          </a:blip>
+          <a:stretch>
+            <a:fillRect/>
+          </a:stretch>
+        </p:blipFill>
+        <p:spPr>
+          <a:xfrm>
+            <a:off x="0" y="2015827"/>
+            <a:ext cx="9854214" cy="4842174"/>
+          </a:xfrm>
+          <a:prstGeom prst="rect">
+            <a:avLst/>
+          </a:prstGeom>
+        </p:spPr>
+      </p:pic>
+    </p:spTree>
+    <p:extLst>
+      <p:ext uri="{BB962C8B-B14F-4D97-AF65-F5344CB8AC3E}">
+        <p14:creationId xmlns:p14="http://schemas.microsoft.com/office/powerpoint/2010/main" val="3619959900"/>
+      </p:ext>
+    </p:extLst>
+  </p:cSld>
+  <p:clrMapOvr>
+    <a:masterClrMapping/>
+  </p:clrMapOvr>
+  <p:timing>
+    <p:tnLst>
+      <p:par>
+        <p:cTn id="1" dur="indefinite" restart="never" nodeType="tmRoot">
+          <p:childTnLst>
+            <p:seq>
+              <p:cTn id="2" dur="indefinite" nodeType="mainSeq"/>
+              <p:prevCondLst>
+                <p:cond evt="onPrev" delay="0">
+                  <p:tgtEl>
+                    <p:sldTgt/>
+                  </p:tgtEl>
+                </p:cond>
+              </p:prevCondLst>
+              <p:nextCondLst>
+                <p:cond evt="onNext" delay="0">
+                  <p:tgtEl>
+                    <p:sldTgt/>
+                  </p:tgtEl>
+                </p:cond>
+              </p:nextCondLst>
+            </p:seq>
+          </p:childTnLst>
+        </p:cTn>
+      </p:par>
+    </p:tnLst>
+  </p:timing>
+</p:sld>
+</file>
+
+<file path=ppt/slides/slide19.xml><?xml version="1.0" encoding="utf-8"?>
+<p:sld xmlns:a="http://schemas.openxmlformats.org/drawingml/2006/main" xmlns:r="http://schemas.openxmlformats.org/officeDocument/2006/relationships" xmlns:p="http://schemas.openxmlformats.org/presentationml/2006/main">
+  <p:cSld>
+    <p:spTree>
+      <p:nvGrpSpPr>
+        <p:cNvPr id="1" name=""/>
+        <p:cNvGrpSpPr/>
+        <p:nvPr/>
+      </p:nvGrpSpPr>
+      <p:grpSpPr>
+        <a:xfrm>
+          <a:off x="0" y="0"/>
+          <a:ext cx="0" cy="0"/>
+          <a:chOff x="0" y="0"/>
+          <a:chExt cx="0" cy="0"/>
+        </a:xfrm>
+      </p:grpSpPr>
+      <p:sp>
+        <p:nvSpPr>
+          <p:cNvPr id="86" name="CustomShape 1"/>
           <p:cNvSpPr/>
           <p:nvPr/>
         </p:nvSpPr>
@@ -4388,22 +5461,36 @@
           <a:bodyPr lIns="90000" tIns="45000" rIns="90000" bIns="45000"/>
           <a:lstStyle/>
           <a:p>
+            <a:pPr algn="ctr"/>
+            <a:r>
+              <a:rPr lang="fr-BE" sz="3500" b="1" u="sng" strike="noStrike" spc="-1" dirty="0">
+                <a:solidFill>
+                  <a:srgbClr val="2F5597"/>
+                </a:solidFill>
+                <a:uFillTx/>
+                <a:latin typeface="Times New Roman"/>
+              </a:rPr>
+              <a:t> Runtime for an optimal tester </a:t>
+            </a:r>
+            <a:r>
+              <a:rPr lang="fr-BE" sz="3500" b="1" u="sng" strike="noStrike" spc="-1" dirty="0" err="1">
+                <a:solidFill>
+                  <a:srgbClr val="2F5597"/>
+                </a:solidFill>
+                <a:uFillTx/>
+                <a:latin typeface="Times New Roman"/>
+              </a:rPr>
+              <a:t>strategy</a:t>
+            </a:r>
+            <a:endParaRPr lang="fr-BE" sz="3500" spc="-1" dirty="0"/>
+          </a:p>
+          <a:p>
             <a:pPr algn="ctr">
               <a:lnSpc>
                 <a:spcPct val="100000"/>
               </a:lnSpc>
             </a:pPr>
-            <a:r>
-              <a:rPr lang="fr-BE" sz="7200" b="1" u="sng" strike="noStrike" spc="-1">
-                <a:solidFill>
-                  <a:srgbClr val="2F5597"/>
-                </a:solidFill>
-                <a:uFillTx/>
-                <a:latin typeface="Times New Roman"/>
-              </a:rPr>
-              <a:t>Questions ? </a:t>
-            </a:r>
-            <a:endParaRPr lang="fr-BE" sz="7200" b="0" strike="noStrike" spc="-1">
+            <a:endParaRPr lang="fr-BE" sz="3500" b="0" strike="noStrike" spc="-1" dirty="0">
               <a:latin typeface="Arial"/>
             </a:endParaRPr>
           </a:p>
@@ -4411,14 +5498,14 @@
       </p:sp>
       <p:sp>
         <p:nvSpPr>
-          <p:cNvPr id="95" name="CustomShape 2"/>
+          <p:cNvPr id="88" name="CustomShape 3"/>
           <p:cNvSpPr/>
           <p:nvPr/>
         </p:nvSpPr>
         <p:spPr>
           <a:xfrm>
-            <a:off x="362520" y="2788920"/>
-            <a:ext cx="4491360" cy="1217880"/>
+            <a:off x="365400" y="3589200"/>
+            <a:ext cx="388440" cy="516960"/>
           </a:xfrm>
           <a:prstGeom prst="rect">
             <a:avLst/>
@@ -4440,107 +5527,72 @@
           </a:effectRef>
           <a:fontRef idx="minor"/>
         </p:style>
-        <p:txBody>
-          <a:bodyPr lIns="90000" tIns="45000" rIns="90000" bIns="45000"/>
-          <a:lstStyle/>
-          <a:p>
-            <a:pPr marL="285840" indent="-285480">
-              <a:lnSpc>
-                <a:spcPct val="100000"/>
-              </a:lnSpc>
-              <a:buClr>
-                <a:srgbClr val="000000"/>
-              </a:buClr>
-              <a:buFont typeface="StarSymbol"/>
-              <a:buChar char="-"/>
-            </a:pPr>
-            <a:endParaRPr lang="fr-BE" sz="1800" b="0" strike="noStrike" spc="-1">
-              <a:latin typeface="Arial"/>
-            </a:endParaRPr>
-          </a:p>
-          <a:p>
-            <a:pPr marL="285840" indent="-285480">
-              <a:lnSpc>
-                <a:spcPct val="100000"/>
-              </a:lnSpc>
-              <a:buClr>
-                <a:srgbClr val="000000"/>
-              </a:buClr>
-              <a:buFont typeface="StarSymbol"/>
-              <a:buChar char="-"/>
-            </a:pPr>
-            <a:endParaRPr lang="fr-BE" sz="1800" b="0" strike="noStrike" spc="-1">
-              <a:latin typeface="Arial"/>
-            </a:endParaRPr>
-          </a:p>
-          <a:p>
-            <a:pPr>
-              <a:lnSpc>
-                <a:spcPct val="100000"/>
-              </a:lnSpc>
-            </a:pPr>
-            <a:endParaRPr lang="fr-BE" sz="1800" b="0" strike="noStrike" spc="-1">
-              <a:latin typeface="Arial"/>
-            </a:endParaRPr>
-          </a:p>
-        </p:txBody>
-      </p:sp>
-      <p:sp>
-        <p:nvSpPr>
-          <p:cNvPr id="96" name="CustomShape 3"/>
-          <p:cNvSpPr/>
-          <p:nvPr/>
-        </p:nvSpPr>
-        <p:spPr>
-          <a:xfrm>
-            <a:off x="424800" y="3589200"/>
-            <a:ext cx="269640" cy="516960"/>
-          </a:xfrm>
-          <a:prstGeom prst="rect">
-            <a:avLst/>
-          </a:prstGeom>
-          <a:noFill/>
+      </p:sp>
+      <p:pic>
+        <p:nvPicPr>
+          <p:cNvPr id="85" name="Image 6"/>
+          <p:cNvPicPr/>
+          <p:nvPr/>
+        </p:nvPicPr>
+        <p:blipFill>
+          <a:blip r:embed="rId2"/>
+          <a:stretch/>
+        </p:blipFill>
+        <p:spPr>
+          <a:xfrm>
+            <a:off x="9724680" y="255960"/>
+            <a:ext cx="2142720" cy="2142720"/>
+          </a:xfrm>
+          <a:prstGeom prst="rect">
+            <a:avLst/>
+          </a:prstGeom>
           <a:ln>
             <a:noFill/>
           </a:ln>
         </p:spPr>
-        <p:style>
-          <a:lnRef idx="0">
-            <a:scrgbClr r="0" g="0" b="0"/>
-          </a:lnRef>
-          <a:fillRef idx="0">
-            <a:scrgbClr r="0" g="0" b="0"/>
-          </a:fillRef>
-          <a:effectRef idx="0">
-            <a:scrgbClr r="0" g="0" b="0"/>
-          </a:effectRef>
-          <a:fontRef idx="minor"/>
-        </p:style>
-        <p:txBody>
-          <a:bodyPr wrap="none" lIns="90000" tIns="45000" rIns="90000" bIns="45000"/>
-          <a:lstStyle/>
-          <a:p>
-            <a:pPr>
-              <a:lnSpc>
-                <a:spcPct val="100000"/>
-              </a:lnSpc>
-            </a:pPr>
-            <a:r>
-              <a:rPr lang="fr-BE" sz="2800" b="0" strike="noStrike" spc="-1">
-                <a:solidFill>
-                  <a:srgbClr val="000000"/>
-                </a:solidFill>
-                <a:latin typeface="Times New Roman"/>
-              </a:rPr>
-              <a:t> </a:t>
-            </a:r>
-            <a:endParaRPr lang="fr-BE" sz="2800" b="0" strike="noStrike" spc="-1">
-              <a:latin typeface="Arial"/>
-            </a:endParaRPr>
-          </a:p>
-        </p:txBody>
-      </p:sp>
+      </p:pic>
+      <p:pic>
+        <p:nvPicPr>
+          <p:cNvPr id="3" name="Image 2">
+            <a:extLst>
+              <a:ext uri="{FF2B5EF4-FFF2-40B4-BE49-F238E27FC236}">
+                <a16:creationId xmlns:a16="http://schemas.microsoft.com/office/drawing/2014/main" id="{CBDCD88F-A455-420B-9C13-9786DCF1D5D0}"/>
+              </a:ext>
+            </a:extLst>
+          </p:cNvPr>
+          <p:cNvPicPr>
+            <a:picLocks noChangeAspect="1"/>
+          </p:cNvPicPr>
+          <p:nvPr/>
+        </p:nvPicPr>
+        <p:blipFill>
+          <a:blip r:embed="rId3">
+            <a:extLst>
+              <a:ext uri="{28A0092B-C50C-407E-A947-70E740481C1C}">
+                <a14:useLocalDpi xmlns:a14="http://schemas.microsoft.com/office/drawing/2010/main" val="0"/>
+              </a:ext>
+            </a:extLst>
+          </a:blip>
+          <a:stretch>
+            <a:fillRect/>
+          </a:stretch>
+        </p:blipFill>
+        <p:spPr>
+          <a:xfrm>
+            <a:off x="3170" y="1911083"/>
+            <a:ext cx="9833288" cy="4946918"/>
+          </a:xfrm>
+          <a:prstGeom prst="rect">
+            <a:avLst/>
+          </a:prstGeom>
+        </p:spPr>
+      </p:pic>
     </p:spTree>
+    <p:extLst>
+      <p:ext uri="{BB962C8B-B14F-4D97-AF65-F5344CB8AC3E}">
+        <p14:creationId xmlns:p14="http://schemas.microsoft.com/office/powerpoint/2010/main" val="3201069374"/>
+      </p:ext>
+    </p:extLst>
   </p:cSld>
   <p:clrMapOvr>
     <a:masterClrMapping/>
@@ -4796,16 +5848,68 @@
           </a:p>
         </p:txBody>
       </p:sp>
-      <p:sp>
-        <p:nvSpPr>
-          <p:cNvPr id="49" name="CustomShape 4"/>
+    </p:spTree>
+  </p:cSld>
+  <p:clrMapOvr>
+    <a:masterClrMapping/>
+  </p:clrMapOvr>
+  <p:timing>
+    <p:tnLst>
+      <p:par>
+        <p:cTn id="1" dur="indefinite" restart="never" nodeType="tmRoot">
+          <p:childTnLst>
+            <p:seq>
+              <p:cTn id="2" dur="indefinite" nodeType="mainSeq"/>
+              <p:prevCondLst>
+                <p:cond evt="onPrev" delay="0">
+                  <p:tgtEl>
+                    <p:sldTgt/>
+                  </p:tgtEl>
+                </p:cond>
+              </p:prevCondLst>
+              <p:nextCondLst>
+                <p:cond evt="onNext" delay="0">
+                  <p:tgtEl>
+                    <p:sldTgt/>
+                  </p:tgtEl>
+                </p:cond>
+              </p:nextCondLst>
+            </p:seq>
+          </p:childTnLst>
+        </p:cTn>
+      </p:par>
+    </p:tnLst>
+  </p:timing>
+</p:sld>
+</file>
+
+<file path=ppt/slides/slide20.xml><?xml version="1.0" encoding="utf-8"?>
+<p:sld xmlns:a="http://schemas.openxmlformats.org/drawingml/2006/main" xmlns:r="http://schemas.openxmlformats.org/officeDocument/2006/relationships" xmlns:p="http://schemas.openxmlformats.org/presentationml/2006/main">
+  <p:cSld>
+    <p:spTree>
+      <p:nvGrpSpPr>
+        <p:cNvPr id="1" name=""/>
+        <p:cNvGrpSpPr/>
+        <p:nvPr/>
+      </p:nvGrpSpPr>
+      <p:grpSpPr>
+        <a:xfrm>
+          <a:off x="0" y="0"/>
+          <a:ext cx="0" cy="0"/>
+          <a:chOff x="0" y="0"/>
+          <a:chExt cx="0" cy="0"/>
+        </a:xfrm>
+      </p:grpSpPr>
+      <p:sp>
+        <p:nvSpPr>
+          <p:cNvPr id="86" name="CustomShape 1"/>
           <p:cNvSpPr/>
           <p:nvPr/>
         </p:nvSpPr>
         <p:spPr>
           <a:xfrm>
-            <a:off x="372240" y="4502520"/>
-            <a:ext cx="1990080" cy="516960"/>
+            <a:off x="2480040" y="727200"/>
+            <a:ext cx="7231320" cy="631083"/>
           </a:xfrm>
           <a:prstGeom prst="rect">
             <a:avLst/>
@@ -4828,29 +5932,731 @@
           <a:fontRef idx="minor"/>
         </p:style>
         <p:txBody>
-          <a:bodyPr wrap="none" lIns="90000" tIns="45000" rIns="90000" bIns="45000"/>
-          <a:lstStyle/>
+          <a:bodyPr lIns="90000" tIns="45000" rIns="90000" bIns="45000"/>
+          <a:lstStyle/>
+          <a:p>
+            <a:pPr algn="ctr"/>
+            <a:r>
+              <a:rPr lang="fr-BE" sz="3500" b="1" u="sng" strike="noStrike" spc="-1" dirty="0">
+                <a:solidFill>
+                  <a:srgbClr val="2F5597"/>
+                </a:solidFill>
+                <a:uFillTx/>
+                <a:latin typeface="Times New Roman"/>
+              </a:rPr>
+              <a:t> </a:t>
+            </a:r>
+            <a:r>
+              <a:rPr lang="fr-BE" sz="3500" b="1" u="sng" spc="-1" dirty="0" err="1">
+                <a:solidFill>
+                  <a:srgbClr val="2F5597"/>
+                </a:solidFill>
+                <a:latin typeface="Times New Roman"/>
+              </a:rPr>
+              <a:t>I</a:t>
+            </a:r>
+            <a:r>
+              <a:rPr lang="fr-BE" sz="3500" b="1" u="sng" strike="noStrike" spc="-1" dirty="0" err="1">
+                <a:solidFill>
+                  <a:srgbClr val="2F5597"/>
+                </a:solidFill>
+                <a:uFillTx/>
+                <a:latin typeface="Times New Roman"/>
+              </a:rPr>
+              <a:t>ncrease</a:t>
+            </a:r>
+            <a:r>
+              <a:rPr lang="fr-BE" sz="3500" b="1" u="sng" strike="noStrike" spc="-1" dirty="0">
+                <a:solidFill>
+                  <a:srgbClr val="2F5597"/>
+                </a:solidFill>
+                <a:uFillTx/>
+                <a:latin typeface="Times New Roman"/>
+              </a:rPr>
+              <a:t> in tester utility </a:t>
+            </a:r>
+            <a:endParaRPr lang="fr-BE" sz="3500" b="0" strike="noStrike" spc="-1" dirty="0">
+              <a:latin typeface="Arial"/>
+            </a:endParaRPr>
+          </a:p>
+        </p:txBody>
+      </p:sp>
+      <p:sp>
+        <p:nvSpPr>
+          <p:cNvPr id="88" name="CustomShape 3"/>
+          <p:cNvSpPr/>
+          <p:nvPr/>
+        </p:nvSpPr>
+        <p:spPr>
+          <a:xfrm>
+            <a:off x="365400" y="3589200"/>
+            <a:ext cx="388440" cy="516960"/>
+          </a:xfrm>
+          <a:prstGeom prst="rect">
+            <a:avLst/>
+          </a:prstGeom>
+          <a:noFill/>
+          <a:ln>
+            <a:noFill/>
+          </a:ln>
+        </p:spPr>
+        <p:style>
+          <a:lnRef idx="0">
+            <a:scrgbClr r="0" g="0" b="0"/>
+          </a:lnRef>
+          <a:fillRef idx="0">
+            <a:scrgbClr r="0" g="0" b="0"/>
+          </a:fillRef>
+          <a:effectRef idx="0">
+            <a:scrgbClr r="0" g="0" b="0"/>
+          </a:effectRef>
+          <a:fontRef idx="minor"/>
+        </p:style>
+      </p:sp>
+      <p:pic>
+        <p:nvPicPr>
+          <p:cNvPr id="85" name="Image 6"/>
+          <p:cNvPicPr/>
+          <p:nvPr/>
+        </p:nvPicPr>
+        <p:blipFill>
+          <a:blip r:embed="rId2"/>
+          <a:stretch/>
+        </p:blipFill>
+        <p:spPr>
+          <a:xfrm>
+            <a:off x="9724680" y="255960"/>
+            <a:ext cx="2142720" cy="2142720"/>
+          </a:xfrm>
+          <a:prstGeom prst="rect">
+            <a:avLst/>
+          </a:prstGeom>
+          <a:ln>
+            <a:noFill/>
+          </a:ln>
+        </p:spPr>
+      </p:pic>
+      <p:pic>
+        <p:nvPicPr>
+          <p:cNvPr id="6" name="Image 5">
+            <a:extLst>
+              <a:ext uri="{FF2B5EF4-FFF2-40B4-BE49-F238E27FC236}">
+                <a16:creationId xmlns:a16="http://schemas.microsoft.com/office/drawing/2014/main" id="{3A0FFEC5-F0F6-4DF2-BF6C-A797BC1795CE}"/>
+              </a:ext>
+            </a:extLst>
+          </p:cNvPr>
+          <p:cNvPicPr>
+            <a:picLocks noChangeAspect="1"/>
+          </p:cNvPicPr>
+          <p:nvPr/>
+        </p:nvPicPr>
+        <p:blipFill>
+          <a:blip r:embed="rId3">
+            <a:extLst>
+              <a:ext uri="{28A0092B-C50C-407E-A947-70E740481C1C}">
+                <a14:useLocalDpi xmlns:a14="http://schemas.microsoft.com/office/drawing/2010/main" val="0"/>
+              </a:ext>
+            </a:extLst>
+          </a:blip>
+          <a:stretch>
+            <a:fillRect/>
+          </a:stretch>
+        </p:blipFill>
+        <p:spPr>
+          <a:xfrm>
+            <a:off x="244563" y="1440639"/>
+            <a:ext cx="9425945" cy="5331041"/>
+          </a:xfrm>
+          <a:prstGeom prst="rect">
+            <a:avLst/>
+          </a:prstGeom>
+        </p:spPr>
+      </p:pic>
+    </p:spTree>
+    <p:extLst>
+      <p:ext uri="{BB962C8B-B14F-4D97-AF65-F5344CB8AC3E}">
+        <p14:creationId xmlns:p14="http://schemas.microsoft.com/office/powerpoint/2010/main" val="124980897"/>
+      </p:ext>
+    </p:extLst>
+  </p:cSld>
+  <p:clrMapOvr>
+    <a:masterClrMapping/>
+  </p:clrMapOvr>
+  <p:timing>
+    <p:tnLst>
+      <p:par>
+        <p:cTn id="1" dur="indefinite" restart="never" nodeType="tmRoot">
+          <p:childTnLst>
+            <p:seq>
+              <p:cTn id="2" dur="indefinite" nodeType="mainSeq"/>
+              <p:prevCondLst>
+                <p:cond evt="onPrev" delay="0">
+                  <p:tgtEl>
+                    <p:sldTgt/>
+                  </p:tgtEl>
+                </p:cond>
+              </p:prevCondLst>
+              <p:nextCondLst>
+                <p:cond evt="onNext" delay="0">
+                  <p:tgtEl>
+                    <p:sldTgt/>
+                  </p:tgtEl>
+                </p:cond>
+              </p:nextCondLst>
+            </p:seq>
+          </p:childTnLst>
+        </p:cTn>
+      </p:par>
+    </p:tnLst>
+  </p:timing>
+</p:sld>
+</file>
+
+<file path=ppt/slides/slide21.xml><?xml version="1.0" encoding="utf-8"?>
+<p:sld xmlns:a="http://schemas.openxmlformats.org/drawingml/2006/main" xmlns:r="http://schemas.openxmlformats.org/officeDocument/2006/relationships" xmlns:p="http://schemas.openxmlformats.org/presentationml/2006/main">
+  <p:cSld>
+    <p:spTree>
+      <p:nvGrpSpPr>
+        <p:cNvPr id="1" name=""/>
+        <p:cNvGrpSpPr/>
+        <p:nvPr/>
+      </p:nvGrpSpPr>
+      <p:grpSpPr>
+        <a:xfrm>
+          <a:off x="0" y="0"/>
+          <a:ext cx="0" cy="0"/>
+          <a:chOff x="0" y="0"/>
+          <a:chExt cx="0" cy="0"/>
+        </a:xfrm>
+      </p:grpSpPr>
+      <p:pic>
+        <p:nvPicPr>
+          <p:cNvPr id="89" name="Image 6"/>
+          <p:cNvPicPr/>
+          <p:nvPr/>
+        </p:nvPicPr>
+        <p:blipFill>
+          <a:blip r:embed="rId2"/>
+          <a:stretch/>
+        </p:blipFill>
+        <p:spPr>
+          <a:xfrm>
+            <a:off x="9724680" y="255960"/>
+            <a:ext cx="2142720" cy="2142720"/>
+          </a:xfrm>
+          <a:prstGeom prst="rect">
+            <a:avLst/>
+          </a:prstGeom>
+          <a:ln>
+            <a:noFill/>
+          </a:ln>
+        </p:spPr>
+      </p:pic>
+      <p:sp>
+        <p:nvSpPr>
+          <p:cNvPr id="90" name="CustomShape 1"/>
+          <p:cNvSpPr/>
+          <p:nvPr/>
+        </p:nvSpPr>
+        <p:spPr>
+          <a:xfrm>
+            <a:off x="2480040" y="727200"/>
+            <a:ext cx="7231320" cy="1187640"/>
+          </a:xfrm>
+          <a:prstGeom prst="rect">
+            <a:avLst/>
+          </a:prstGeom>
+          <a:noFill/>
+          <a:ln>
+            <a:noFill/>
+          </a:ln>
+        </p:spPr>
+        <p:style>
+          <a:lnRef idx="0">
+            <a:scrgbClr r="0" g="0" b="0"/>
+          </a:lnRef>
+          <a:fillRef idx="0">
+            <a:scrgbClr r="0" g="0" b="0"/>
+          </a:fillRef>
+          <a:effectRef idx="0">
+            <a:scrgbClr r="0" g="0" b="0"/>
+          </a:effectRef>
+          <a:fontRef idx="minor"/>
+        </p:style>
+        <p:txBody>
+          <a:bodyPr lIns="90000" tIns="45000" rIns="90000" bIns="45000"/>
+          <a:lstStyle/>
+          <a:p>
+            <a:pPr algn="ctr">
+              <a:lnSpc>
+                <a:spcPct val="100000"/>
+              </a:lnSpc>
+            </a:pPr>
+            <a:r>
+              <a:rPr lang="fr-BE" sz="7200" b="1" u="sng" strike="noStrike" spc="-1">
+                <a:solidFill>
+                  <a:srgbClr val="2F5597"/>
+                </a:solidFill>
+                <a:uFillTx/>
+                <a:latin typeface="Times New Roman"/>
+              </a:rPr>
+              <a:t>Discussion</a:t>
+            </a:r>
+            <a:endParaRPr lang="fr-BE" sz="7200" b="0" strike="noStrike" spc="-1">
+              <a:latin typeface="Arial"/>
+            </a:endParaRPr>
+          </a:p>
+        </p:txBody>
+      </p:sp>
+      <p:sp>
+        <p:nvSpPr>
+          <p:cNvPr id="91" name="CustomShape 2"/>
+          <p:cNvSpPr/>
+          <p:nvPr/>
+        </p:nvSpPr>
+        <p:spPr>
+          <a:xfrm>
+            <a:off x="362520" y="2788920"/>
+            <a:ext cx="4491360" cy="1644480"/>
+          </a:xfrm>
+          <a:prstGeom prst="rect">
+            <a:avLst/>
+          </a:prstGeom>
+          <a:noFill/>
+          <a:ln>
+            <a:noFill/>
+          </a:ln>
+        </p:spPr>
+        <p:style>
+          <a:lnRef idx="0">
+            <a:scrgbClr r="0" g="0" b="0"/>
+          </a:lnRef>
+          <a:fillRef idx="0">
+            <a:scrgbClr r="0" g="0" b="0"/>
+          </a:fillRef>
+          <a:effectRef idx="0">
+            <a:scrgbClr r="0" g="0" b="0"/>
+          </a:effectRef>
+          <a:fontRef idx="minor"/>
+        </p:style>
+        <p:txBody>
+          <a:bodyPr lIns="90000" tIns="45000" rIns="90000" bIns="45000"/>
+          <a:lstStyle/>
+          <a:p>
+            <a:pPr marL="285840" indent="-285480">
+              <a:lnSpc>
+                <a:spcPct val="100000"/>
+              </a:lnSpc>
+              <a:buClr>
+                <a:srgbClr val="000000"/>
+              </a:buClr>
+              <a:buFont typeface="StarSymbol"/>
+              <a:buChar char="-"/>
+            </a:pPr>
+            <a:r>
+              <a:rPr lang="fr-BE" sz="2800" b="0" strike="noStrike" spc="-1">
+                <a:solidFill>
+                  <a:srgbClr val="000000"/>
+                </a:solidFill>
+                <a:latin typeface="Times New Roman"/>
+              </a:rPr>
+              <a:t>What we can conclude about these graphs ?</a:t>
+            </a:r>
+            <a:endParaRPr lang="fr-BE" sz="2800" b="0" strike="noStrike" spc="-1">
+              <a:latin typeface="Arial"/>
+            </a:endParaRPr>
+          </a:p>
+          <a:p>
+            <a:pPr marL="285840" indent="-285480">
+              <a:lnSpc>
+                <a:spcPct val="100000"/>
+              </a:lnSpc>
+              <a:buClr>
+                <a:srgbClr val="000000"/>
+              </a:buClr>
+              <a:buFont typeface="StarSymbol"/>
+              <a:buChar char="-"/>
+            </a:pPr>
+            <a:endParaRPr lang="fr-BE" sz="2800" b="0" strike="noStrike" spc="-1">
+              <a:latin typeface="Arial"/>
+            </a:endParaRPr>
+          </a:p>
           <a:p>
             <a:pPr>
               <a:lnSpc>
                 <a:spcPct val="100000"/>
               </a:lnSpc>
             </a:pPr>
-            <a:r>
-              <a:rPr lang="fr-BE" sz="2800" b="0" strike="noStrike" spc="-1">
-                <a:solidFill>
-                  <a:srgbClr val="000000"/>
-                </a:solidFill>
-                <a:latin typeface="Times New Roman"/>
-              </a:rPr>
-              <a:t>- Algorithms</a:t>
-            </a:r>
             <a:endParaRPr lang="fr-BE" sz="2800" b="0" strike="noStrike" spc="-1">
               <a:latin typeface="Arial"/>
             </a:endParaRPr>
           </a:p>
         </p:txBody>
       </p:sp>
+      <p:sp>
+        <p:nvSpPr>
+          <p:cNvPr id="92" name="CustomShape 3"/>
+          <p:cNvSpPr/>
+          <p:nvPr/>
+        </p:nvSpPr>
+        <p:spPr>
+          <a:xfrm>
+            <a:off x="424800" y="3589200"/>
+            <a:ext cx="269640" cy="516960"/>
+          </a:xfrm>
+          <a:prstGeom prst="rect">
+            <a:avLst/>
+          </a:prstGeom>
+          <a:noFill/>
+          <a:ln>
+            <a:noFill/>
+          </a:ln>
+        </p:spPr>
+        <p:style>
+          <a:lnRef idx="0">
+            <a:scrgbClr r="0" g="0" b="0"/>
+          </a:lnRef>
+          <a:fillRef idx="0">
+            <a:scrgbClr r="0" g="0" b="0"/>
+          </a:fillRef>
+          <a:effectRef idx="0">
+            <a:scrgbClr r="0" g="0" b="0"/>
+          </a:effectRef>
+          <a:fontRef idx="minor"/>
+        </p:style>
+        <p:txBody>
+          <a:bodyPr wrap="none" lIns="90000" tIns="45000" rIns="90000" bIns="45000"/>
+          <a:lstStyle/>
+          <a:p>
+            <a:pPr>
+              <a:lnSpc>
+                <a:spcPct val="100000"/>
+              </a:lnSpc>
+            </a:pPr>
+            <a:r>
+              <a:rPr lang="fr-BE" sz="2800" b="0" strike="noStrike" spc="-1">
+                <a:solidFill>
+                  <a:srgbClr val="000000"/>
+                </a:solidFill>
+                <a:latin typeface="Times New Roman"/>
+              </a:rPr>
+              <a:t> </a:t>
+            </a:r>
+            <a:endParaRPr lang="fr-BE" sz="2800" b="0" strike="noStrike" spc="-1">
+              <a:latin typeface="Arial"/>
+            </a:endParaRPr>
+          </a:p>
+        </p:txBody>
+      </p:sp>
+    </p:spTree>
+  </p:cSld>
+  <p:clrMapOvr>
+    <a:masterClrMapping/>
+  </p:clrMapOvr>
+  <p:timing>
+    <p:tnLst>
+      <p:par>
+        <p:cTn id="1" dur="indefinite" restart="never" nodeType="tmRoot">
+          <p:childTnLst>
+            <p:seq>
+              <p:cTn id="2" dur="indefinite" nodeType="mainSeq"/>
+              <p:prevCondLst>
+                <p:cond evt="onPrev" delay="0">
+                  <p:tgtEl>
+                    <p:sldTgt/>
+                  </p:tgtEl>
+                </p:cond>
+              </p:prevCondLst>
+              <p:nextCondLst>
+                <p:cond evt="onNext" delay="0">
+                  <p:tgtEl>
+                    <p:sldTgt/>
+                  </p:tgtEl>
+                </p:cond>
+              </p:nextCondLst>
+            </p:seq>
+          </p:childTnLst>
+        </p:cTn>
+      </p:par>
+    </p:tnLst>
+  </p:timing>
+</p:sld>
+</file>
+
+<file path=ppt/slides/slide22.xml><?xml version="1.0" encoding="utf-8"?>
+<p:sld xmlns:a="http://schemas.openxmlformats.org/drawingml/2006/main" xmlns:r="http://schemas.openxmlformats.org/officeDocument/2006/relationships" xmlns:p="http://schemas.openxmlformats.org/presentationml/2006/main">
+  <p:cSld>
+    <p:spTree>
+      <p:nvGrpSpPr>
+        <p:cNvPr id="1" name=""/>
+        <p:cNvGrpSpPr/>
+        <p:nvPr/>
+      </p:nvGrpSpPr>
+      <p:grpSpPr>
+        <a:xfrm>
+          <a:off x="0" y="0"/>
+          <a:ext cx="0" cy="0"/>
+          <a:chOff x="0" y="0"/>
+          <a:chExt cx="0" cy="0"/>
+        </a:xfrm>
+      </p:grpSpPr>
+      <p:pic>
+        <p:nvPicPr>
+          <p:cNvPr id="93" name="Image 6"/>
+          <p:cNvPicPr/>
+          <p:nvPr/>
+        </p:nvPicPr>
+        <p:blipFill>
+          <a:blip r:embed="rId2"/>
+          <a:stretch/>
+        </p:blipFill>
+        <p:spPr>
+          <a:xfrm>
+            <a:off x="9724680" y="255960"/>
+            <a:ext cx="2142720" cy="2142720"/>
+          </a:xfrm>
+          <a:prstGeom prst="rect">
+            <a:avLst/>
+          </a:prstGeom>
+          <a:ln>
+            <a:noFill/>
+          </a:ln>
+        </p:spPr>
+      </p:pic>
+      <p:sp>
+        <p:nvSpPr>
+          <p:cNvPr id="94" name="CustomShape 1"/>
+          <p:cNvSpPr/>
+          <p:nvPr/>
+        </p:nvSpPr>
+        <p:spPr>
+          <a:xfrm>
+            <a:off x="2480040" y="727200"/>
+            <a:ext cx="7231320" cy="1187640"/>
+          </a:xfrm>
+          <a:prstGeom prst="rect">
+            <a:avLst/>
+          </a:prstGeom>
+          <a:noFill/>
+          <a:ln>
+            <a:noFill/>
+          </a:ln>
+        </p:spPr>
+        <p:style>
+          <a:lnRef idx="0">
+            <a:scrgbClr r="0" g="0" b="0"/>
+          </a:lnRef>
+          <a:fillRef idx="0">
+            <a:scrgbClr r="0" g="0" b="0"/>
+          </a:fillRef>
+          <a:effectRef idx="0">
+            <a:scrgbClr r="0" g="0" b="0"/>
+          </a:effectRef>
+          <a:fontRef idx="minor"/>
+        </p:style>
+        <p:txBody>
+          <a:bodyPr lIns="90000" tIns="45000" rIns="90000" bIns="45000"/>
+          <a:lstStyle/>
+          <a:p>
+            <a:pPr algn="ctr">
+              <a:lnSpc>
+                <a:spcPct val="100000"/>
+              </a:lnSpc>
+            </a:pPr>
+            <a:r>
+              <a:rPr lang="fr-BE" sz="7200" b="1" u="sng" strike="noStrike" spc="-1">
+                <a:solidFill>
+                  <a:srgbClr val="2F5597"/>
+                </a:solidFill>
+                <a:uFillTx/>
+                <a:latin typeface="Times New Roman"/>
+              </a:rPr>
+              <a:t>Questions ? </a:t>
+            </a:r>
+            <a:endParaRPr lang="fr-BE" sz="7200" b="0" strike="noStrike" spc="-1">
+              <a:latin typeface="Arial"/>
+            </a:endParaRPr>
+          </a:p>
+        </p:txBody>
+      </p:sp>
+      <p:sp>
+        <p:nvSpPr>
+          <p:cNvPr id="95" name="CustomShape 2"/>
+          <p:cNvSpPr/>
+          <p:nvPr/>
+        </p:nvSpPr>
+        <p:spPr>
+          <a:xfrm>
+            <a:off x="362520" y="2788920"/>
+            <a:ext cx="4491360" cy="1217880"/>
+          </a:xfrm>
+          <a:prstGeom prst="rect">
+            <a:avLst/>
+          </a:prstGeom>
+          <a:noFill/>
+          <a:ln>
+            <a:noFill/>
+          </a:ln>
+        </p:spPr>
+        <p:style>
+          <a:lnRef idx="0">
+            <a:scrgbClr r="0" g="0" b="0"/>
+          </a:lnRef>
+          <a:fillRef idx="0">
+            <a:scrgbClr r="0" g="0" b="0"/>
+          </a:fillRef>
+          <a:effectRef idx="0">
+            <a:scrgbClr r="0" g="0" b="0"/>
+          </a:effectRef>
+          <a:fontRef idx="minor"/>
+        </p:style>
+        <p:txBody>
+          <a:bodyPr lIns="90000" tIns="45000" rIns="90000" bIns="45000"/>
+          <a:lstStyle/>
+          <a:p>
+            <a:pPr marL="285840" indent="-285480">
+              <a:lnSpc>
+                <a:spcPct val="100000"/>
+              </a:lnSpc>
+              <a:buClr>
+                <a:srgbClr val="000000"/>
+              </a:buClr>
+              <a:buFont typeface="StarSymbol"/>
+              <a:buChar char="-"/>
+            </a:pPr>
+            <a:endParaRPr lang="fr-BE" sz="1800" b="0" strike="noStrike" spc="-1">
+              <a:latin typeface="Arial"/>
+            </a:endParaRPr>
+          </a:p>
+          <a:p>
+            <a:pPr marL="285840" indent="-285480">
+              <a:lnSpc>
+                <a:spcPct val="100000"/>
+              </a:lnSpc>
+              <a:buClr>
+                <a:srgbClr val="000000"/>
+              </a:buClr>
+              <a:buFont typeface="StarSymbol"/>
+              <a:buChar char="-"/>
+            </a:pPr>
+            <a:endParaRPr lang="fr-BE" sz="1800" b="0" strike="noStrike" spc="-1">
+              <a:latin typeface="Arial"/>
+            </a:endParaRPr>
+          </a:p>
+          <a:p>
+            <a:pPr>
+              <a:lnSpc>
+                <a:spcPct val="100000"/>
+              </a:lnSpc>
+            </a:pPr>
+            <a:endParaRPr lang="fr-BE" sz="1800" b="0" strike="noStrike" spc="-1">
+              <a:latin typeface="Arial"/>
+            </a:endParaRPr>
+          </a:p>
+        </p:txBody>
+      </p:sp>
+      <p:sp>
+        <p:nvSpPr>
+          <p:cNvPr id="96" name="CustomShape 3"/>
+          <p:cNvSpPr/>
+          <p:nvPr/>
+        </p:nvSpPr>
+        <p:spPr>
+          <a:xfrm>
+            <a:off x="424800" y="3589200"/>
+            <a:ext cx="269640" cy="516960"/>
+          </a:xfrm>
+          <a:prstGeom prst="rect">
+            <a:avLst/>
+          </a:prstGeom>
+          <a:noFill/>
+          <a:ln>
+            <a:noFill/>
+          </a:ln>
+        </p:spPr>
+        <p:style>
+          <a:lnRef idx="0">
+            <a:scrgbClr r="0" g="0" b="0"/>
+          </a:lnRef>
+          <a:fillRef idx="0">
+            <a:scrgbClr r="0" g="0" b="0"/>
+          </a:fillRef>
+          <a:effectRef idx="0">
+            <a:scrgbClr r="0" g="0" b="0"/>
+          </a:effectRef>
+          <a:fontRef idx="minor"/>
+        </p:style>
+        <p:txBody>
+          <a:bodyPr wrap="none" lIns="90000" tIns="45000" rIns="90000" bIns="45000"/>
+          <a:lstStyle/>
+          <a:p>
+            <a:pPr>
+              <a:lnSpc>
+                <a:spcPct val="100000"/>
+              </a:lnSpc>
+            </a:pPr>
+            <a:r>
+              <a:rPr lang="fr-BE" sz="2800" b="0" strike="noStrike" spc="-1">
+                <a:solidFill>
+                  <a:srgbClr val="000000"/>
+                </a:solidFill>
+                <a:latin typeface="Times New Roman"/>
+              </a:rPr>
+              <a:t> </a:t>
+            </a:r>
+            <a:endParaRPr lang="fr-BE" sz="2800" b="0" strike="noStrike" spc="-1">
+              <a:latin typeface="Arial"/>
+            </a:endParaRPr>
+          </a:p>
+        </p:txBody>
+      </p:sp>
+      <p:pic>
+        <p:nvPicPr>
+          <p:cNvPr id="1026" name="Picture 2" descr="Résultat de recherche d'images pour &quot;Questions&quot;">
+            <a:extLst>
+              <a:ext uri="{FF2B5EF4-FFF2-40B4-BE49-F238E27FC236}">
+                <a16:creationId xmlns:a16="http://schemas.microsoft.com/office/drawing/2014/main" id="{2BF484B1-21D7-43DF-9F07-D9F2730580CA}"/>
+              </a:ext>
+            </a:extLst>
+          </p:cNvPr>
+          <p:cNvPicPr>
+            <a:picLocks noChangeAspect="1" noChangeArrowheads="1"/>
+          </p:cNvPicPr>
+          <p:nvPr/>
+        </p:nvPicPr>
+        <p:blipFill>
+          <a:blip r:embed="rId3">
+            <a:extLst>
+              <a:ext uri="{28A0092B-C50C-407E-A947-70E740481C1C}">
+                <a14:useLocalDpi xmlns:a14="http://schemas.microsoft.com/office/drawing/2010/main" val="0"/>
+              </a:ext>
+            </a:extLst>
+          </a:blip>
+          <a:srcRect/>
+          <a:stretch>
+            <a:fillRect/>
+          </a:stretch>
+        </p:blipFill>
+        <p:spPr bwMode="auto">
+          <a:xfrm>
+            <a:off x="2142617" y="2398680"/>
+            <a:ext cx="7267575" cy="4038600"/>
+          </a:xfrm>
+          <a:prstGeom prst="rect">
+            <a:avLst/>
+          </a:prstGeom>
+          <a:noFill/>
+          <a:extLst>
+            <a:ext uri="{909E8E84-426E-40DD-AFC4-6F175D3DCCD1}">
+              <a14:hiddenFill xmlns:a14="http://schemas.microsoft.com/office/drawing/2010/main">
+                <a:solidFill>
+                  <a:srgbClr val="FFFFFF"/>
+                </a:solidFill>
+              </a14:hiddenFill>
+            </a:ext>
+          </a:extLst>
+        </p:spPr>
+      </p:pic>
     </p:spTree>
   </p:cSld>
   <p:clrMapOvr>
@@ -5162,6 +6968,98 @@
           </a:p>
         </p:txBody>
       </p:sp>
+      <p:sp>
+        <p:nvSpPr>
+          <p:cNvPr id="7" name="CustomShape 2">
+            <a:extLst>
+              <a:ext uri="{FF2B5EF4-FFF2-40B4-BE49-F238E27FC236}">
+                <a16:creationId xmlns:a16="http://schemas.microsoft.com/office/drawing/2014/main" id="{60951C5A-B0A6-4ED7-99D1-6CF598528A90}"/>
+              </a:ext>
+            </a:extLst>
+          </p:cNvPr>
+          <p:cNvSpPr/>
+          <p:nvPr/>
+        </p:nvSpPr>
+        <p:spPr>
+          <a:xfrm>
+            <a:off x="372600" y="5249515"/>
+            <a:ext cx="4491360" cy="791280"/>
+          </a:xfrm>
+          <a:prstGeom prst="rect">
+            <a:avLst/>
+          </a:prstGeom>
+          <a:noFill/>
+          <a:ln>
+            <a:noFill/>
+          </a:ln>
+        </p:spPr>
+        <p:style>
+          <a:lnRef idx="0">
+            <a:scrgbClr r="0" g="0" b="0"/>
+          </a:lnRef>
+          <a:fillRef idx="0">
+            <a:scrgbClr r="0" g="0" b="0"/>
+          </a:fillRef>
+          <a:effectRef idx="0">
+            <a:scrgbClr r="0" g="0" b="0"/>
+          </a:effectRef>
+          <a:fontRef idx="minor"/>
+        </p:style>
+        <p:txBody>
+          <a:bodyPr lIns="90000" tIns="45000" rIns="90000" bIns="45000"/>
+          <a:lstStyle/>
+          <a:p>
+            <a:pPr marL="360">
+              <a:lnSpc>
+                <a:spcPct val="100000"/>
+              </a:lnSpc>
+              <a:buClr>
+                <a:srgbClr val="000000"/>
+              </a:buClr>
+            </a:pPr>
+            <a:r>
+              <a:rPr lang="fr-BE" sz="2800" b="0" strike="noStrike" spc="-1" dirty="0">
+                <a:solidFill>
+                  <a:srgbClr val="000000"/>
+                </a:solidFill>
+                <a:latin typeface="Times New Roman"/>
+              </a:rPr>
+              <a:t>- </a:t>
+            </a:r>
+            <a:r>
+              <a:rPr lang="fr-BE" sz="2800" b="0" strike="noStrike" spc="-1" dirty="0" err="1">
+                <a:solidFill>
+                  <a:srgbClr val="000000"/>
+                </a:solidFill>
+                <a:latin typeface="Times New Roman"/>
+              </a:rPr>
+              <a:t>Monitored</a:t>
+            </a:r>
+            <a:r>
+              <a:rPr lang="fr-BE" sz="2800" b="0" strike="noStrike" spc="-1" dirty="0">
+                <a:solidFill>
+                  <a:srgbClr val="000000"/>
+                </a:solidFill>
+                <a:latin typeface="Times New Roman"/>
+              </a:rPr>
+              <a:t> test centres</a:t>
+            </a:r>
+            <a:endParaRPr lang="fr-BE" sz="2800" b="0" strike="noStrike" spc="-1" dirty="0">
+              <a:latin typeface="Arial"/>
+            </a:endParaRPr>
+          </a:p>
+          <a:p>
+            <a:pPr>
+              <a:lnSpc>
+                <a:spcPct val="100000"/>
+              </a:lnSpc>
+            </a:pPr>
+            <a:endParaRPr lang="fr-BE" sz="2800" b="0" strike="noStrike" spc="-1" dirty="0">
+              <a:latin typeface="Arial"/>
+            </a:endParaRPr>
+          </a:p>
+        </p:txBody>
+      </p:sp>
     </p:spTree>
   </p:cSld>
   <p:clrMapOvr>
@@ -5216,7 +7114,7 @@
       </p:grpSpPr>
       <p:pic>
         <p:nvPicPr>
-          <p:cNvPr id="55" name="Image 6"/>
+          <p:cNvPr id="45" name="Image 6"/>
           <p:cNvPicPr/>
           <p:nvPr/>
         </p:nvPicPr>
@@ -5239,7 +7137,7 @@
       </p:pic>
       <p:sp>
         <p:nvSpPr>
-          <p:cNvPr id="56" name="CustomShape 1"/>
+          <p:cNvPr id="46" name="CustomShape 1"/>
           <p:cNvSpPr/>
           <p:nvPr/>
         </p:nvSpPr>
@@ -5285,7 +7183,7 @@
                 <a:uFillTx/>
                 <a:latin typeface="Times New Roman"/>
               </a:rPr>
-              <a:t>Examples</a:t>
+              <a:t>Introduction</a:t>
             </a:r>
             <a:endParaRPr lang="fr-BE" sz="7200" b="0" strike="noStrike" spc="-1">
               <a:latin typeface="Arial"/>
@@ -5295,7 +7193,7 @@
       </p:sp>
       <p:sp>
         <p:nvSpPr>
-          <p:cNvPr id="57" name="CustomShape 2"/>
+          <p:cNvPr id="47" name="CustomShape 2"/>
           <p:cNvSpPr/>
           <p:nvPr/>
         </p:nvSpPr>
@@ -5345,7 +7243,7 @@
                 </a:solidFill>
                 <a:latin typeface="Times New Roman"/>
               </a:rPr>
-              <a:t>Monitored test centres</a:t>
+              <a:t>How to test people ?</a:t>
             </a:r>
             <a:endParaRPr lang="fr-BE" sz="2800" b="0" strike="noStrike" spc="-1">
               <a:latin typeface="Arial"/>
@@ -5365,14 +7263,14 @@
       </p:sp>
       <p:sp>
         <p:nvSpPr>
-          <p:cNvPr id="58" name="CustomShape 3"/>
+          <p:cNvPr id="48" name="CustomShape 3"/>
           <p:cNvSpPr/>
           <p:nvPr/>
         </p:nvSpPr>
         <p:spPr>
           <a:xfrm>
-            <a:off x="383040" y="3589200"/>
-            <a:ext cx="4277520" cy="516960"/>
+            <a:off x="384840" y="3589200"/>
+            <a:ext cx="4484880" cy="516960"/>
           </a:xfrm>
           <a:prstGeom prst="rect">
             <a:avLst/>
@@ -5410,7 +7308,7 @@
                 </a:solidFill>
                 <a:latin typeface="Times New Roman"/>
               </a:rPr>
-              <a:t>- Generate random questions</a:t>
+              <a:t>- Problem with large scale test</a:t>
             </a:r>
             <a:endParaRPr lang="fr-BE" sz="2800" b="0" strike="noStrike" spc="-1">
               <a:latin typeface="Arial"/>
@@ -5418,7 +7316,76 @@
           </a:p>
         </p:txBody>
       </p:sp>
+      <p:sp>
+        <p:nvSpPr>
+          <p:cNvPr id="49" name="CustomShape 4"/>
+          <p:cNvSpPr/>
+          <p:nvPr/>
+        </p:nvSpPr>
+        <p:spPr>
+          <a:xfrm>
+            <a:off x="372240" y="4502520"/>
+            <a:ext cx="1990080" cy="516960"/>
+          </a:xfrm>
+          <a:prstGeom prst="rect">
+            <a:avLst/>
+          </a:prstGeom>
+          <a:noFill/>
+          <a:ln>
+            <a:noFill/>
+          </a:ln>
+        </p:spPr>
+        <p:style>
+          <a:lnRef idx="0">
+            <a:scrgbClr r="0" g="0" b="0"/>
+          </a:lnRef>
+          <a:fillRef idx="0">
+            <a:scrgbClr r="0" g="0" b="0"/>
+          </a:fillRef>
+          <a:effectRef idx="0">
+            <a:scrgbClr r="0" g="0" b="0"/>
+          </a:effectRef>
+          <a:fontRef idx="minor"/>
+        </p:style>
+        <p:txBody>
+          <a:bodyPr wrap="none" lIns="90000" tIns="45000" rIns="90000" bIns="45000"/>
+          <a:lstStyle/>
+          <a:p>
+            <a:pPr>
+              <a:lnSpc>
+                <a:spcPct val="100000"/>
+              </a:lnSpc>
+            </a:pPr>
+            <a:r>
+              <a:rPr lang="fr-BE" sz="2800" b="0" strike="noStrike" spc="-1" dirty="0">
+                <a:solidFill>
+                  <a:srgbClr val="000000"/>
+                </a:solidFill>
+                <a:latin typeface="Times New Roman"/>
+              </a:rPr>
+              <a:t>- </a:t>
+            </a:r>
+            <a:r>
+              <a:rPr lang="fr-BE" sz="2800" b="0" strike="noStrike" spc="-1" dirty="0" err="1">
+                <a:solidFill>
+                  <a:srgbClr val="000000"/>
+                </a:solidFill>
+                <a:latin typeface="Times New Roman"/>
+              </a:rPr>
+              <a:t>Algorithms</a:t>
+            </a:r>
+            <a:endParaRPr lang="fr-BE" sz="2800" b="0" strike="noStrike" spc="-1" dirty="0">
+              <a:latin typeface="Arial"/>
+            </a:endParaRPr>
+          </a:p>
+        </p:txBody>
+      </p:sp>
     </p:spTree>
+    <p:extLst>
+      <p:ext uri="{BB962C8B-B14F-4D97-AF65-F5344CB8AC3E}">
+        <p14:creationId xmlns:p14="http://schemas.microsoft.com/office/powerpoint/2010/main" val="1050910116"/>
+      </p:ext>
+    </p:extLst>
   </p:cSld>
   <p:clrMapOvr>
     <a:masterClrMapping/>
@@ -5595,15 +7562,42 @@
               <a:buChar char="-"/>
             </a:pPr>
             <a:r>
-              <a:rPr lang="fr-BE" sz="2800" b="0" strike="noStrike" spc="-1">
+              <a:rPr lang="fr-BE" sz="2800" b="0" strike="noStrike" spc="-1" dirty="0" err="1">
                 <a:solidFill>
                   <a:srgbClr val="000000"/>
                 </a:solidFill>
                 <a:latin typeface="Times New Roman"/>
               </a:rPr>
-              <a:t>What’s an algorithm ?</a:t>
-            </a:r>
-            <a:endParaRPr lang="fr-BE" sz="2800" b="0" strike="noStrike" spc="-1">
+              <a:t>What’s</a:t>
+            </a:r>
+            <a:r>
+              <a:rPr lang="fr-BE" sz="2800" b="0" strike="noStrike" spc="-1" dirty="0">
+                <a:solidFill>
+                  <a:srgbClr val="000000"/>
+                </a:solidFill>
+                <a:latin typeface="Times New Roman"/>
+              </a:rPr>
+              <a:t> an </a:t>
+            </a:r>
+            <a:r>
+              <a:rPr lang="fr-BE" sz="2800" b="0" strike="noStrike" spc="-1" dirty="0" err="1">
+                <a:solidFill>
+                  <a:srgbClr val="000000"/>
+                </a:solidFill>
+                <a:latin typeface="Times New Roman"/>
+              </a:rPr>
+              <a:t>algorithm</a:t>
+            </a:r>
+            <a:r>
+              <a:rPr lang="fr-BE" sz="2800" b="0" strike="noStrike" spc="-1" dirty="0">
+                <a:solidFill>
+                  <a:srgbClr val="000000"/>
+                </a:solidFill>
+                <a:latin typeface="Times New Roman"/>
+              </a:rPr>
+              <a:t> ?</a:t>
+            </a:r>
+            <a:endParaRPr lang="fr-BE" sz="2800" b="0" strike="noStrike" spc="-1" dirty="0">
               <a:latin typeface="Arial"/>
             </a:endParaRPr>
           </a:p>
@@ -5613,123 +7607,18 @@
                 <a:spcPct val="100000"/>
               </a:lnSpc>
             </a:pPr>
-            <a:endParaRPr lang="fr-BE" sz="2800" b="0" strike="noStrike" spc="-1">
+            <a:endParaRPr lang="fr-BE" sz="2800" b="0" strike="noStrike" spc="-1" dirty="0">
               <a:latin typeface="Arial"/>
             </a:endParaRPr>
           </a:p>
         </p:txBody>
       </p:sp>
-      <p:sp>
-        <p:nvSpPr>
-          <p:cNvPr id="62" name="CustomShape 3"/>
-          <p:cNvSpPr/>
-          <p:nvPr/>
-        </p:nvSpPr>
-        <p:spPr>
-          <a:xfrm>
-            <a:off x="374760" y="4389480"/>
-            <a:ext cx="2262960" cy="516960"/>
-          </a:xfrm>
-          <a:prstGeom prst="rect">
-            <a:avLst/>
-          </a:prstGeom>
-          <a:noFill/>
-          <a:ln>
-            <a:noFill/>
-          </a:ln>
-        </p:spPr>
-        <p:style>
-          <a:lnRef idx="0">
-            <a:scrgbClr r="0" g="0" b="0"/>
-          </a:lnRef>
-          <a:fillRef idx="0">
-            <a:scrgbClr r="0" g="0" b="0"/>
-          </a:fillRef>
-          <a:effectRef idx="0">
-            <a:scrgbClr r="0" g="0" b="0"/>
-          </a:effectRef>
-          <a:fontRef idx="minor"/>
-        </p:style>
-        <p:txBody>
-          <a:bodyPr wrap="none" lIns="90000" tIns="45000" rIns="90000" bIns="45000"/>
-          <a:lstStyle/>
-          <a:p>
-            <a:pPr>
-              <a:lnSpc>
-                <a:spcPct val="100000"/>
-              </a:lnSpc>
-            </a:pPr>
-            <a:r>
-              <a:rPr lang="fr-BE" sz="2800" b="0" strike="noStrike" spc="-1">
-                <a:solidFill>
-                  <a:srgbClr val="000000"/>
-                </a:solidFill>
-                <a:latin typeface="Times New Roman"/>
-              </a:rPr>
-              <a:t>- NP-complete</a:t>
-            </a:r>
-            <a:endParaRPr lang="fr-BE" sz="2800" b="0" strike="noStrike" spc="-1">
-              <a:latin typeface="Arial"/>
-            </a:endParaRPr>
-          </a:p>
-        </p:txBody>
-      </p:sp>
-      <p:sp>
-        <p:nvSpPr>
-          <p:cNvPr id="63" name="CustomShape 4"/>
-          <p:cNvSpPr/>
-          <p:nvPr/>
-        </p:nvSpPr>
-        <p:spPr>
-          <a:xfrm>
-            <a:off x="371880" y="3589200"/>
-            <a:ext cx="2067840" cy="516960"/>
-          </a:xfrm>
-          <a:prstGeom prst="rect">
-            <a:avLst/>
-          </a:prstGeom>
-          <a:noFill/>
-          <a:ln>
-            <a:noFill/>
-          </a:ln>
-        </p:spPr>
-        <p:style>
-          <a:lnRef idx="0">
-            <a:scrgbClr r="0" g="0" b="0"/>
-          </a:lnRef>
-          <a:fillRef idx="0">
-            <a:scrgbClr r="0" g="0" b="0"/>
-          </a:fillRef>
-          <a:effectRef idx="0">
-            <a:scrgbClr r="0" g="0" b="0"/>
-          </a:effectRef>
-          <a:fontRef idx="minor"/>
-        </p:style>
-        <p:txBody>
-          <a:bodyPr wrap="none" lIns="90000" tIns="45000" rIns="90000" bIns="45000"/>
-          <a:lstStyle/>
-          <a:p>
-            <a:pPr>
-              <a:lnSpc>
-                <a:spcPct val="100000"/>
-              </a:lnSpc>
-            </a:pPr>
-            <a:r>
-              <a:rPr lang="fr-BE" sz="2800" b="0" strike="noStrike" spc="-1">
-                <a:solidFill>
-                  <a:srgbClr val="000000"/>
-                </a:solidFill>
-                <a:latin typeface="Times New Roman"/>
-              </a:rPr>
-              <a:t>- Complexity</a:t>
-            </a:r>
-            <a:endParaRPr lang="fr-BE" sz="2800" b="0" strike="noStrike" spc="-1">
-              <a:latin typeface="Arial"/>
-            </a:endParaRPr>
-          </a:p>
-        </p:txBody>
-      </p:sp>
     </p:spTree>
+    <p:extLst>
+      <p:ext uri="{BB962C8B-B14F-4D97-AF65-F5344CB8AC3E}">
+        <p14:creationId xmlns:p14="http://schemas.microsoft.com/office/powerpoint/2010/main" val="4179929471"/>
+      </p:ext>
+    </p:extLst>
   </p:cSld>
   <p:clrMapOvr>
     <a:masterClrMapping/>
@@ -5783,7 +7672,7 @@
       </p:grpSpPr>
       <p:pic>
         <p:nvPicPr>
-          <p:cNvPr id="64" name="Image 6"/>
+          <p:cNvPr id="59" name="Image 6"/>
           <p:cNvPicPr/>
           <p:nvPr/>
         </p:nvPicPr>
@@ -5806,7 +7695,7 @@
       </p:pic>
       <p:sp>
         <p:nvSpPr>
-          <p:cNvPr id="65" name="CustomShape 1"/>
+          <p:cNvPr id="60" name="CustomShape 1"/>
           <p:cNvSpPr/>
           <p:nvPr/>
         </p:nvSpPr>
@@ -5860,132 +7749,84 @@
           </a:p>
         </p:txBody>
       </p:sp>
-      <p:sp>
-        <p:nvSpPr>
-          <p:cNvPr id="66" name="CustomShape 2"/>
-          <p:cNvSpPr/>
-          <p:nvPr/>
-        </p:nvSpPr>
-        <p:spPr>
-          <a:xfrm>
-            <a:off x="362520" y="2788920"/>
-            <a:ext cx="4491360" cy="791280"/>
-          </a:xfrm>
-          <a:prstGeom prst="rect">
-            <a:avLst/>
-          </a:prstGeom>
-          <a:noFill/>
-          <a:ln>
-            <a:noFill/>
-          </a:ln>
-        </p:spPr>
-        <p:style>
-          <a:lnRef idx="0">
-            <a:scrgbClr r="0" g="0" b="0"/>
-          </a:lnRef>
-          <a:fillRef idx="0">
-            <a:scrgbClr r="0" g="0" b="0"/>
-          </a:fillRef>
-          <a:effectRef idx="0">
-            <a:scrgbClr r="0" g="0" b="0"/>
-          </a:effectRef>
-          <a:fontRef idx="minor"/>
-        </p:style>
-        <p:txBody>
-          <a:bodyPr lIns="90000" tIns="45000" rIns="90000" bIns="45000"/>
-          <a:lstStyle/>
-          <a:p>
-            <a:pPr marL="285840" indent="-285480">
-              <a:lnSpc>
-                <a:spcPct val="100000"/>
-              </a:lnSpc>
-              <a:buClr>
-                <a:srgbClr val="000000"/>
-              </a:buClr>
-              <a:buFont typeface="StarSymbol"/>
-              <a:buChar char="-"/>
-            </a:pPr>
-            <a:r>
-              <a:rPr lang="fr-BE" sz="2800" b="0" strike="noStrike" spc="-1">
-                <a:solidFill>
-                  <a:srgbClr val="000000"/>
-                </a:solidFill>
-                <a:latin typeface="Times New Roman"/>
-              </a:rPr>
-              <a:t>Zero-sum game</a:t>
-            </a:r>
-            <a:endParaRPr lang="fr-BE" sz="2800" b="0" strike="noStrike" spc="-1">
-              <a:latin typeface="Arial"/>
-            </a:endParaRPr>
-          </a:p>
-          <a:p>
-            <a:pPr>
-              <a:lnSpc>
-                <a:spcPct val="100000"/>
-              </a:lnSpc>
-            </a:pPr>
-            <a:endParaRPr lang="fr-BE" sz="2800" b="0" strike="noStrike" spc="-1">
-              <a:latin typeface="Arial"/>
-            </a:endParaRPr>
-          </a:p>
-        </p:txBody>
-      </p:sp>
-      <p:sp>
-        <p:nvSpPr>
-          <p:cNvPr id="67" name="CustomShape 3"/>
-          <p:cNvSpPr/>
-          <p:nvPr/>
-        </p:nvSpPr>
-        <p:spPr>
-          <a:xfrm>
-            <a:off x="375840" y="3589200"/>
-            <a:ext cx="2898360" cy="516960"/>
-          </a:xfrm>
-          <a:prstGeom prst="rect">
-            <a:avLst/>
-          </a:prstGeom>
-          <a:noFill/>
-          <a:ln>
-            <a:noFill/>
-          </a:ln>
-        </p:spPr>
-        <p:style>
-          <a:lnRef idx="0">
-            <a:scrgbClr r="0" g="0" b="0"/>
-          </a:lnRef>
-          <a:fillRef idx="0">
-            <a:scrgbClr r="0" g="0" b="0"/>
-          </a:fillRef>
-          <a:effectRef idx="0">
-            <a:scrgbClr r="0" g="0" b="0"/>
-          </a:effectRef>
-          <a:fontRef idx="minor"/>
-        </p:style>
-        <p:txBody>
-          <a:bodyPr wrap="none" lIns="90000" tIns="45000" rIns="90000" bIns="45000"/>
-          <a:lstStyle/>
-          <a:p>
-            <a:pPr>
-              <a:lnSpc>
-                <a:spcPct val="100000"/>
-              </a:lnSpc>
-            </a:pPr>
-            <a:r>
-              <a:rPr lang="fr-BE" sz="2800" b="0" strike="noStrike" spc="-1">
-                <a:solidFill>
-                  <a:srgbClr val="000000"/>
-                </a:solidFill>
-                <a:latin typeface="Times New Roman"/>
-              </a:rPr>
-              <a:t>- Nash-equilibrium</a:t>
-            </a:r>
-            <a:endParaRPr lang="fr-BE" sz="2800" b="0" strike="noStrike" spc="-1">
-              <a:latin typeface="Arial"/>
-            </a:endParaRPr>
-          </a:p>
-        </p:txBody>
-      </p:sp>
+      <p:pic>
+        <p:nvPicPr>
+          <p:cNvPr id="8" name="Image 7">
+            <a:extLst>
+              <a:ext uri="{FF2B5EF4-FFF2-40B4-BE49-F238E27FC236}">
+                <a16:creationId xmlns:a16="http://schemas.microsoft.com/office/drawing/2014/main" id="{C929D922-A9F8-42DE-9DBF-62053F0DBBAA}"/>
+              </a:ext>
+            </a:extLst>
+          </p:cNvPr>
+          <p:cNvPicPr>
+            <a:picLocks noChangeAspect="1"/>
+          </p:cNvPicPr>
+          <p:nvPr/>
+        </p:nvPicPr>
+        <p:blipFill>
+          <a:blip r:embed="rId3">
+            <a:extLst>
+              <a:ext uri="{28A0092B-C50C-407E-A947-70E740481C1C}">
+                <a14:useLocalDpi xmlns:a14="http://schemas.microsoft.com/office/drawing/2010/main" val="0"/>
+              </a:ext>
+            </a:extLst>
+          </a:blip>
+          <a:stretch>
+            <a:fillRect/>
+          </a:stretch>
+        </p:blipFill>
+        <p:spPr>
+          <a:xfrm>
+            <a:off x="161291" y="2409777"/>
+            <a:ext cx="6121144" cy="3952350"/>
+          </a:xfrm>
+          <a:prstGeom prst="rect">
+            <a:avLst/>
+          </a:prstGeom>
+        </p:spPr>
+      </p:pic>
+      <p:pic>
+        <p:nvPicPr>
+          <p:cNvPr id="6" name="Image 5">
+            <a:extLst>
+              <a:ext uri="{FF2B5EF4-FFF2-40B4-BE49-F238E27FC236}">
+                <a16:creationId xmlns:a16="http://schemas.microsoft.com/office/drawing/2014/main" id="{CDB3E30A-9812-41EA-948C-77FB44C53E14}"/>
+              </a:ext>
+            </a:extLst>
+          </p:cNvPr>
+          <p:cNvPicPr>
+            <a:picLocks noChangeAspect="1"/>
+          </p:cNvPicPr>
+          <p:nvPr/>
+        </p:nvPicPr>
+        <p:blipFill>
+          <a:blip r:embed="rId4">
+            <a:extLst>
+              <a:ext uri="{28A0092B-C50C-407E-A947-70E740481C1C}">
+                <a14:useLocalDpi xmlns:a14="http://schemas.microsoft.com/office/drawing/2010/main" val="0"/>
+              </a:ext>
+            </a:extLst>
+          </a:blip>
+          <a:stretch>
+            <a:fillRect/>
+          </a:stretch>
+        </p:blipFill>
+        <p:spPr>
+          <a:xfrm>
+            <a:off x="6282435" y="2409778"/>
+            <a:ext cx="4699777" cy="3952349"/>
+          </a:xfrm>
+          <a:prstGeom prst="rect">
+            <a:avLst/>
+          </a:prstGeom>
+        </p:spPr>
+      </p:pic>
     </p:spTree>
+    <p:extLst>
+      <p:ext uri="{BB962C8B-B14F-4D97-AF65-F5344CB8AC3E}">
+        <p14:creationId xmlns:p14="http://schemas.microsoft.com/office/powerpoint/2010/main" val="221444586"/>
+      </p:ext>
+    </p:extLst>
   </p:cSld>
   <p:clrMapOvr>
     <a:masterClrMapping/>
@@ -6039,7 +7880,7 @@
       </p:grpSpPr>
       <p:pic>
         <p:nvPicPr>
-          <p:cNvPr id="68" name="Image 6"/>
+          <p:cNvPr id="59" name="Image 6"/>
           <p:cNvPicPr/>
           <p:nvPr/>
         </p:nvPicPr>
@@ -6062,7 +7903,7 @@
       </p:pic>
       <p:sp>
         <p:nvSpPr>
-          <p:cNvPr id="69" name="CustomShape 1"/>
+          <p:cNvPr id="60" name="CustomShape 1"/>
           <p:cNvSpPr/>
           <p:nvPr/>
         </p:nvSpPr>
@@ -6108,7 +7949,7 @@
                 <a:uFillTx/>
                 <a:latin typeface="Times New Roman"/>
               </a:rPr>
-              <a:t>Binary Test</a:t>
+              <a:t>Basis statement</a:t>
             </a:r>
             <a:endParaRPr lang="fr-BE" sz="7200" b="0" strike="noStrike" spc="-1">
               <a:latin typeface="Arial"/>
@@ -6118,7 +7959,7 @@
       </p:sp>
       <p:sp>
         <p:nvSpPr>
-          <p:cNvPr id="70" name="CustomShape 2"/>
+          <p:cNvPr id="61" name="CustomShape 2"/>
           <p:cNvSpPr/>
           <p:nvPr/>
         </p:nvSpPr>
@@ -6162,15 +8003,42 @@
               <a:buChar char="-"/>
             </a:pPr>
             <a:r>
-              <a:rPr lang="fr-BE" sz="2800" b="0" strike="noStrike" spc="-1">
+              <a:rPr lang="fr-BE" sz="2800" b="0" strike="noStrike" spc="-1" dirty="0" err="1">
                 <a:solidFill>
                   <a:srgbClr val="000000"/>
                 </a:solidFill>
                 <a:latin typeface="Times New Roman"/>
               </a:rPr>
-              <a:t>Pass or fail</a:t>
-            </a:r>
-            <a:endParaRPr lang="fr-BE" sz="2800" b="0" strike="noStrike" spc="-1">
+              <a:t>What’s</a:t>
+            </a:r>
+            <a:r>
+              <a:rPr lang="fr-BE" sz="2800" b="0" strike="noStrike" spc="-1" dirty="0">
+                <a:solidFill>
+                  <a:srgbClr val="000000"/>
+                </a:solidFill>
+                <a:latin typeface="Times New Roman"/>
+              </a:rPr>
+              <a:t> an </a:t>
+            </a:r>
+            <a:r>
+              <a:rPr lang="fr-BE" sz="2800" b="0" strike="noStrike" spc="-1" dirty="0" err="1">
+                <a:solidFill>
+                  <a:srgbClr val="000000"/>
+                </a:solidFill>
+                <a:latin typeface="Times New Roman"/>
+              </a:rPr>
+              <a:t>algorithm</a:t>
+            </a:r>
+            <a:r>
+              <a:rPr lang="fr-BE" sz="2800" b="0" strike="noStrike" spc="-1" dirty="0">
+                <a:solidFill>
+                  <a:srgbClr val="000000"/>
+                </a:solidFill>
+                <a:latin typeface="Times New Roman"/>
+              </a:rPr>
+              <a:t> ?</a:t>
+            </a:r>
+            <a:endParaRPr lang="fr-BE" sz="2800" b="0" strike="noStrike" spc="-1" dirty="0">
               <a:latin typeface="Arial"/>
             </a:endParaRPr>
           </a:p>
@@ -6180,7 +8048,7 @@
                 <a:spcPct val="100000"/>
               </a:lnSpc>
             </a:pPr>
-            <a:endParaRPr lang="fr-BE" sz="2800" b="0" strike="noStrike" spc="-1">
+            <a:endParaRPr lang="fr-BE" sz="2800" b="0" strike="noStrike" spc="-1" dirty="0">
               <a:latin typeface="Arial"/>
             </a:endParaRPr>
           </a:p>
@@ -6188,14 +8056,14 @@
       </p:sp>
       <p:sp>
         <p:nvSpPr>
-          <p:cNvPr id="71" name="CustomShape 3"/>
+          <p:cNvPr id="63" name="CustomShape 4"/>
           <p:cNvSpPr/>
           <p:nvPr/>
         </p:nvSpPr>
         <p:spPr>
           <a:xfrm>
             <a:off x="371880" y="3589200"/>
-            <a:ext cx="1593720" cy="516960"/>
+            <a:ext cx="2067840" cy="516960"/>
           </a:xfrm>
           <a:prstGeom prst="rect">
             <a:avLst/>
@@ -6227,70 +8095,24 @@
               </a:lnSpc>
             </a:pPr>
             <a:r>
-              <a:rPr lang="fr-BE" sz="2800" b="0" strike="noStrike" spc="-1">
+              <a:rPr lang="fr-BE" sz="2800" b="0" strike="noStrike" spc="-1" dirty="0">
                 <a:solidFill>
                   <a:srgbClr val="000000"/>
                 </a:solidFill>
                 <a:latin typeface="Times New Roman"/>
               </a:rPr>
-              <a:t>- NP-hard</a:t>
-            </a:r>
-            <a:endParaRPr lang="fr-BE" sz="2800" b="0" strike="noStrike" spc="-1">
-              <a:latin typeface="Arial"/>
-            </a:endParaRPr>
-          </a:p>
-        </p:txBody>
-      </p:sp>
-      <p:sp>
-        <p:nvSpPr>
-          <p:cNvPr id="72" name="CustomShape 4"/>
-          <p:cNvSpPr/>
-          <p:nvPr/>
-        </p:nvSpPr>
-        <p:spPr>
-          <a:xfrm>
-            <a:off x="383760" y="4450680"/>
-            <a:ext cx="3840120" cy="516960"/>
-          </a:xfrm>
-          <a:prstGeom prst="rect">
-            <a:avLst/>
-          </a:prstGeom>
-          <a:noFill/>
-          <a:ln>
-            <a:noFill/>
-          </a:ln>
-        </p:spPr>
-        <p:style>
-          <a:lnRef idx="0">
-            <a:scrgbClr r="0" g="0" b="0"/>
-          </a:lnRef>
-          <a:fillRef idx="0">
-            <a:scrgbClr r="0" g="0" b="0"/>
-          </a:fillRef>
-          <a:effectRef idx="0">
-            <a:scrgbClr r="0" g="0" b="0"/>
-          </a:effectRef>
-          <a:fontRef idx="minor"/>
-        </p:style>
-        <p:txBody>
-          <a:bodyPr wrap="none" lIns="90000" tIns="45000" rIns="90000" bIns="45000"/>
-          <a:lstStyle/>
-          <a:p>
-            <a:pPr>
-              <a:lnSpc>
-                <a:spcPct val="100000"/>
-              </a:lnSpc>
-            </a:pPr>
-            <a:r>
-              <a:rPr lang="fr-BE" sz="2800" b="0" strike="noStrike" spc="-1">
+              <a:t>- </a:t>
+            </a:r>
+            <a:r>
+              <a:rPr lang="fr-BE" sz="2800" b="0" strike="noStrike" spc="-1" dirty="0" err="1">
                 <a:solidFill>
                   <a:srgbClr val="000000"/>
                 </a:solidFill>
                 <a:latin typeface="Times New Roman"/>
               </a:rPr>
-              <a:t>- General Linear Program</a:t>
-            </a:r>
-            <a:endParaRPr lang="fr-BE" sz="2800" b="0" strike="noStrike" spc="-1">
+              <a:t>Complexity</a:t>
+            </a:r>
+            <a:endParaRPr lang="fr-BE" sz="2800" b="0" strike="noStrike" spc="-1" dirty="0">
               <a:latin typeface="Arial"/>
             </a:endParaRPr>
           </a:p>
@@ -6350,7 +8172,7 @@
       </p:grpSpPr>
       <p:pic>
         <p:nvPicPr>
-          <p:cNvPr id="73" name="Image 6"/>
+          <p:cNvPr id="59" name="Image 6"/>
           <p:cNvPicPr/>
           <p:nvPr/>
         </p:nvPicPr>
@@ -6373,7 +8195,7 @@
       </p:pic>
       <p:sp>
         <p:nvSpPr>
-          <p:cNvPr id="74" name="CustomShape 1"/>
+          <p:cNvPr id="60" name="CustomShape 1"/>
           <p:cNvSpPr/>
           <p:nvPr/>
         </p:nvSpPr>
@@ -6419,7 +8241,7 @@
                 <a:uFillTx/>
                 <a:latin typeface="Times New Roman"/>
               </a:rPr>
-              <a:t>Scored Test</a:t>
+              <a:t>Basis statement</a:t>
             </a:r>
             <a:endParaRPr lang="fr-BE" sz="7200" b="0" strike="noStrike" spc="-1">
               <a:latin typeface="Arial"/>
@@ -6429,14 +8251,14 @@
       </p:sp>
       <p:sp>
         <p:nvSpPr>
-          <p:cNvPr id="75" name="CustomShape 2"/>
+          <p:cNvPr id="63" name="CustomShape 4"/>
           <p:cNvSpPr/>
           <p:nvPr/>
         </p:nvSpPr>
         <p:spPr>
           <a:xfrm>
-            <a:off x="362520" y="2788920"/>
-            <a:ext cx="4491360" cy="791280"/>
+            <a:off x="324600" y="1914840"/>
+            <a:ext cx="2067840" cy="516960"/>
           </a:xfrm>
           <a:prstGeom prst="rect">
             <a:avLst/>
@@ -6459,100 +8281,89 @@
           <a:fontRef idx="minor"/>
         </p:style>
         <p:txBody>
-          <a:bodyPr lIns="90000" tIns="45000" rIns="90000" bIns="45000"/>
-          <a:lstStyle/>
-          <a:p>
-            <a:pPr marL="285840" indent="-285480">
-              <a:lnSpc>
-                <a:spcPct val="100000"/>
-              </a:lnSpc>
-              <a:buClr>
-                <a:srgbClr val="000000"/>
-              </a:buClr>
-              <a:buFont typeface="StarSymbol"/>
-              <a:buChar char="-"/>
-            </a:pPr>
-            <a:r>
-              <a:rPr lang="fr-BE" sz="2800" b="0" strike="noStrike" spc="-1">
-                <a:solidFill>
-                  <a:srgbClr val="000000"/>
-                </a:solidFill>
-                <a:latin typeface="Times New Roman"/>
-              </a:rPr>
-              <a:t>Monitored test centres</a:t>
-            </a:r>
-            <a:endParaRPr lang="fr-BE" sz="2800" b="0" strike="noStrike" spc="-1">
-              <a:latin typeface="Arial"/>
-            </a:endParaRPr>
-          </a:p>
+          <a:bodyPr wrap="none" lIns="90000" tIns="45000" rIns="90000" bIns="45000"/>
+          <a:lstStyle/>
           <a:p>
             <a:pPr>
               <a:lnSpc>
                 <a:spcPct val="100000"/>
               </a:lnSpc>
             </a:pPr>
-            <a:endParaRPr lang="fr-BE" sz="2800" b="0" strike="noStrike" spc="-1">
+            <a:r>
+              <a:rPr lang="fr-BE" sz="2800" b="0" strike="noStrike" spc="-1" dirty="0" err="1">
+                <a:solidFill>
+                  <a:srgbClr val="000000"/>
+                </a:solidFill>
+                <a:latin typeface="Times New Roman"/>
+              </a:rPr>
+              <a:t>Linear</a:t>
+            </a:r>
+            <a:r>
+              <a:rPr lang="fr-BE" sz="2800" b="0" strike="noStrike" spc="-1" dirty="0">
+                <a:solidFill>
+                  <a:srgbClr val="000000"/>
+                </a:solidFill>
+                <a:latin typeface="Times New Roman"/>
+              </a:rPr>
+              <a:t> </a:t>
+            </a:r>
+            <a:r>
+              <a:rPr lang="fr-BE" sz="2800" b="0" strike="noStrike" spc="-1" dirty="0" err="1">
+                <a:solidFill>
+                  <a:srgbClr val="000000"/>
+                </a:solidFill>
+                <a:latin typeface="Times New Roman"/>
+              </a:rPr>
+              <a:t>search</a:t>
+            </a:r>
+            <a:endParaRPr lang="fr-BE" sz="2800" b="0" strike="noStrike" spc="-1" dirty="0">
               <a:latin typeface="Arial"/>
             </a:endParaRPr>
           </a:p>
         </p:txBody>
       </p:sp>
-      <p:sp>
-        <p:nvSpPr>
-          <p:cNvPr id="76" name="CustomShape 3"/>
-          <p:cNvSpPr/>
-          <p:nvPr/>
-        </p:nvSpPr>
-        <p:spPr>
-          <a:xfrm>
-            <a:off x="383040" y="3589200"/>
-            <a:ext cx="4277520" cy="516960"/>
-          </a:xfrm>
-          <a:prstGeom prst="rect">
-            <a:avLst/>
-          </a:prstGeom>
-          <a:noFill/>
-          <a:ln>
-            <a:noFill/>
-          </a:ln>
-        </p:spPr>
-        <p:style>
-          <a:lnRef idx="0">
-            <a:scrgbClr r="0" g="0" b="0"/>
-          </a:lnRef>
-          <a:fillRef idx="0">
-            <a:scrgbClr r="0" g="0" b="0"/>
-          </a:fillRef>
-          <a:effectRef idx="0">
-            <a:scrgbClr r="0" g="0" b="0"/>
-          </a:effectRef>
-          <a:fontRef idx="minor"/>
-        </p:style>
-        <p:txBody>
-          <a:bodyPr wrap="none" lIns="90000" tIns="45000" rIns="90000" bIns="45000"/>
-          <a:lstStyle/>
-          <a:p>
-            <a:pPr>
-              <a:lnSpc>
-                <a:spcPct val="100000"/>
-              </a:lnSpc>
-            </a:pPr>
-            <a:r>
-              <a:rPr lang="fr-BE" sz="2800" b="0" strike="noStrike" spc="-1">
-                <a:solidFill>
-                  <a:srgbClr val="000000"/>
-                </a:solidFill>
-                <a:latin typeface="Times New Roman"/>
-              </a:rPr>
-              <a:t>- Generate random questions</a:t>
-            </a:r>
-            <a:endParaRPr lang="fr-BE" sz="2800" b="0" strike="noStrike" spc="-1">
-              <a:latin typeface="Arial"/>
-            </a:endParaRPr>
-          </a:p>
-        </p:txBody>
-      </p:sp>
+      <p:pic>
+        <p:nvPicPr>
+          <p:cNvPr id="5" name="Image 4">
+            <a:extLst>
+              <a:ext uri="{FF2B5EF4-FFF2-40B4-BE49-F238E27FC236}">
+                <a16:creationId xmlns:a16="http://schemas.microsoft.com/office/drawing/2014/main" id="{B17EFAA4-393C-4E39-9E0D-4F18991ED6F3}"/>
+              </a:ext>
+            </a:extLst>
+          </p:cNvPr>
+          <p:cNvPicPr>
+            <a:picLocks noChangeAspect="1"/>
+          </p:cNvPicPr>
+          <p:nvPr/>
+        </p:nvPicPr>
+        <p:blipFill>
+          <a:blip r:embed="rId3">
+            <a:extLst>
+              <a:ext uri="{28A0092B-C50C-407E-A947-70E740481C1C}">
+                <a14:useLocalDpi xmlns:a14="http://schemas.microsoft.com/office/drawing/2010/main" val="0"/>
+              </a:ext>
+            </a:extLst>
+          </a:blip>
+          <a:stretch>
+            <a:fillRect/>
+          </a:stretch>
+        </p:blipFill>
+        <p:spPr>
+          <a:xfrm>
+            <a:off x="111901" y="2431800"/>
+            <a:ext cx="11755499" cy="1994401"/>
+          </a:xfrm>
+          <a:prstGeom prst="rect">
+            <a:avLst/>
+          </a:prstGeom>
+        </p:spPr>
+      </p:pic>
     </p:spTree>
+    <p:extLst>
+      <p:ext uri="{BB962C8B-B14F-4D97-AF65-F5344CB8AC3E}">
+        <p14:creationId xmlns:p14="http://schemas.microsoft.com/office/powerpoint/2010/main" val="710739771"/>
+      </p:ext>
+    </p:extLst>
   </p:cSld>
   <p:clrMapOvr>
     <a:masterClrMapping/>
@@ -6606,7 +8417,7 @@
       </p:grpSpPr>
       <p:pic>
         <p:nvPicPr>
-          <p:cNvPr id="77" name="Image 6"/>
+          <p:cNvPr id="59" name="Image 6"/>
           <p:cNvPicPr/>
           <p:nvPr/>
         </p:nvPicPr>
@@ -6629,14 +8440,14 @@
       </p:pic>
       <p:sp>
         <p:nvSpPr>
-          <p:cNvPr id="78" name="CustomShape 1"/>
+          <p:cNvPr id="60" name="CustomShape 1"/>
           <p:cNvSpPr/>
           <p:nvPr/>
         </p:nvSpPr>
         <p:spPr>
           <a:xfrm>
-            <a:off x="1235160" y="727200"/>
-            <a:ext cx="8476200" cy="1126440"/>
+            <a:off x="2480040" y="727200"/>
+            <a:ext cx="7231320" cy="1187640"/>
           </a:xfrm>
           <a:prstGeom prst="rect">
             <a:avLst/>
@@ -6668,16 +8479,16 @@
               </a:lnSpc>
             </a:pPr>
             <a:r>
-              <a:rPr lang="fr-BE" sz="6800" b="1" u="sng" strike="noStrike" spc="-1">
+              <a:rPr lang="fr-BE" sz="7200" b="1" u="sng" strike="noStrike" spc="-1">
                 <a:solidFill>
                   <a:srgbClr val="2F5597"/>
                 </a:solidFill>
                 <a:uFillTx/>
                 <a:latin typeface="Times New Roman"/>
               </a:rPr>
-              <a:t>Constant memory size</a:t>
-            </a:r>
-            <a:endParaRPr lang="fr-BE" sz="6800" b="0" strike="noStrike" spc="-1">
+              <a:t>Basis statement</a:t>
+            </a:r>
+            <a:endParaRPr lang="fr-BE" sz="7200" b="0" strike="noStrike" spc="-1">
               <a:latin typeface="Arial"/>
             </a:endParaRPr>
           </a:p>
@@ -6685,14 +8496,14 @@
       </p:sp>
       <p:sp>
         <p:nvSpPr>
-          <p:cNvPr id="79" name="CustomShape 2"/>
+          <p:cNvPr id="63" name="CustomShape 4"/>
           <p:cNvSpPr/>
           <p:nvPr/>
         </p:nvSpPr>
         <p:spPr>
           <a:xfrm>
-            <a:off x="362520" y="2788920"/>
-            <a:ext cx="4491360" cy="791280"/>
+            <a:off x="324600" y="1914840"/>
+            <a:ext cx="2067840" cy="516960"/>
           </a:xfrm>
           <a:prstGeom prst="rect">
             <a:avLst/>
@@ -6715,100 +8526,89 @@
           <a:fontRef idx="minor"/>
         </p:style>
         <p:txBody>
-          <a:bodyPr lIns="90000" tIns="45000" rIns="90000" bIns="45000"/>
-          <a:lstStyle/>
-          <a:p>
-            <a:pPr marL="285840" indent="-285480">
-              <a:lnSpc>
-                <a:spcPct val="100000"/>
-              </a:lnSpc>
-              <a:buClr>
-                <a:srgbClr val="000000"/>
-              </a:buClr>
-              <a:buFont typeface="StarSymbol"/>
-              <a:buChar char="-"/>
-            </a:pPr>
-            <a:r>
-              <a:rPr lang="fr-BE" sz="2800" b="0" strike="noStrike" spc="-1">
-                <a:solidFill>
-                  <a:srgbClr val="000000"/>
-                </a:solidFill>
-                <a:latin typeface="Times New Roman"/>
-              </a:rPr>
-              <a:t>Test size not constant</a:t>
-            </a:r>
-            <a:endParaRPr lang="fr-BE" sz="2800" b="0" strike="noStrike" spc="-1">
-              <a:latin typeface="Arial"/>
-            </a:endParaRPr>
-          </a:p>
+          <a:bodyPr wrap="none" lIns="90000" tIns="45000" rIns="90000" bIns="45000"/>
+          <a:lstStyle/>
           <a:p>
             <a:pPr>
               <a:lnSpc>
                 <a:spcPct val="100000"/>
               </a:lnSpc>
             </a:pPr>
-            <a:endParaRPr lang="fr-BE" sz="2800" b="0" strike="noStrike" spc="-1">
+            <a:r>
+              <a:rPr lang="fr-BE" sz="2800" b="0" strike="noStrike" spc="-1" dirty="0" err="1">
+                <a:solidFill>
+                  <a:srgbClr val="000000"/>
+                </a:solidFill>
+                <a:latin typeface="Times New Roman"/>
+              </a:rPr>
+              <a:t>Dichotomous</a:t>
+            </a:r>
+            <a:r>
+              <a:rPr lang="fr-BE" sz="2800" b="0" strike="noStrike" spc="-1" dirty="0">
+                <a:solidFill>
+                  <a:srgbClr val="000000"/>
+                </a:solidFill>
+                <a:latin typeface="Times New Roman"/>
+              </a:rPr>
+              <a:t> </a:t>
+            </a:r>
+            <a:r>
+              <a:rPr lang="fr-BE" sz="2800" b="0" strike="noStrike" spc="-1" dirty="0" err="1">
+                <a:solidFill>
+                  <a:srgbClr val="000000"/>
+                </a:solidFill>
+                <a:latin typeface="Times New Roman"/>
+              </a:rPr>
+              <a:t>search</a:t>
+            </a:r>
+            <a:endParaRPr lang="fr-BE" sz="2800" b="0" strike="noStrike" spc="-1" dirty="0">
               <a:latin typeface="Arial"/>
             </a:endParaRPr>
           </a:p>
         </p:txBody>
       </p:sp>
-      <p:sp>
-        <p:nvSpPr>
-          <p:cNvPr id="80" name="CustomShape 3"/>
-          <p:cNvSpPr/>
-          <p:nvPr/>
-        </p:nvSpPr>
-        <p:spPr>
-          <a:xfrm>
-            <a:off x="371520" y="3589200"/>
-            <a:ext cx="1573920" cy="516960"/>
-          </a:xfrm>
-          <a:prstGeom prst="rect">
-            <a:avLst/>
-          </a:prstGeom>
-          <a:noFill/>
-          <a:ln>
-            <a:noFill/>
-          </a:ln>
-        </p:spPr>
-        <p:style>
-          <a:lnRef idx="0">
-            <a:scrgbClr r="0" g="0" b="0"/>
-          </a:lnRef>
-          <a:fillRef idx="0">
-            <a:scrgbClr r="0" g="0" b="0"/>
-          </a:fillRef>
-          <a:effectRef idx="0">
-            <a:scrgbClr r="0" g="0" b="0"/>
-          </a:effectRef>
-          <a:fontRef idx="minor"/>
-        </p:style>
-        <p:txBody>
-          <a:bodyPr wrap="none" lIns="90000" tIns="45000" rIns="90000" bIns="45000"/>
-          <a:lstStyle/>
-          <a:p>
-            <a:pPr>
-              <a:lnSpc>
-                <a:spcPct val="100000"/>
-              </a:lnSpc>
-            </a:pPr>
-            <a:r>
-              <a:rPr lang="fr-BE" sz="2800" b="0" strike="noStrike" spc="-1">
-                <a:solidFill>
-                  <a:srgbClr val="000000"/>
-                </a:solidFill>
-                <a:latin typeface="Times New Roman"/>
-              </a:rPr>
-              <a:t>- Np-hard</a:t>
-            </a:r>
-            <a:endParaRPr lang="fr-BE" sz="2800" b="0" strike="noStrike" spc="-1">
-              <a:latin typeface="Arial"/>
-            </a:endParaRPr>
-          </a:p>
-        </p:txBody>
-      </p:sp>
+      <p:pic>
+        <p:nvPicPr>
+          <p:cNvPr id="3" name="Image 2">
+            <a:extLst>
+              <a:ext uri="{FF2B5EF4-FFF2-40B4-BE49-F238E27FC236}">
+                <a16:creationId xmlns:a16="http://schemas.microsoft.com/office/drawing/2014/main" id="{DE5C1FE5-EBED-4A0C-8942-F342E05F0687}"/>
+              </a:ext>
+            </a:extLst>
+          </p:cNvPr>
+          <p:cNvPicPr>
+            <a:picLocks noChangeAspect="1"/>
+          </p:cNvPicPr>
+          <p:nvPr/>
+        </p:nvPicPr>
+        <p:blipFill>
+          <a:blip r:embed="rId3">
+            <a:extLst>
+              <a:ext uri="{28A0092B-C50C-407E-A947-70E740481C1C}">
+                <a14:useLocalDpi xmlns:a14="http://schemas.microsoft.com/office/drawing/2010/main" val="0"/>
+              </a:ext>
+            </a:extLst>
+          </a:blip>
+          <a:stretch>
+            <a:fillRect/>
+          </a:stretch>
+        </p:blipFill>
+        <p:spPr>
+          <a:xfrm>
+            <a:off x="324600" y="2552828"/>
+            <a:ext cx="7648945" cy="3929766"/>
+          </a:xfrm>
+          <a:prstGeom prst="rect">
+            <a:avLst/>
+          </a:prstGeom>
+        </p:spPr>
+      </p:pic>
     </p:spTree>
+    <p:extLst>
+      <p:ext uri="{BB962C8B-B14F-4D97-AF65-F5344CB8AC3E}">
+        <p14:creationId xmlns:p14="http://schemas.microsoft.com/office/powerpoint/2010/main" val="3405427853"/>
+      </p:ext>
+    </p:extLst>
   </p:cSld>
   <p:clrMapOvr>
     <a:masterClrMapping/>

--- a/Anglais.pptx
+++ b/Anglais.pptx
@@ -2664,16 +2664,26 @@
               </a:lnSpc>
             </a:pPr>
             <a:r>
-              <a:rPr lang="fr-BE" sz="7200" b="1" u="sng" strike="noStrike" spc="-1">
+              <a:rPr lang="fr-BE" sz="7200" b="1" u="sng" strike="noStrike" spc="-1" dirty="0">
                 <a:solidFill>
                   <a:srgbClr val="2F5597"/>
                 </a:solidFill>
                 <a:uFillTx/>
                 <a:latin typeface="Times New Roman"/>
               </a:rPr>
-              <a:t>Basis statement</a:t>
-            </a:r>
-            <a:endParaRPr lang="fr-BE" sz="7200" b="0" strike="noStrike" spc="-1">
+              <a:t>Basic </a:t>
+            </a:r>
+            <a:r>
+              <a:rPr lang="fr-BE" sz="7200" b="1" u="sng" strike="noStrike" spc="-1" dirty="0" err="1">
+                <a:solidFill>
+                  <a:srgbClr val="2F5597"/>
+                </a:solidFill>
+                <a:uFillTx/>
+                <a:latin typeface="Times New Roman"/>
+              </a:rPr>
+              <a:t>statement</a:t>
+            </a:r>
+            <a:endParaRPr lang="fr-BE" sz="7200" b="0" strike="noStrike" spc="-1" dirty="0">
               <a:latin typeface="Arial"/>
             </a:endParaRPr>
           </a:p>
@@ -2968,7 +2978,7 @@
                 <a:uFillTx/>
                 <a:latin typeface="Times New Roman"/>
               </a:rPr>
-              <a:t>Basis </a:t>
+              <a:t>Basic </a:t>
             </a:r>
             <a:r>
               <a:rPr lang="fr-BE" sz="7200" b="1" u="sng" strike="noStrike" spc="-1" dirty="0" err="1">
@@ -3362,16 +3372,26 @@
               </a:lnSpc>
             </a:pPr>
             <a:r>
-              <a:rPr lang="fr-BE" sz="7200" b="1" u="sng" strike="noStrike" spc="-1">
+              <a:rPr lang="fr-BE" sz="7200" b="1" u="sng" strike="noStrike" spc="-1" dirty="0">
                 <a:solidFill>
                   <a:srgbClr val="2F5597"/>
                 </a:solidFill>
                 <a:uFillTx/>
                 <a:latin typeface="Times New Roman"/>
               </a:rPr>
-              <a:t>Basis statement</a:t>
-            </a:r>
-            <a:endParaRPr lang="fr-BE" sz="7200" b="0" strike="noStrike" spc="-1">
+              <a:t>Basic </a:t>
+            </a:r>
+            <a:r>
+              <a:rPr lang="fr-BE" sz="7200" b="1" u="sng" strike="noStrike" spc="-1" dirty="0" err="1">
+                <a:solidFill>
+                  <a:srgbClr val="2F5597"/>
+                </a:solidFill>
+                <a:uFillTx/>
+                <a:latin typeface="Times New Roman"/>
+              </a:rPr>
+              <a:t>statement</a:t>
+            </a:r>
+            <a:endParaRPr lang="fr-BE" sz="7200" b="0" strike="noStrike" spc="-1" dirty="0">
               <a:latin typeface="Arial"/>
             </a:endParaRPr>
           </a:p>
@@ -3599,16 +3619,26 @@
               </a:lnSpc>
             </a:pPr>
             <a:r>
-              <a:rPr lang="fr-BE" sz="7200" b="1" u="sng" strike="noStrike" spc="-1">
+              <a:rPr lang="fr-BE" sz="7200" b="1" u="sng" strike="noStrike" spc="-1" dirty="0">
                 <a:solidFill>
                   <a:srgbClr val="2F5597"/>
                 </a:solidFill>
                 <a:uFillTx/>
                 <a:latin typeface="Times New Roman"/>
               </a:rPr>
-              <a:t>Basis statement</a:t>
-            </a:r>
-            <a:endParaRPr lang="fr-BE" sz="7200" b="0" strike="noStrike" spc="-1">
+              <a:t>Basic </a:t>
+            </a:r>
+            <a:r>
+              <a:rPr lang="fr-BE" sz="7200" b="1" u="sng" strike="noStrike" spc="-1" dirty="0" err="1">
+                <a:solidFill>
+                  <a:srgbClr val="2F5597"/>
+                </a:solidFill>
+                <a:uFillTx/>
+                <a:latin typeface="Times New Roman"/>
+              </a:rPr>
+              <a:t>statement</a:t>
+            </a:r>
+            <a:endParaRPr lang="fr-BE" sz="7200" b="0" strike="noStrike" spc="-1" dirty="0">
               <a:latin typeface="Arial"/>
             </a:endParaRPr>
           </a:p>
@@ -4040,14 +4070,14 @@
       </p:sp>
       <p:sp>
         <p:nvSpPr>
-          <p:cNvPr id="71" name="CustomShape 3"/>
+          <p:cNvPr id="72" name="CustomShape 4"/>
           <p:cNvSpPr/>
           <p:nvPr/>
         </p:nvSpPr>
         <p:spPr>
           <a:xfrm>
-            <a:off x="371880" y="3589200"/>
-            <a:ext cx="1593720" cy="516960"/>
+            <a:off x="362520" y="3580200"/>
+            <a:ext cx="3840120" cy="516960"/>
           </a:xfrm>
           <a:prstGeom prst="rect">
             <a:avLst/>
@@ -4079,70 +4109,33 @@
               </a:lnSpc>
             </a:pPr>
             <a:r>
-              <a:rPr lang="fr-BE" sz="2800" b="0" strike="noStrike" spc="-1">
+              <a:rPr lang="fr-BE" sz="2800" b="0" strike="noStrike" spc="-1" dirty="0">
                 <a:solidFill>
                   <a:srgbClr val="000000"/>
                 </a:solidFill>
                 <a:latin typeface="Times New Roman"/>
               </a:rPr>
-              <a:t>- NP-hard</a:t>
-            </a:r>
-            <a:endParaRPr lang="fr-BE" sz="2800" b="0" strike="noStrike" spc="-1">
-              <a:latin typeface="Arial"/>
-            </a:endParaRPr>
-          </a:p>
-        </p:txBody>
-      </p:sp>
-      <p:sp>
-        <p:nvSpPr>
-          <p:cNvPr id="72" name="CustomShape 4"/>
-          <p:cNvSpPr/>
-          <p:nvPr/>
-        </p:nvSpPr>
-        <p:spPr>
-          <a:xfrm>
-            <a:off x="383760" y="4450680"/>
-            <a:ext cx="3840120" cy="516960"/>
-          </a:xfrm>
-          <a:prstGeom prst="rect">
-            <a:avLst/>
-          </a:prstGeom>
-          <a:noFill/>
-          <a:ln>
-            <a:noFill/>
-          </a:ln>
-        </p:spPr>
-        <p:style>
-          <a:lnRef idx="0">
-            <a:scrgbClr r="0" g="0" b="0"/>
-          </a:lnRef>
-          <a:fillRef idx="0">
-            <a:scrgbClr r="0" g="0" b="0"/>
-          </a:fillRef>
-          <a:effectRef idx="0">
-            <a:scrgbClr r="0" g="0" b="0"/>
-          </a:effectRef>
-          <a:fontRef idx="minor"/>
-        </p:style>
-        <p:txBody>
-          <a:bodyPr wrap="none" lIns="90000" tIns="45000" rIns="90000" bIns="45000"/>
-          <a:lstStyle/>
-          <a:p>
-            <a:pPr>
-              <a:lnSpc>
-                <a:spcPct val="100000"/>
-              </a:lnSpc>
-            </a:pPr>
-            <a:r>
-              <a:rPr lang="fr-BE" sz="2800" b="0" strike="noStrike" spc="-1">
+              <a:t>- General </a:t>
+            </a:r>
+            <a:r>
+              <a:rPr lang="fr-BE" sz="2800" b="0" strike="noStrike" spc="-1" dirty="0" err="1">
                 <a:solidFill>
                   <a:srgbClr val="000000"/>
                 </a:solidFill>
                 <a:latin typeface="Times New Roman"/>
               </a:rPr>
-              <a:t>- General Linear Program</a:t>
-            </a:r>
-            <a:endParaRPr lang="fr-BE" sz="2800" b="0" strike="noStrike" spc="-1">
+              <a:t>Linear</a:t>
+            </a:r>
+            <a:r>
+              <a:rPr lang="fr-BE" sz="2800" b="0" strike="noStrike" spc="-1" dirty="0">
+                <a:solidFill>
+                  <a:srgbClr val="000000"/>
+                </a:solidFill>
+                <a:latin typeface="Times New Roman"/>
+              </a:rPr>
+              <a:t> Program</a:t>
+            </a:r>
+            <a:endParaRPr lang="fr-BE" sz="2800" b="0" strike="noStrike" spc="-1" dirty="0">
               <a:latin typeface="Arial"/>
             </a:endParaRPr>
           </a:p>
@@ -7501,16 +7494,26 @@
               </a:lnSpc>
             </a:pPr>
             <a:r>
-              <a:rPr lang="fr-BE" sz="7200" b="1" u="sng" strike="noStrike" spc="-1">
+              <a:rPr lang="fr-BE" sz="7200" b="1" u="sng" strike="noStrike" spc="-1" dirty="0">
                 <a:solidFill>
                   <a:srgbClr val="2F5597"/>
                 </a:solidFill>
                 <a:uFillTx/>
                 <a:latin typeface="Times New Roman"/>
               </a:rPr>
-              <a:t>Basis statement</a:t>
-            </a:r>
-            <a:endParaRPr lang="fr-BE" sz="7200" b="0" strike="noStrike" spc="-1">
+              <a:t>Basic </a:t>
+            </a:r>
+            <a:r>
+              <a:rPr lang="fr-BE" sz="7200" b="1" u="sng" strike="noStrike" spc="-1" dirty="0" err="1">
+                <a:solidFill>
+                  <a:srgbClr val="2F5597"/>
+                </a:solidFill>
+                <a:uFillTx/>
+                <a:latin typeface="Times New Roman"/>
+              </a:rPr>
+              <a:t>statement</a:t>
+            </a:r>
+            <a:endParaRPr lang="fr-BE" sz="7200" b="0" strike="noStrike" spc="-1" dirty="0">
               <a:latin typeface="Arial"/>
             </a:endParaRPr>
           </a:p>
@@ -7734,16 +7737,26 @@
               </a:lnSpc>
             </a:pPr>
             <a:r>
-              <a:rPr lang="fr-BE" sz="7200" b="1" u="sng" strike="noStrike" spc="-1">
+              <a:rPr lang="fr-BE" sz="7200" b="1" u="sng" strike="noStrike" spc="-1" dirty="0">
                 <a:solidFill>
                   <a:srgbClr val="2F5597"/>
                 </a:solidFill>
                 <a:uFillTx/>
                 <a:latin typeface="Times New Roman"/>
               </a:rPr>
-              <a:t>Basis statement</a:t>
-            </a:r>
-            <a:endParaRPr lang="fr-BE" sz="7200" b="0" strike="noStrike" spc="-1">
+              <a:t>Basic </a:t>
+            </a:r>
+            <a:r>
+              <a:rPr lang="fr-BE" sz="7200" b="1" u="sng" strike="noStrike" spc="-1" dirty="0" err="1">
+                <a:solidFill>
+                  <a:srgbClr val="2F5597"/>
+                </a:solidFill>
+                <a:uFillTx/>
+                <a:latin typeface="Times New Roman"/>
+              </a:rPr>
+              <a:t>statement</a:t>
+            </a:r>
+            <a:endParaRPr lang="fr-BE" sz="7200" b="0" strike="noStrike" spc="-1" dirty="0">
               <a:latin typeface="Arial"/>
             </a:endParaRPr>
           </a:p>
@@ -7942,16 +7955,26 @@
               </a:lnSpc>
             </a:pPr>
             <a:r>
-              <a:rPr lang="fr-BE" sz="7200" b="1" u="sng" strike="noStrike" spc="-1">
+              <a:rPr lang="fr-BE" sz="7200" b="1" u="sng" strike="noStrike" spc="-1" dirty="0">
                 <a:solidFill>
                   <a:srgbClr val="2F5597"/>
                 </a:solidFill>
                 <a:uFillTx/>
                 <a:latin typeface="Times New Roman"/>
               </a:rPr>
-              <a:t>Basis statement</a:t>
-            </a:r>
-            <a:endParaRPr lang="fr-BE" sz="7200" b="0" strike="noStrike" spc="-1">
+              <a:t>Basic </a:t>
+            </a:r>
+            <a:r>
+              <a:rPr lang="fr-BE" sz="7200" b="1" u="sng" strike="noStrike" spc="-1" dirty="0" err="1">
+                <a:solidFill>
+                  <a:srgbClr val="2F5597"/>
+                </a:solidFill>
+                <a:uFillTx/>
+                <a:latin typeface="Times New Roman"/>
+              </a:rPr>
+              <a:t>statement</a:t>
+            </a:r>
+            <a:endParaRPr lang="fr-BE" sz="7200" b="0" strike="noStrike" spc="-1" dirty="0">
               <a:latin typeface="Arial"/>
             </a:endParaRPr>
           </a:p>
@@ -8234,16 +8257,26 @@
               </a:lnSpc>
             </a:pPr>
             <a:r>
-              <a:rPr lang="fr-BE" sz="7200" b="1" u="sng" strike="noStrike" spc="-1">
+              <a:rPr lang="fr-BE" sz="7200" b="1" u="sng" strike="noStrike" spc="-1" dirty="0">
                 <a:solidFill>
                   <a:srgbClr val="2F5597"/>
                 </a:solidFill>
                 <a:uFillTx/>
                 <a:latin typeface="Times New Roman"/>
               </a:rPr>
-              <a:t>Basis statement</a:t>
-            </a:r>
-            <a:endParaRPr lang="fr-BE" sz="7200" b="0" strike="noStrike" spc="-1">
+              <a:t>Basic </a:t>
+            </a:r>
+            <a:r>
+              <a:rPr lang="fr-BE" sz="7200" b="1" u="sng" strike="noStrike" spc="-1" dirty="0" err="1">
+                <a:solidFill>
+                  <a:srgbClr val="2F5597"/>
+                </a:solidFill>
+                <a:uFillTx/>
+                <a:latin typeface="Times New Roman"/>
+              </a:rPr>
+              <a:t>statement</a:t>
+            </a:r>
+            <a:endParaRPr lang="fr-BE" sz="7200" b="0" strike="noStrike" spc="-1" dirty="0">
               <a:latin typeface="Arial"/>
             </a:endParaRPr>
           </a:p>
@@ -8479,16 +8512,26 @@
               </a:lnSpc>
             </a:pPr>
             <a:r>
-              <a:rPr lang="fr-BE" sz="7200" b="1" u="sng" strike="noStrike" spc="-1">
+              <a:rPr lang="fr-BE" sz="7200" b="1" u="sng" strike="noStrike" spc="-1" dirty="0">
                 <a:solidFill>
                   <a:srgbClr val="2F5597"/>
                 </a:solidFill>
                 <a:uFillTx/>
                 <a:latin typeface="Times New Roman"/>
               </a:rPr>
-              <a:t>Basis statement</a:t>
-            </a:r>
-            <a:endParaRPr lang="fr-BE" sz="7200" b="0" strike="noStrike" spc="-1">
+              <a:t>Basic </a:t>
+            </a:r>
+            <a:r>
+              <a:rPr lang="fr-BE" sz="7200" b="1" u="sng" strike="noStrike" spc="-1" dirty="0" err="1">
+                <a:solidFill>
+                  <a:srgbClr val="2F5597"/>
+                </a:solidFill>
+                <a:uFillTx/>
+                <a:latin typeface="Times New Roman"/>
+              </a:rPr>
+              <a:t>statement</a:t>
+            </a:r>
+            <a:endParaRPr lang="fr-BE" sz="7200" b="0" strike="noStrike" spc="-1" dirty="0">
               <a:latin typeface="Arial"/>
             </a:endParaRPr>
           </a:p>
